--- a/Slides05Oct_Ju.pptx
+++ b/Slides05Oct_Ju.pptx
@@ -15,9 +15,15 @@
     <p:sldId id="264" r:id="rId9"/>
     <p:sldId id="257" r:id="rId10"/>
     <p:sldId id="258" r:id="rId11"/>
-    <p:sldId id="259" r:id="rId12"/>
-    <p:sldId id="267" r:id="rId13"/>
-    <p:sldId id="268" r:id="rId14"/>
+    <p:sldId id="271" r:id="rId12"/>
+    <p:sldId id="259" r:id="rId13"/>
+    <p:sldId id="269" r:id="rId14"/>
+    <p:sldId id="270" r:id="rId15"/>
+    <p:sldId id="267" r:id="rId16"/>
+    <p:sldId id="268" r:id="rId17"/>
+    <p:sldId id="272" r:id="rId18"/>
+    <p:sldId id="273" r:id="rId19"/>
+    <p:sldId id="274" r:id="rId20"/>
   </p:sldIdLst>
   <p:sldSz cx="12192000" cy="6858000"/>
   <p:notesSz cx="6858000" cy="9144000"/>
@@ -271,7 +277,7 @@
           <a:p>
             <a:fld id="{08962325-C269-1C48-A7A7-E6D86ED09111}" type="datetimeFigureOut">
               <a:rPr lang="en-GB" smtClean="0"/>
-              <a:t>03/10/2022</a:t>
+              <a:t>04/10/2022</a:t>
             </a:fld>
             <a:endParaRPr lang="en-GB"/>
           </a:p>
@@ -469,7 +475,7 @@
           <a:p>
             <a:fld id="{08962325-C269-1C48-A7A7-E6D86ED09111}" type="datetimeFigureOut">
               <a:rPr lang="en-GB" smtClean="0"/>
-              <a:t>03/10/2022</a:t>
+              <a:t>04/10/2022</a:t>
             </a:fld>
             <a:endParaRPr lang="en-GB"/>
           </a:p>
@@ -677,7 +683,7 @@
           <a:p>
             <a:fld id="{08962325-C269-1C48-A7A7-E6D86ED09111}" type="datetimeFigureOut">
               <a:rPr lang="en-GB" smtClean="0"/>
-              <a:t>03/10/2022</a:t>
+              <a:t>04/10/2022</a:t>
             </a:fld>
             <a:endParaRPr lang="en-GB"/>
           </a:p>
@@ -875,7 +881,7 @@
           <a:p>
             <a:fld id="{08962325-C269-1C48-A7A7-E6D86ED09111}" type="datetimeFigureOut">
               <a:rPr lang="en-GB" smtClean="0"/>
-              <a:t>03/10/2022</a:t>
+              <a:t>04/10/2022</a:t>
             </a:fld>
             <a:endParaRPr lang="en-GB"/>
           </a:p>
@@ -1150,7 +1156,7 @@
           <a:p>
             <a:fld id="{08962325-C269-1C48-A7A7-E6D86ED09111}" type="datetimeFigureOut">
               <a:rPr lang="en-GB" smtClean="0"/>
-              <a:t>03/10/2022</a:t>
+              <a:t>04/10/2022</a:t>
             </a:fld>
             <a:endParaRPr lang="en-GB"/>
           </a:p>
@@ -1415,7 +1421,7 @@
           <a:p>
             <a:fld id="{08962325-C269-1C48-A7A7-E6D86ED09111}" type="datetimeFigureOut">
               <a:rPr lang="en-GB" smtClean="0"/>
-              <a:t>03/10/2022</a:t>
+              <a:t>04/10/2022</a:t>
             </a:fld>
             <a:endParaRPr lang="en-GB"/>
           </a:p>
@@ -1827,7 +1833,7 @@
           <a:p>
             <a:fld id="{08962325-C269-1C48-A7A7-E6D86ED09111}" type="datetimeFigureOut">
               <a:rPr lang="en-GB" smtClean="0"/>
-              <a:t>03/10/2022</a:t>
+              <a:t>04/10/2022</a:t>
             </a:fld>
             <a:endParaRPr lang="en-GB"/>
           </a:p>
@@ -1968,7 +1974,7 @@
           <a:p>
             <a:fld id="{08962325-C269-1C48-A7A7-E6D86ED09111}" type="datetimeFigureOut">
               <a:rPr lang="en-GB" smtClean="0"/>
-              <a:t>03/10/2022</a:t>
+              <a:t>04/10/2022</a:t>
             </a:fld>
             <a:endParaRPr lang="en-GB"/>
           </a:p>
@@ -2081,7 +2087,7 @@
           <a:p>
             <a:fld id="{08962325-C269-1C48-A7A7-E6D86ED09111}" type="datetimeFigureOut">
               <a:rPr lang="en-GB" smtClean="0"/>
-              <a:t>03/10/2022</a:t>
+              <a:t>04/10/2022</a:t>
             </a:fld>
             <a:endParaRPr lang="en-GB"/>
           </a:p>
@@ -2392,7 +2398,7 @@
           <a:p>
             <a:fld id="{08962325-C269-1C48-A7A7-E6D86ED09111}" type="datetimeFigureOut">
               <a:rPr lang="en-GB" smtClean="0"/>
-              <a:t>03/10/2022</a:t>
+              <a:t>04/10/2022</a:t>
             </a:fld>
             <a:endParaRPr lang="en-GB"/>
           </a:p>
@@ -2680,7 +2686,7 @@
           <a:p>
             <a:fld id="{08962325-C269-1C48-A7A7-E6D86ED09111}" type="datetimeFigureOut">
               <a:rPr lang="en-GB" smtClean="0"/>
-              <a:t>03/10/2022</a:t>
+              <a:t>04/10/2022</a:t>
             </a:fld>
             <a:endParaRPr lang="en-GB"/>
           </a:p>
@@ -2921,7 +2927,7 @@
           <a:p>
             <a:fld id="{08962325-C269-1C48-A7A7-E6D86ED09111}" type="datetimeFigureOut">
               <a:rPr lang="en-GB" smtClean="0"/>
-              <a:t>03/10/2022</a:t>
+              <a:t>04/10/2022</a:t>
             </a:fld>
             <a:endParaRPr lang="en-GB"/>
           </a:p>
@@ -3404,7 +3410,7 @@
         </p:spPr>
         <p:txBody>
           <a:bodyPr>
-            <a:normAutofit/>
+            <a:normAutofit fontScale="92500" lnSpcReduction="10000"/>
           </a:bodyPr>
           <a:lstStyle/>
           <a:p>
@@ -3423,6 +3429,12 @@
             <a:r>
               <a:rPr lang="en-GB" sz="6200" dirty="0"/>
               <a:t>(CH08056)</a:t>
+            </a:r>
+          </a:p>
+          <a:p>
+            <a:r>
+              <a:rPr lang="en-GB" sz="6200" dirty="0"/>
+              <a:t>05-Oct-2022, Aalto University</a:t>
             </a:r>
           </a:p>
           <a:p>
@@ -3671,39 +3683,58 @@
           <a:chExt cx="0" cy="0"/>
         </a:xfrm>
       </p:grpSpPr>
-      <p:pic>
-        <p:nvPicPr>
-          <p:cNvPr id="4" name="Picture 3">
-            <a:extLst>
-              <a:ext uri="{FF2B5EF4-FFF2-40B4-BE49-F238E27FC236}">
-                <a16:creationId xmlns:a16="http://schemas.microsoft.com/office/drawing/2014/main" id="{59A0254A-9C39-2643-AB3A-2A34D7E092C9}"/>
-              </a:ext>
-            </a:extLst>
-          </p:cNvPr>
-          <p:cNvPicPr>
-            <a:picLocks noChangeAspect="1"/>
-          </p:cNvPicPr>
-          <p:nvPr/>
-        </p:nvPicPr>
-        <p:blipFill rotWithShape="1">
-          <a:blip r:embed="rId2"/>
-          <a:srcRect b="4938"/>
-          <a:stretch/>
-        </p:blipFill>
+      <p:sp>
+        <p:nvSpPr>
+          <p:cNvPr id="3" name="Content Placeholder 2">
+            <a:extLst>
+              <a:ext uri="{FF2B5EF4-FFF2-40B4-BE49-F238E27FC236}">
+                <a16:creationId xmlns:a16="http://schemas.microsoft.com/office/drawing/2014/main" id="{06DF9A98-41AE-3113-B539-D469005023E7}"/>
+              </a:ext>
+            </a:extLst>
+          </p:cNvPr>
+          <p:cNvSpPr>
+            <a:spLocks noGrp="1"/>
+          </p:cNvSpPr>
+          <p:nvPr>
+            <p:ph idx="1"/>
+          </p:nvPr>
+        </p:nvSpPr>
         <p:spPr>
           <a:xfrm>
-            <a:off x="146304" y="83087"/>
-            <a:ext cx="10789920" cy="6691826"/>
+            <a:off x="374731" y="1326346"/>
+            <a:ext cx="11724672" cy="5167313"/>
           </a:xfrm>
-          <a:prstGeom prst="rect">
-            <a:avLst/>
-          </a:prstGeom>
         </p:spPr>
-      </p:pic>
+        <p:txBody>
+          <a:bodyPr>
+            <a:normAutofit/>
+          </a:bodyPr>
+          <a:lstStyle/>
+          <a:p>
+            <a:endParaRPr lang="en-GB" dirty="0"/>
+          </a:p>
+          <a:p>
+            <a:pPr marL="0" indent="0">
+              <a:lnSpc>
+                <a:spcPct val="160000"/>
+              </a:lnSpc>
+              <a:buNone/>
+            </a:pPr>
+            <a:r>
+              <a:rPr lang="en-GB" sz="7200" dirty="0"/>
+              <a:t>What did we do ?</a:t>
+            </a:r>
+            <a:br>
+              <a:rPr lang="en-GB" sz="7200" dirty="0"/>
+            </a:br>
+            <a:endParaRPr lang="en-GB" sz="7200" dirty="0"/>
+          </a:p>
+        </p:txBody>
+      </p:sp>
     </p:spTree>
     <p:extLst>
       <p:ext uri="{BB962C8B-B14F-4D97-AF65-F5344CB8AC3E}">
-        <p14:creationId xmlns:p14="http://schemas.microsoft.com/office/powerpoint/2010/main" val="1425234087"/>
+        <p14:creationId xmlns:p14="http://schemas.microsoft.com/office/powerpoint/2010/main" val="2965952962"/>
       </p:ext>
     </p:extLst>
   </p:cSld>
@@ -3730,170 +3761,45 @@
           <a:chExt cx="0" cy="0"/>
         </a:xfrm>
       </p:grpSpPr>
-      <p:sp>
-        <p:nvSpPr>
-          <p:cNvPr id="2" name="Title 1">
-            <a:extLst>
-              <a:ext uri="{FF2B5EF4-FFF2-40B4-BE49-F238E27FC236}">
-                <a16:creationId xmlns:a16="http://schemas.microsoft.com/office/drawing/2014/main" id="{479C4B44-1620-F539-5D38-523A8CC677C9}"/>
-              </a:ext>
-            </a:extLst>
-          </p:cNvPr>
-          <p:cNvSpPr>
-            <a:spLocks noGrp="1"/>
-          </p:cNvSpPr>
-          <p:nvPr>
-            <p:ph type="title"/>
-          </p:nvPr>
-        </p:nvSpPr>
+      <p:pic>
+        <p:nvPicPr>
+          <p:cNvPr id="4" name="Picture 3">
+            <a:extLst>
+              <a:ext uri="{FF2B5EF4-FFF2-40B4-BE49-F238E27FC236}">
+                <a16:creationId xmlns:a16="http://schemas.microsoft.com/office/drawing/2014/main" id="{59A0254A-9C39-2643-AB3A-2A34D7E092C9}"/>
+              </a:ext>
+            </a:extLst>
+          </p:cNvPr>
+          <p:cNvPicPr>
+            <a:picLocks noChangeAspect="1"/>
+          </p:cNvPicPr>
+          <p:nvPr/>
+        </p:nvPicPr>
+        <p:blipFill rotWithShape="1">
+          <a:blip r:embed="rId2" cstate="email">
+            <a:extLst>
+              <a:ext uri="{28A0092B-C50C-407E-A947-70E740481C1C}">
+                <a14:useLocalDpi xmlns:a14="http://schemas.microsoft.com/office/drawing/2010/main"/>
+              </a:ext>
+            </a:extLst>
+          </a:blip>
+          <a:srcRect/>
+          <a:stretch/>
+        </p:blipFill>
         <p:spPr>
           <a:xfrm>
-            <a:off x="637032" y="346837"/>
-            <a:ext cx="10515600" cy="1325563"/>
+            <a:off x="146304" y="83087"/>
+            <a:ext cx="10789920" cy="6691826"/>
           </a:xfrm>
+          <a:prstGeom prst="rect">
+            <a:avLst/>
+          </a:prstGeom>
         </p:spPr>
-        <p:txBody>
-          <a:bodyPr>
-            <a:normAutofit/>
-          </a:bodyPr>
-          <a:lstStyle/>
-          <a:p>
-            <a:r>
-              <a:rPr lang="en-GB" sz="5400" b="1" dirty="0"/>
-              <a:t>Best Paper Award </a:t>
-            </a:r>
-          </a:p>
-        </p:txBody>
-      </p:sp>
-      <p:sp>
-        <p:nvSpPr>
-          <p:cNvPr id="3" name="Content Placeholder 2">
-            <a:extLst>
-              <a:ext uri="{FF2B5EF4-FFF2-40B4-BE49-F238E27FC236}">
-                <a16:creationId xmlns:a16="http://schemas.microsoft.com/office/drawing/2014/main" id="{F4B7F61F-49CE-5316-A894-37EECF55ED9E}"/>
-              </a:ext>
-            </a:extLst>
-          </p:cNvPr>
-          <p:cNvSpPr>
-            <a:spLocks noGrp="1"/>
-          </p:cNvSpPr>
-          <p:nvPr>
-            <p:ph idx="1"/>
-          </p:nvPr>
-        </p:nvSpPr>
-        <p:spPr>
-          <a:xfrm>
-            <a:off x="637032" y="1672400"/>
-            <a:ext cx="11353800" cy="5032375"/>
-          </a:xfrm>
-        </p:spPr>
-        <p:txBody>
-          <a:bodyPr>
-            <a:normAutofit lnSpcReduction="10000"/>
-          </a:bodyPr>
-          <a:lstStyle/>
-          <a:p>
-            <a:pPr>
-              <a:lnSpc>
-                <a:spcPct val="110000"/>
-              </a:lnSpc>
-            </a:pPr>
-            <a:r>
-              <a:rPr lang="en-GB" dirty="0" err="1"/>
-              <a:t>honor</a:t>
-            </a:r>
-            <a:r>
-              <a:rPr lang="en-GB" dirty="0"/>
-              <a:t> an IEEE Finland Section member who has made contributions of exceptional distinction that are a model for other members to emulate. </a:t>
-            </a:r>
-          </a:p>
-          <a:p>
-            <a:pPr>
-              <a:lnSpc>
-                <a:spcPct val="150000"/>
-              </a:lnSpc>
-            </a:pPr>
-            <a:r>
-              <a:rPr lang="en-GB" dirty="0"/>
-              <a:t>journal publication during 01.01.2020 and 31.12.2021</a:t>
-            </a:r>
-          </a:p>
-          <a:p>
-            <a:pPr>
-              <a:lnSpc>
-                <a:spcPct val="150000"/>
-              </a:lnSpc>
-            </a:pPr>
-            <a:r>
-              <a:rPr lang="en-GB" dirty="0"/>
-              <a:t>journal must be listed</a:t>
-            </a:r>
-          </a:p>
-          <a:p>
-            <a:pPr lvl="1">
-              <a:lnSpc>
-                <a:spcPct val="150000"/>
-              </a:lnSpc>
-            </a:pPr>
-            <a:r>
-              <a:rPr lang="en-GB" dirty="0">
-                <a:hlinkClick r:id="rId2"/>
-              </a:rPr>
-              <a:t>https://signalprocessingsociety.org/publications-resources</a:t>
-            </a:r>
-            <a:r>
-              <a:rPr lang="en-GB" dirty="0"/>
-              <a:t> </a:t>
-            </a:r>
-          </a:p>
-          <a:p>
-            <a:pPr lvl="1">
-              <a:lnSpc>
-                <a:spcPct val="150000"/>
-              </a:lnSpc>
-            </a:pPr>
-            <a:r>
-              <a:rPr lang="en-GB" dirty="0">
-                <a:hlinkClick r:id="rId3"/>
-              </a:rPr>
-              <a:t>https://ieee-cas.org/publications</a:t>
-            </a:r>
-            <a:endParaRPr lang="en-GB" dirty="0"/>
-          </a:p>
-          <a:p>
-            <a:pPr>
-              <a:lnSpc>
-                <a:spcPct val="150000"/>
-              </a:lnSpc>
-            </a:pPr>
-            <a:r>
-              <a:rPr lang="en-GB" dirty="0"/>
-              <a:t>First prize: EUR 500,00. Second: EUR 200,00. Third: EUR 100,00.</a:t>
-            </a:r>
-          </a:p>
-          <a:p>
-            <a:pPr>
-              <a:lnSpc>
-                <a:spcPct val="150000"/>
-              </a:lnSpc>
-            </a:pPr>
-            <a:r>
-              <a:rPr lang="en-GB" dirty="0"/>
-              <a:t>Announcement of Awardees: December 2022.</a:t>
-            </a:r>
-          </a:p>
-          <a:p>
-            <a:endParaRPr lang="en-GB" dirty="0"/>
-          </a:p>
-          <a:p>
-            <a:endParaRPr lang="en-GB" dirty="0"/>
-          </a:p>
-        </p:txBody>
-      </p:sp>
+      </p:pic>
     </p:spTree>
     <p:extLst>
       <p:ext uri="{BB962C8B-B14F-4D97-AF65-F5344CB8AC3E}">
-        <p14:creationId xmlns:p14="http://schemas.microsoft.com/office/powerpoint/2010/main" val="1140515718"/>
+        <p14:creationId xmlns:p14="http://schemas.microsoft.com/office/powerpoint/2010/main" val="1425234087"/>
       </p:ext>
     </p:extLst>
   </p:cSld>
@@ -3920,12 +3826,1008 @@
           <a:chExt cx="0" cy="0"/>
         </a:xfrm>
       </p:grpSpPr>
+      <p:pic>
+        <p:nvPicPr>
+          <p:cNvPr id="6" name="Picture 5" descr="Graphical user interface, website&#10;&#10;Description automatically generated">
+            <a:extLst>
+              <a:ext uri="{FF2B5EF4-FFF2-40B4-BE49-F238E27FC236}">
+                <a16:creationId xmlns:a16="http://schemas.microsoft.com/office/drawing/2014/main" id="{240D0A3F-E757-E6B9-D49E-3DD9F98058A4}"/>
+              </a:ext>
+            </a:extLst>
+          </p:cNvPr>
+          <p:cNvPicPr>
+            <a:picLocks noChangeAspect="1"/>
+          </p:cNvPicPr>
+          <p:nvPr/>
+        </p:nvPicPr>
+        <p:blipFill>
+          <a:blip r:embed="rId2"/>
+          <a:stretch>
+            <a:fillRect/>
+          </a:stretch>
+        </p:blipFill>
+        <p:spPr>
+          <a:xfrm>
+            <a:off x="806449" y="428406"/>
+            <a:ext cx="7802563" cy="4550280"/>
+          </a:xfrm>
+          <a:prstGeom prst="rect">
+            <a:avLst/>
+          </a:prstGeom>
+        </p:spPr>
+      </p:pic>
+      <p:sp>
+        <p:nvSpPr>
+          <p:cNvPr id="7" name="TextBox 6">
+            <a:extLst>
+              <a:ext uri="{FF2B5EF4-FFF2-40B4-BE49-F238E27FC236}">
+                <a16:creationId xmlns:a16="http://schemas.microsoft.com/office/drawing/2014/main" id="{F5B9612D-573D-EA67-5AED-6FF0A8917D20}"/>
+              </a:ext>
+            </a:extLst>
+          </p:cNvPr>
+          <p:cNvSpPr txBox="1"/>
+          <p:nvPr/>
+        </p:nvSpPr>
+        <p:spPr>
+          <a:xfrm>
+            <a:off x="1376737" y="5660153"/>
+            <a:ext cx="8383192" cy="769441"/>
+          </a:xfrm>
+          <a:prstGeom prst="rect">
+            <a:avLst/>
+          </a:prstGeom>
+          <a:noFill/>
+        </p:spPr>
+        <p:txBody>
+          <a:bodyPr wrap="none" rtlCol="0">
+            <a:spAutoFit/>
+          </a:bodyPr>
+          <a:lstStyle/>
+          <a:p>
+            <a:r>
+              <a:rPr lang="en-GB" sz="4400" b="1" dirty="0"/>
+              <a:t>66</a:t>
+            </a:r>
+            <a:r>
+              <a:rPr lang="en-GB" sz="4400" dirty="0"/>
+              <a:t> registrations according to </a:t>
+            </a:r>
+            <a:r>
+              <a:rPr lang="en-GB" sz="4400" dirty="0" err="1"/>
+              <a:t>vTools</a:t>
+            </a:r>
+            <a:r>
+              <a:rPr lang="en-GB" sz="4400" dirty="0"/>
+              <a:t> </a:t>
+            </a:r>
+          </a:p>
+        </p:txBody>
+      </p:sp>
+    </p:spTree>
+    <p:extLst>
+      <p:ext uri="{BB962C8B-B14F-4D97-AF65-F5344CB8AC3E}">
+        <p14:creationId xmlns:p14="http://schemas.microsoft.com/office/powerpoint/2010/main" val="2373351522"/>
+      </p:ext>
+    </p:extLst>
+  </p:cSld>
+  <p:clrMapOvr>
+    <a:masterClrMapping/>
+  </p:clrMapOvr>
+</p:sld>
+</file>
+
+<file path=ppt/slides/slide14.xml><?xml version="1.0" encoding="utf-8"?>
+<p:sld xmlns:a="http://schemas.openxmlformats.org/drawingml/2006/main" xmlns:r="http://schemas.openxmlformats.org/officeDocument/2006/relationships" xmlns:p="http://schemas.openxmlformats.org/presentationml/2006/main">
+  <p:cSld>
+    <p:spTree>
+      <p:nvGrpSpPr>
+        <p:cNvPr id="1" name=""/>
+        <p:cNvGrpSpPr/>
+        <p:nvPr/>
+      </p:nvGrpSpPr>
+      <p:grpSpPr>
+        <a:xfrm>
+          <a:off x="0" y="0"/>
+          <a:ext cx="0" cy="0"/>
+          <a:chOff x="0" y="0"/>
+          <a:chExt cx="0" cy="0"/>
+        </a:xfrm>
+      </p:grpSpPr>
+      <p:sp>
+        <p:nvSpPr>
+          <p:cNvPr id="7" name="TextBox 6">
+            <a:extLst>
+              <a:ext uri="{FF2B5EF4-FFF2-40B4-BE49-F238E27FC236}">
+                <a16:creationId xmlns:a16="http://schemas.microsoft.com/office/drawing/2014/main" id="{F5B9612D-573D-EA67-5AED-6FF0A8917D20}"/>
+              </a:ext>
+            </a:extLst>
+          </p:cNvPr>
+          <p:cNvSpPr txBox="1"/>
+          <p:nvPr/>
+        </p:nvSpPr>
+        <p:spPr>
+          <a:xfrm>
+            <a:off x="1376737" y="5583238"/>
+            <a:ext cx="8668527" cy="769441"/>
+          </a:xfrm>
+          <a:prstGeom prst="rect">
+            <a:avLst/>
+          </a:prstGeom>
+          <a:noFill/>
+        </p:spPr>
+        <p:txBody>
+          <a:bodyPr wrap="none" rtlCol="0">
+            <a:spAutoFit/>
+          </a:bodyPr>
+          <a:lstStyle/>
+          <a:p>
+            <a:r>
+              <a:rPr lang="en-GB" sz="4400" b="1" dirty="0"/>
+              <a:t>545</a:t>
+            </a:r>
+            <a:r>
+              <a:rPr lang="en-GB" sz="4400" dirty="0"/>
+              <a:t> registrations according to </a:t>
+            </a:r>
+            <a:r>
+              <a:rPr lang="en-GB" sz="4400" dirty="0" err="1"/>
+              <a:t>vTools</a:t>
+            </a:r>
+            <a:r>
+              <a:rPr lang="en-GB" sz="4400" dirty="0"/>
+              <a:t> </a:t>
+            </a:r>
+          </a:p>
+        </p:txBody>
+      </p:sp>
+      <p:pic>
+        <p:nvPicPr>
+          <p:cNvPr id="3" name="Picture 2" descr="Graphical user interface, text, application, email&#10;&#10;Description automatically generated">
+            <a:extLst>
+              <a:ext uri="{FF2B5EF4-FFF2-40B4-BE49-F238E27FC236}">
+                <a16:creationId xmlns:a16="http://schemas.microsoft.com/office/drawing/2014/main" id="{C8A1F453-6B37-0A6F-AABB-5BAD09846986}"/>
+              </a:ext>
+            </a:extLst>
+          </p:cNvPr>
+          <p:cNvPicPr>
+            <a:picLocks noChangeAspect="1"/>
+          </p:cNvPicPr>
+          <p:nvPr/>
+        </p:nvPicPr>
+        <p:blipFill>
+          <a:blip r:embed="rId2"/>
+          <a:stretch>
+            <a:fillRect/>
+          </a:stretch>
+        </p:blipFill>
+        <p:spPr>
+          <a:xfrm>
+            <a:off x="171449" y="1089061"/>
+            <a:ext cx="11841831" cy="2954302"/>
+          </a:xfrm>
+          <a:custGeom>
+            <a:avLst/>
+            <a:gdLst>
+              <a:gd name="connsiteX0" fmla="*/ 0 w 11841831"/>
+              <a:gd name="connsiteY0" fmla="*/ 0 h 2954302"/>
+              <a:gd name="connsiteX1" fmla="*/ 828928 w 11841831"/>
+              <a:gd name="connsiteY1" fmla="*/ 0 h 2954302"/>
+              <a:gd name="connsiteX2" fmla="*/ 1657856 w 11841831"/>
+              <a:gd name="connsiteY2" fmla="*/ 0 h 2954302"/>
+              <a:gd name="connsiteX3" fmla="*/ 2249948 w 11841831"/>
+              <a:gd name="connsiteY3" fmla="*/ 0 h 2954302"/>
+              <a:gd name="connsiteX4" fmla="*/ 2960458 w 11841831"/>
+              <a:gd name="connsiteY4" fmla="*/ 0 h 2954302"/>
+              <a:gd name="connsiteX5" fmla="*/ 3552549 w 11841831"/>
+              <a:gd name="connsiteY5" fmla="*/ 0 h 2954302"/>
+              <a:gd name="connsiteX6" fmla="*/ 4144641 w 11841831"/>
+              <a:gd name="connsiteY6" fmla="*/ 0 h 2954302"/>
+              <a:gd name="connsiteX7" fmla="*/ 4736732 w 11841831"/>
+              <a:gd name="connsiteY7" fmla="*/ 0 h 2954302"/>
+              <a:gd name="connsiteX8" fmla="*/ 4973569 w 11841831"/>
+              <a:gd name="connsiteY8" fmla="*/ 0 h 2954302"/>
+              <a:gd name="connsiteX9" fmla="*/ 5684079 w 11841831"/>
+              <a:gd name="connsiteY9" fmla="*/ 0 h 2954302"/>
+              <a:gd name="connsiteX10" fmla="*/ 5920916 w 11841831"/>
+              <a:gd name="connsiteY10" fmla="*/ 0 h 2954302"/>
+              <a:gd name="connsiteX11" fmla="*/ 6513007 w 11841831"/>
+              <a:gd name="connsiteY11" fmla="*/ 0 h 2954302"/>
+              <a:gd name="connsiteX12" fmla="*/ 7341935 w 11841831"/>
+              <a:gd name="connsiteY12" fmla="*/ 0 h 2954302"/>
+              <a:gd name="connsiteX13" fmla="*/ 8170863 w 11841831"/>
+              <a:gd name="connsiteY13" fmla="*/ 0 h 2954302"/>
+              <a:gd name="connsiteX14" fmla="*/ 8881373 w 11841831"/>
+              <a:gd name="connsiteY14" fmla="*/ 0 h 2954302"/>
+              <a:gd name="connsiteX15" fmla="*/ 9355046 w 11841831"/>
+              <a:gd name="connsiteY15" fmla="*/ 0 h 2954302"/>
+              <a:gd name="connsiteX16" fmla="*/ 9591883 w 11841831"/>
+              <a:gd name="connsiteY16" fmla="*/ 0 h 2954302"/>
+              <a:gd name="connsiteX17" fmla="*/ 10065556 w 11841831"/>
+              <a:gd name="connsiteY17" fmla="*/ 0 h 2954302"/>
+              <a:gd name="connsiteX18" fmla="*/ 10776066 w 11841831"/>
+              <a:gd name="connsiteY18" fmla="*/ 0 h 2954302"/>
+              <a:gd name="connsiteX19" fmla="*/ 11841831 w 11841831"/>
+              <a:gd name="connsiteY19" fmla="*/ 0 h 2954302"/>
+              <a:gd name="connsiteX20" fmla="*/ 11841831 w 11841831"/>
+              <a:gd name="connsiteY20" fmla="*/ 502231 h 2954302"/>
+              <a:gd name="connsiteX21" fmla="*/ 11841831 w 11841831"/>
+              <a:gd name="connsiteY21" fmla="*/ 1034006 h 2954302"/>
+              <a:gd name="connsiteX22" fmla="*/ 11841831 w 11841831"/>
+              <a:gd name="connsiteY22" fmla="*/ 1683952 h 2954302"/>
+              <a:gd name="connsiteX23" fmla="*/ 11841831 w 11841831"/>
+              <a:gd name="connsiteY23" fmla="*/ 2215727 h 2954302"/>
+              <a:gd name="connsiteX24" fmla="*/ 11841831 w 11841831"/>
+              <a:gd name="connsiteY24" fmla="*/ 2954302 h 2954302"/>
+              <a:gd name="connsiteX25" fmla="*/ 11012903 w 11841831"/>
+              <a:gd name="connsiteY25" fmla="*/ 2954302 h 2954302"/>
+              <a:gd name="connsiteX26" fmla="*/ 10539230 w 11841831"/>
+              <a:gd name="connsiteY26" fmla="*/ 2954302 h 2954302"/>
+              <a:gd name="connsiteX27" fmla="*/ 9828720 w 11841831"/>
+              <a:gd name="connsiteY27" fmla="*/ 2954302 h 2954302"/>
+              <a:gd name="connsiteX28" fmla="*/ 9591883 w 11841831"/>
+              <a:gd name="connsiteY28" fmla="*/ 2954302 h 2954302"/>
+              <a:gd name="connsiteX29" fmla="*/ 8762955 w 11841831"/>
+              <a:gd name="connsiteY29" fmla="*/ 2954302 h 2954302"/>
+              <a:gd name="connsiteX30" fmla="*/ 8289282 w 11841831"/>
+              <a:gd name="connsiteY30" fmla="*/ 2954302 h 2954302"/>
+              <a:gd name="connsiteX31" fmla="*/ 7697190 w 11841831"/>
+              <a:gd name="connsiteY31" fmla="*/ 2954302 h 2954302"/>
+              <a:gd name="connsiteX32" fmla="*/ 7341935 w 11841831"/>
+              <a:gd name="connsiteY32" fmla="*/ 2954302 h 2954302"/>
+              <a:gd name="connsiteX33" fmla="*/ 6631425 w 11841831"/>
+              <a:gd name="connsiteY33" fmla="*/ 2954302 h 2954302"/>
+              <a:gd name="connsiteX34" fmla="*/ 5802497 w 11841831"/>
+              <a:gd name="connsiteY34" fmla="*/ 2954302 h 2954302"/>
+              <a:gd name="connsiteX35" fmla="*/ 5328824 w 11841831"/>
+              <a:gd name="connsiteY35" fmla="*/ 2954302 h 2954302"/>
+              <a:gd name="connsiteX36" fmla="*/ 4499896 w 11841831"/>
+              <a:gd name="connsiteY36" fmla="*/ 2954302 h 2954302"/>
+              <a:gd name="connsiteX37" fmla="*/ 3907804 w 11841831"/>
+              <a:gd name="connsiteY37" fmla="*/ 2954302 h 2954302"/>
+              <a:gd name="connsiteX38" fmla="*/ 3078876 w 11841831"/>
+              <a:gd name="connsiteY38" fmla="*/ 2954302 h 2954302"/>
+              <a:gd name="connsiteX39" fmla="*/ 2249948 w 11841831"/>
+              <a:gd name="connsiteY39" fmla="*/ 2954302 h 2954302"/>
+              <a:gd name="connsiteX40" fmla="*/ 1894693 w 11841831"/>
+              <a:gd name="connsiteY40" fmla="*/ 2954302 h 2954302"/>
+              <a:gd name="connsiteX41" fmla="*/ 1421020 w 11841831"/>
+              <a:gd name="connsiteY41" fmla="*/ 2954302 h 2954302"/>
+              <a:gd name="connsiteX42" fmla="*/ 828928 w 11841831"/>
+              <a:gd name="connsiteY42" fmla="*/ 2954302 h 2954302"/>
+              <a:gd name="connsiteX43" fmla="*/ 0 w 11841831"/>
+              <a:gd name="connsiteY43" fmla="*/ 2954302 h 2954302"/>
+              <a:gd name="connsiteX44" fmla="*/ 0 w 11841831"/>
+              <a:gd name="connsiteY44" fmla="*/ 2333899 h 2954302"/>
+              <a:gd name="connsiteX45" fmla="*/ 0 w 11841831"/>
+              <a:gd name="connsiteY45" fmla="*/ 1831667 h 2954302"/>
+              <a:gd name="connsiteX46" fmla="*/ 0 w 11841831"/>
+              <a:gd name="connsiteY46" fmla="*/ 1181721 h 2954302"/>
+              <a:gd name="connsiteX47" fmla="*/ 0 w 11841831"/>
+              <a:gd name="connsiteY47" fmla="*/ 620403 h 2954302"/>
+              <a:gd name="connsiteX48" fmla="*/ 0 w 11841831"/>
+              <a:gd name="connsiteY48" fmla="*/ 0 h 2954302"/>
+            </a:gdLst>
+            <a:ahLst/>
+            <a:cxnLst>
+              <a:cxn ang="0">
+                <a:pos x="connsiteX0" y="connsiteY0"/>
+              </a:cxn>
+              <a:cxn ang="0">
+                <a:pos x="connsiteX1" y="connsiteY1"/>
+              </a:cxn>
+              <a:cxn ang="0">
+                <a:pos x="connsiteX2" y="connsiteY2"/>
+              </a:cxn>
+              <a:cxn ang="0">
+                <a:pos x="connsiteX3" y="connsiteY3"/>
+              </a:cxn>
+              <a:cxn ang="0">
+                <a:pos x="connsiteX4" y="connsiteY4"/>
+              </a:cxn>
+              <a:cxn ang="0">
+                <a:pos x="connsiteX5" y="connsiteY5"/>
+              </a:cxn>
+              <a:cxn ang="0">
+                <a:pos x="connsiteX6" y="connsiteY6"/>
+              </a:cxn>
+              <a:cxn ang="0">
+                <a:pos x="connsiteX7" y="connsiteY7"/>
+              </a:cxn>
+              <a:cxn ang="0">
+                <a:pos x="connsiteX8" y="connsiteY8"/>
+              </a:cxn>
+              <a:cxn ang="0">
+                <a:pos x="connsiteX9" y="connsiteY9"/>
+              </a:cxn>
+              <a:cxn ang="0">
+                <a:pos x="connsiteX10" y="connsiteY10"/>
+              </a:cxn>
+              <a:cxn ang="0">
+                <a:pos x="connsiteX11" y="connsiteY11"/>
+              </a:cxn>
+              <a:cxn ang="0">
+                <a:pos x="connsiteX12" y="connsiteY12"/>
+              </a:cxn>
+              <a:cxn ang="0">
+                <a:pos x="connsiteX13" y="connsiteY13"/>
+              </a:cxn>
+              <a:cxn ang="0">
+                <a:pos x="connsiteX14" y="connsiteY14"/>
+              </a:cxn>
+              <a:cxn ang="0">
+                <a:pos x="connsiteX15" y="connsiteY15"/>
+              </a:cxn>
+              <a:cxn ang="0">
+                <a:pos x="connsiteX16" y="connsiteY16"/>
+              </a:cxn>
+              <a:cxn ang="0">
+                <a:pos x="connsiteX17" y="connsiteY17"/>
+              </a:cxn>
+              <a:cxn ang="0">
+                <a:pos x="connsiteX18" y="connsiteY18"/>
+              </a:cxn>
+              <a:cxn ang="0">
+                <a:pos x="connsiteX19" y="connsiteY19"/>
+              </a:cxn>
+              <a:cxn ang="0">
+                <a:pos x="connsiteX20" y="connsiteY20"/>
+              </a:cxn>
+              <a:cxn ang="0">
+                <a:pos x="connsiteX21" y="connsiteY21"/>
+              </a:cxn>
+              <a:cxn ang="0">
+                <a:pos x="connsiteX22" y="connsiteY22"/>
+              </a:cxn>
+              <a:cxn ang="0">
+                <a:pos x="connsiteX23" y="connsiteY23"/>
+              </a:cxn>
+              <a:cxn ang="0">
+                <a:pos x="connsiteX24" y="connsiteY24"/>
+              </a:cxn>
+              <a:cxn ang="0">
+                <a:pos x="connsiteX25" y="connsiteY25"/>
+              </a:cxn>
+              <a:cxn ang="0">
+                <a:pos x="connsiteX26" y="connsiteY26"/>
+              </a:cxn>
+              <a:cxn ang="0">
+                <a:pos x="connsiteX27" y="connsiteY27"/>
+              </a:cxn>
+              <a:cxn ang="0">
+                <a:pos x="connsiteX28" y="connsiteY28"/>
+              </a:cxn>
+              <a:cxn ang="0">
+                <a:pos x="connsiteX29" y="connsiteY29"/>
+              </a:cxn>
+              <a:cxn ang="0">
+                <a:pos x="connsiteX30" y="connsiteY30"/>
+              </a:cxn>
+              <a:cxn ang="0">
+                <a:pos x="connsiteX31" y="connsiteY31"/>
+              </a:cxn>
+              <a:cxn ang="0">
+                <a:pos x="connsiteX32" y="connsiteY32"/>
+              </a:cxn>
+              <a:cxn ang="0">
+                <a:pos x="connsiteX33" y="connsiteY33"/>
+              </a:cxn>
+              <a:cxn ang="0">
+                <a:pos x="connsiteX34" y="connsiteY34"/>
+              </a:cxn>
+              <a:cxn ang="0">
+                <a:pos x="connsiteX35" y="connsiteY35"/>
+              </a:cxn>
+              <a:cxn ang="0">
+                <a:pos x="connsiteX36" y="connsiteY36"/>
+              </a:cxn>
+              <a:cxn ang="0">
+                <a:pos x="connsiteX37" y="connsiteY37"/>
+              </a:cxn>
+              <a:cxn ang="0">
+                <a:pos x="connsiteX38" y="connsiteY38"/>
+              </a:cxn>
+              <a:cxn ang="0">
+                <a:pos x="connsiteX39" y="connsiteY39"/>
+              </a:cxn>
+              <a:cxn ang="0">
+                <a:pos x="connsiteX40" y="connsiteY40"/>
+              </a:cxn>
+              <a:cxn ang="0">
+                <a:pos x="connsiteX41" y="connsiteY41"/>
+              </a:cxn>
+              <a:cxn ang="0">
+                <a:pos x="connsiteX42" y="connsiteY42"/>
+              </a:cxn>
+              <a:cxn ang="0">
+                <a:pos x="connsiteX43" y="connsiteY43"/>
+              </a:cxn>
+              <a:cxn ang="0">
+                <a:pos x="connsiteX44" y="connsiteY44"/>
+              </a:cxn>
+              <a:cxn ang="0">
+                <a:pos x="connsiteX45" y="connsiteY45"/>
+              </a:cxn>
+              <a:cxn ang="0">
+                <a:pos x="connsiteX46" y="connsiteY46"/>
+              </a:cxn>
+              <a:cxn ang="0">
+                <a:pos x="connsiteX47" y="connsiteY47"/>
+              </a:cxn>
+              <a:cxn ang="0">
+                <a:pos x="connsiteX48" y="connsiteY48"/>
+              </a:cxn>
+            </a:cxnLst>
+            <a:rect l="l" t="t" r="r" b="b"/>
+            <a:pathLst>
+              <a:path w="11841831" h="2954302" fill="none" extrusionOk="0">
+                <a:moveTo>
+                  <a:pt x="0" y="0"/>
+                </a:moveTo>
+                <a:cubicBezTo>
+                  <a:pt x="317116" y="-79888"/>
+                  <a:pt x="477866" y="51573"/>
+                  <a:pt x="828928" y="0"/>
+                </a:cubicBezTo>
+                <a:cubicBezTo>
+                  <a:pt x="1179990" y="-51573"/>
+                  <a:pt x="1383749" y="73989"/>
+                  <a:pt x="1657856" y="0"/>
+                </a:cubicBezTo>
+                <a:cubicBezTo>
+                  <a:pt x="1931963" y="-73989"/>
+                  <a:pt x="2108392" y="49511"/>
+                  <a:pt x="2249948" y="0"/>
+                </a:cubicBezTo>
+                <a:cubicBezTo>
+                  <a:pt x="2391504" y="-49511"/>
+                  <a:pt x="2732620" y="28315"/>
+                  <a:pt x="2960458" y="0"/>
+                </a:cubicBezTo>
+                <a:cubicBezTo>
+                  <a:pt x="3188296" y="-28315"/>
+                  <a:pt x="3298538" y="25296"/>
+                  <a:pt x="3552549" y="0"/>
+                </a:cubicBezTo>
+                <a:cubicBezTo>
+                  <a:pt x="3806560" y="-25296"/>
+                  <a:pt x="3944325" y="19698"/>
+                  <a:pt x="4144641" y="0"/>
+                </a:cubicBezTo>
+                <a:cubicBezTo>
+                  <a:pt x="4344957" y="-19698"/>
+                  <a:pt x="4494069" y="56075"/>
+                  <a:pt x="4736732" y="0"/>
+                </a:cubicBezTo>
+                <a:cubicBezTo>
+                  <a:pt x="4979395" y="-56075"/>
+                  <a:pt x="4885616" y="22913"/>
+                  <a:pt x="4973569" y="0"/>
+                </a:cubicBezTo>
+                <a:cubicBezTo>
+                  <a:pt x="5061522" y="-22913"/>
+                  <a:pt x="5376406" y="13815"/>
+                  <a:pt x="5684079" y="0"/>
+                </a:cubicBezTo>
+                <a:cubicBezTo>
+                  <a:pt x="5991752" y="-13815"/>
+                  <a:pt x="5841305" y="4619"/>
+                  <a:pt x="5920916" y="0"/>
+                </a:cubicBezTo>
+                <a:cubicBezTo>
+                  <a:pt x="6000527" y="-4619"/>
+                  <a:pt x="6233975" y="16819"/>
+                  <a:pt x="6513007" y="0"/>
+                </a:cubicBezTo>
+                <a:cubicBezTo>
+                  <a:pt x="6792039" y="-16819"/>
+                  <a:pt x="6937808" y="30199"/>
+                  <a:pt x="7341935" y="0"/>
+                </a:cubicBezTo>
+                <a:cubicBezTo>
+                  <a:pt x="7746062" y="-30199"/>
+                  <a:pt x="7902476" y="53998"/>
+                  <a:pt x="8170863" y="0"/>
+                </a:cubicBezTo>
+                <a:cubicBezTo>
+                  <a:pt x="8439250" y="-53998"/>
+                  <a:pt x="8622505" y="19854"/>
+                  <a:pt x="8881373" y="0"/>
+                </a:cubicBezTo>
+                <a:cubicBezTo>
+                  <a:pt x="9140241" y="-19854"/>
+                  <a:pt x="9257321" y="38665"/>
+                  <a:pt x="9355046" y="0"/>
+                </a:cubicBezTo>
+                <a:cubicBezTo>
+                  <a:pt x="9452771" y="-38665"/>
+                  <a:pt x="9509579" y="16675"/>
+                  <a:pt x="9591883" y="0"/>
+                </a:cubicBezTo>
+                <a:cubicBezTo>
+                  <a:pt x="9674187" y="-16675"/>
+                  <a:pt x="9830997" y="16516"/>
+                  <a:pt x="10065556" y="0"/>
+                </a:cubicBezTo>
+                <a:cubicBezTo>
+                  <a:pt x="10300115" y="-16516"/>
+                  <a:pt x="10517200" y="74083"/>
+                  <a:pt x="10776066" y="0"/>
+                </a:cubicBezTo>
+                <a:cubicBezTo>
+                  <a:pt x="11034932" y="-74083"/>
+                  <a:pt x="11598111" y="28362"/>
+                  <a:pt x="11841831" y="0"/>
+                </a:cubicBezTo>
+                <a:cubicBezTo>
+                  <a:pt x="11892469" y="116946"/>
+                  <a:pt x="11835977" y="286665"/>
+                  <a:pt x="11841831" y="502231"/>
+                </a:cubicBezTo>
+                <a:cubicBezTo>
+                  <a:pt x="11847685" y="717797"/>
+                  <a:pt x="11805199" y="895721"/>
+                  <a:pt x="11841831" y="1034006"/>
+                </a:cubicBezTo>
+                <a:cubicBezTo>
+                  <a:pt x="11878463" y="1172291"/>
+                  <a:pt x="11777806" y="1422302"/>
+                  <a:pt x="11841831" y="1683952"/>
+                </a:cubicBezTo>
+                <a:cubicBezTo>
+                  <a:pt x="11905856" y="1945602"/>
+                  <a:pt x="11815823" y="1979813"/>
+                  <a:pt x="11841831" y="2215727"/>
+                </a:cubicBezTo>
+                <a:cubicBezTo>
+                  <a:pt x="11867839" y="2451642"/>
+                  <a:pt x="11814045" y="2776024"/>
+                  <a:pt x="11841831" y="2954302"/>
+                </a:cubicBezTo>
+                <a:cubicBezTo>
+                  <a:pt x="11650165" y="2985151"/>
+                  <a:pt x="11350117" y="2945038"/>
+                  <a:pt x="11012903" y="2954302"/>
+                </a:cubicBezTo>
+                <a:cubicBezTo>
+                  <a:pt x="10675689" y="2963566"/>
+                  <a:pt x="10696733" y="2942717"/>
+                  <a:pt x="10539230" y="2954302"/>
+                </a:cubicBezTo>
+                <a:cubicBezTo>
+                  <a:pt x="10381727" y="2965887"/>
+                  <a:pt x="9991550" y="2873044"/>
+                  <a:pt x="9828720" y="2954302"/>
+                </a:cubicBezTo>
+                <a:cubicBezTo>
+                  <a:pt x="9665890" y="3035560"/>
+                  <a:pt x="9656756" y="2934884"/>
+                  <a:pt x="9591883" y="2954302"/>
+                </a:cubicBezTo>
+                <a:cubicBezTo>
+                  <a:pt x="9527010" y="2973720"/>
+                  <a:pt x="9160333" y="2854954"/>
+                  <a:pt x="8762955" y="2954302"/>
+                </a:cubicBezTo>
+                <a:cubicBezTo>
+                  <a:pt x="8365577" y="3053650"/>
+                  <a:pt x="8470285" y="2941829"/>
+                  <a:pt x="8289282" y="2954302"/>
+                </a:cubicBezTo>
+                <a:cubicBezTo>
+                  <a:pt x="8108279" y="2966775"/>
+                  <a:pt x="7902484" y="2944825"/>
+                  <a:pt x="7697190" y="2954302"/>
+                </a:cubicBezTo>
+                <a:cubicBezTo>
+                  <a:pt x="7491896" y="2963779"/>
+                  <a:pt x="7458436" y="2926440"/>
+                  <a:pt x="7341935" y="2954302"/>
+                </a:cubicBezTo>
+                <a:cubicBezTo>
+                  <a:pt x="7225435" y="2982164"/>
+                  <a:pt x="6924026" y="2933489"/>
+                  <a:pt x="6631425" y="2954302"/>
+                </a:cubicBezTo>
+                <a:cubicBezTo>
+                  <a:pt x="6338824" y="2975115"/>
+                  <a:pt x="6161641" y="2877542"/>
+                  <a:pt x="5802497" y="2954302"/>
+                </a:cubicBezTo>
+                <a:cubicBezTo>
+                  <a:pt x="5443353" y="3031062"/>
+                  <a:pt x="5432710" y="2951200"/>
+                  <a:pt x="5328824" y="2954302"/>
+                </a:cubicBezTo>
+                <a:cubicBezTo>
+                  <a:pt x="5224938" y="2957404"/>
+                  <a:pt x="4911939" y="2892705"/>
+                  <a:pt x="4499896" y="2954302"/>
+                </a:cubicBezTo>
+                <a:cubicBezTo>
+                  <a:pt x="4087853" y="3015899"/>
+                  <a:pt x="4144123" y="2930655"/>
+                  <a:pt x="3907804" y="2954302"/>
+                </a:cubicBezTo>
+                <a:cubicBezTo>
+                  <a:pt x="3671485" y="2977949"/>
+                  <a:pt x="3387125" y="2907783"/>
+                  <a:pt x="3078876" y="2954302"/>
+                </a:cubicBezTo>
+                <a:cubicBezTo>
+                  <a:pt x="2770627" y="3000821"/>
+                  <a:pt x="2618769" y="2870561"/>
+                  <a:pt x="2249948" y="2954302"/>
+                </a:cubicBezTo>
+                <a:cubicBezTo>
+                  <a:pt x="1881127" y="3038043"/>
+                  <a:pt x="2039072" y="2927978"/>
+                  <a:pt x="1894693" y="2954302"/>
+                </a:cubicBezTo>
+                <a:cubicBezTo>
+                  <a:pt x="1750315" y="2980626"/>
+                  <a:pt x="1655402" y="2915043"/>
+                  <a:pt x="1421020" y="2954302"/>
+                </a:cubicBezTo>
+                <a:cubicBezTo>
+                  <a:pt x="1186638" y="2993561"/>
+                  <a:pt x="1081918" y="2910396"/>
+                  <a:pt x="828928" y="2954302"/>
+                </a:cubicBezTo>
+                <a:cubicBezTo>
+                  <a:pt x="575938" y="2998208"/>
+                  <a:pt x="381854" y="2860024"/>
+                  <a:pt x="0" y="2954302"/>
+                </a:cubicBezTo>
+                <a:cubicBezTo>
+                  <a:pt x="-37664" y="2648688"/>
+                  <a:pt x="44834" y="2539598"/>
+                  <a:pt x="0" y="2333899"/>
+                </a:cubicBezTo>
+                <a:cubicBezTo>
+                  <a:pt x="-44834" y="2128200"/>
+                  <a:pt x="14257" y="1972341"/>
+                  <a:pt x="0" y="1831667"/>
+                </a:cubicBezTo>
+                <a:cubicBezTo>
+                  <a:pt x="-14257" y="1690993"/>
+                  <a:pt x="5924" y="1501550"/>
+                  <a:pt x="0" y="1181721"/>
+                </a:cubicBezTo>
+                <a:cubicBezTo>
+                  <a:pt x="-5924" y="861892"/>
+                  <a:pt x="45952" y="871115"/>
+                  <a:pt x="0" y="620403"/>
+                </a:cubicBezTo>
+                <a:cubicBezTo>
+                  <a:pt x="-45952" y="369691"/>
+                  <a:pt x="40119" y="235326"/>
+                  <a:pt x="0" y="0"/>
+                </a:cubicBezTo>
+                <a:close/>
+              </a:path>
+              <a:path w="11841831" h="2954302" stroke="0" extrusionOk="0">
+                <a:moveTo>
+                  <a:pt x="0" y="0"/>
+                </a:moveTo>
+                <a:cubicBezTo>
+                  <a:pt x="179918" y="-13707"/>
+                  <a:pt x="315023" y="18729"/>
+                  <a:pt x="473673" y="0"/>
+                </a:cubicBezTo>
+                <a:cubicBezTo>
+                  <a:pt x="632323" y="-18729"/>
+                  <a:pt x="629582" y="18218"/>
+                  <a:pt x="710510" y="0"/>
+                </a:cubicBezTo>
+                <a:cubicBezTo>
+                  <a:pt x="791438" y="-18218"/>
+                  <a:pt x="1218667" y="2904"/>
+                  <a:pt x="1539438" y="0"/>
+                </a:cubicBezTo>
+                <a:cubicBezTo>
+                  <a:pt x="1860209" y="-2904"/>
+                  <a:pt x="1793677" y="3750"/>
+                  <a:pt x="2013111" y="0"/>
+                </a:cubicBezTo>
+                <a:cubicBezTo>
+                  <a:pt x="2232545" y="-3750"/>
+                  <a:pt x="2331770" y="10963"/>
+                  <a:pt x="2486785" y="0"/>
+                </a:cubicBezTo>
+                <a:cubicBezTo>
+                  <a:pt x="2641800" y="-10963"/>
+                  <a:pt x="3072485" y="13595"/>
+                  <a:pt x="3315713" y="0"/>
+                </a:cubicBezTo>
+                <a:cubicBezTo>
+                  <a:pt x="3558941" y="-13595"/>
+                  <a:pt x="3558599" y="1195"/>
+                  <a:pt x="3670968" y="0"/>
+                </a:cubicBezTo>
+                <a:cubicBezTo>
+                  <a:pt x="3783337" y="-1195"/>
+                  <a:pt x="4261879" y="75942"/>
+                  <a:pt x="4499896" y="0"/>
+                </a:cubicBezTo>
+                <a:cubicBezTo>
+                  <a:pt x="4737913" y="-75942"/>
+                  <a:pt x="4945879" y="93238"/>
+                  <a:pt x="5328824" y="0"/>
+                </a:cubicBezTo>
+                <a:cubicBezTo>
+                  <a:pt x="5711769" y="-93238"/>
+                  <a:pt x="5775995" y="70986"/>
+                  <a:pt x="5920916" y="0"/>
+                </a:cubicBezTo>
+                <a:cubicBezTo>
+                  <a:pt x="6065837" y="-70986"/>
+                  <a:pt x="6342340" y="639"/>
+                  <a:pt x="6749844" y="0"/>
+                </a:cubicBezTo>
+                <a:cubicBezTo>
+                  <a:pt x="7157348" y="-639"/>
+                  <a:pt x="7049750" y="47978"/>
+                  <a:pt x="7223517" y="0"/>
+                </a:cubicBezTo>
+                <a:cubicBezTo>
+                  <a:pt x="7397284" y="-47978"/>
+                  <a:pt x="7524227" y="23124"/>
+                  <a:pt x="7697190" y="0"/>
+                </a:cubicBezTo>
+                <a:cubicBezTo>
+                  <a:pt x="7870153" y="-23124"/>
+                  <a:pt x="8202752" y="25545"/>
+                  <a:pt x="8407700" y="0"/>
+                </a:cubicBezTo>
+                <a:cubicBezTo>
+                  <a:pt x="8612648" y="-25545"/>
+                  <a:pt x="8767313" y="14852"/>
+                  <a:pt x="8881373" y="0"/>
+                </a:cubicBezTo>
+                <a:cubicBezTo>
+                  <a:pt x="8995433" y="-14852"/>
+                  <a:pt x="9491726" y="26245"/>
+                  <a:pt x="9710301" y="0"/>
+                </a:cubicBezTo>
+                <a:cubicBezTo>
+                  <a:pt x="9928876" y="-26245"/>
+                  <a:pt x="10214943" y="85416"/>
+                  <a:pt x="10539230" y="0"/>
+                </a:cubicBezTo>
+                <a:cubicBezTo>
+                  <a:pt x="10863517" y="-85416"/>
+                  <a:pt x="10944356" y="26930"/>
+                  <a:pt x="11131321" y="0"/>
+                </a:cubicBezTo>
+                <a:cubicBezTo>
+                  <a:pt x="11318286" y="-26930"/>
+                  <a:pt x="11670715" y="53421"/>
+                  <a:pt x="11841831" y="0"/>
+                </a:cubicBezTo>
+                <a:cubicBezTo>
+                  <a:pt x="11844485" y="144245"/>
+                  <a:pt x="11788093" y="392147"/>
+                  <a:pt x="11841831" y="502231"/>
+                </a:cubicBezTo>
+                <a:cubicBezTo>
+                  <a:pt x="11895569" y="612315"/>
+                  <a:pt x="11818837" y="851908"/>
+                  <a:pt x="11841831" y="1034006"/>
+                </a:cubicBezTo>
+                <a:cubicBezTo>
+                  <a:pt x="11864825" y="1216104"/>
+                  <a:pt x="11829476" y="1428235"/>
+                  <a:pt x="11841831" y="1654409"/>
+                </a:cubicBezTo>
+                <a:cubicBezTo>
+                  <a:pt x="11854186" y="1880583"/>
+                  <a:pt x="11810092" y="2089795"/>
+                  <a:pt x="11841831" y="2215727"/>
+                </a:cubicBezTo>
+                <a:cubicBezTo>
+                  <a:pt x="11873570" y="2341659"/>
+                  <a:pt x="11759841" y="2675382"/>
+                  <a:pt x="11841831" y="2954302"/>
+                </a:cubicBezTo>
+                <a:cubicBezTo>
+                  <a:pt x="11523369" y="2968934"/>
+                  <a:pt x="11392293" y="2944719"/>
+                  <a:pt x="11131321" y="2954302"/>
+                </a:cubicBezTo>
+                <a:cubicBezTo>
+                  <a:pt x="10870349" y="2963885"/>
+                  <a:pt x="10943299" y="2928879"/>
+                  <a:pt x="10894485" y="2954302"/>
+                </a:cubicBezTo>
+                <a:cubicBezTo>
+                  <a:pt x="10845671" y="2979725"/>
+                  <a:pt x="10481921" y="2907953"/>
+                  <a:pt x="10302393" y="2954302"/>
+                </a:cubicBezTo>
+                <a:cubicBezTo>
+                  <a:pt x="10122865" y="3000651"/>
+                  <a:pt x="10060982" y="2926855"/>
+                  <a:pt x="9947138" y="2954302"/>
+                </a:cubicBezTo>
+                <a:cubicBezTo>
+                  <a:pt x="9833295" y="2981749"/>
+                  <a:pt x="9540139" y="2903115"/>
+                  <a:pt x="9236628" y="2954302"/>
+                </a:cubicBezTo>
+                <a:cubicBezTo>
+                  <a:pt x="8933117" y="3005489"/>
+                  <a:pt x="9046910" y="2947912"/>
+                  <a:pt x="8881373" y="2954302"/>
+                </a:cubicBezTo>
+                <a:cubicBezTo>
+                  <a:pt x="8715837" y="2960692"/>
+                  <a:pt x="8454299" y="2942079"/>
+                  <a:pt x="8170863" y="2954302"/>
+                </a:cubicBezTo>
+                <a:cubicBezTo>
+                  <a:pt x="7887427" y="2966525"/>
+                  <a:pt x="8000093" y="2932230"/>
+                  <a:pt x="7934027" y="2954302"/>
+                </a:cubicBezTo>
+                <a:cubicBezTo>
+                  <a:pt x="7867961" y="2976374"/>
+                  <a:pt x="7520092" y="2943533"/>
+                  <a:pt x="7223517" y="2954302"/>
+                </a:cubicBezTo>
+                <a:cubicBezTo>
+                  <a:pt x="6926942" y="2965071"/>
+                  <a:pt x="6946588" y="2946157"/>
+                  <a:pt x="6868262" y="2954302"/>
+                </a:cubicBezTo>
+                <a:cubicBezTo>
+                  <a:pt x="6789936" y="2962447"/>
+                  <a:pt x="6701531" y="2928331"/>
+                  <a:pt x="6631425" y="2954302"/>
+                </a:cubicBezTo>
+                <a:cubicBezTo>
+                  <a:pt x="6561319" y="2980273"/>
+                  <a:pt x="6394426" y="2913288"/>
+                  <a:pt x="6276170" y="2954302"/>
+                </a:cubicBezTo>
+                <a:cubicBezTo>
+                  <a:pt x="6157914" y="2995316"/>
+                  <a:pt x="5834962" y="2949273"/>
+                  <a:pt x="5565661" y="2954302"/>
+                </a:cubicBezTo>
+                <a:cubicBezTo>
+                  <a:pt x="5296360" y="2959331"/>
+                  <a:pt x="5316433" y="2953000"/>
+                  <a:pt x="5210406" y="2954302"/>
+                </a:cubicBezTo>
+                <a:cubicBezTo>
+                  <a:pt x="5104380" y="2955604"/>
+                  <a:pt x="5072523" y="2928313"/>
+                  <a:pt x="4973569" y="2954302"/>
+                </a:cubicBezTo>
+                <a:cubicBezTo>
+                  <a:pt x="4874615" y="2980291"/>
+                  <a:pt x="4734182" y="2925231"/>
+                  <a:pt x="4618314" y="2954302"/>
+                </a:cubicBezTo>
+                <a:cubicBezTo>
+                  <a:pt x="4502447" y="2983373"/>
+                  <a:pt x="4250009" y="2947727"/>
+                  <a:pt x="4144641" y="2954302"/>
+                </a:cubicBezTo>
+                <a:cubicBezTo>
+                  <a:pt x="4039273" y="2960877"/>
+                  <a:pt x="3676303" y="2946190"/>
+                  <a:pt x="3552549" y="2954302"/>
+                </a:cubicBezTo>
+                <a:cubicBezTo>
+                  <a:pt x="3428795" y="2962414"/>
+                  <a:pt x="3278749" y="2940629"/>
+                  <a:pt x="3197294" y="2954302"/>
+                </a:cubicBezTo>
+                <a:cubicBezTo>
+                  <a:pt x="3115840" y="2967975"/>
+                  <a:pt x="2560268" y="2885941"/>
+                  <a:pt x="2368366" y="2954302"/>
+                </a:cubicBezTo>
+                <a:cubicBezTo>
+                  <a:pt x="2176464" y="3022663"/>
+                  <a:pt x="1966438" y="2923990"/>
+                  <a:pt x="1776275" y="2954302"/>
+                </a:cubicBezTo>
+                <a:cubicBezTo>
+                  <a:pt x="1586112" y="2984614"/>
+                  <a:pt x="1342601" y="2922541"/>
+                  <a:pt x="947346" y="2954302"/>
+                </a:cubicBezTo>
+                <a:cubicBezTo>
+                  <a:pt x="552091" y="2986063"/>
+                  <a:pt x="304164" y="2881957"/>
+                  <a:pt x="0" y="2954302"/>
+                </a:cubicBezTo>
+                <a:cubicBezTo>
+                  <a:pt x="-53232" y="2756121"/>
+                  <a:pt x="15245" y="2532059"/>
+                  <a:pt x="0" y="2392985"/>
+                </a:cubicBezTo>
+                <a:cubicBezTo>
+                  <a:pt x="-15245" y="2253911"/>
+                  <a:pt x="39128" y="2074573"/>
+                  <a:pt x="0" y="1831667"/>
+                </a:cubicBezTo>
+                <a:cubicBezTo>
+                  <a:pt x="-39128" y="1588761"/>
+                  <a:pt x="64860" y="1497293"/>
+                  <a:pt x="0" y="1211264"/>
+                </a:cubicBezTo>
+                <a:cubicBezTo>
+                  <a:pt x="-64860" y="925235"/>
+                  <a:pt x="55930" y="844785"/>
+                  <a:pt x="0" y="620403"/>
+                </a:cubicBezTo>
+                <a:cubicBezTo>
+                  <a:pt x="-55930" y="396021"/>
+                  <a:pt x="31260" y="256972"/>
+                  <a:pt x="0" y="0"/>
+                </a:cubicBezTo>
+                <a:close/>
+              </a:path>
+            </a:pathLst>
+          </a:custGeom>
+          <a:ln>
+            <a:solidFill>
+              <a:schemeClr val="accent1"/>
+            </a:solidFill>
+            <a:extLst>
+              <a:ext uri="{C807C97D-BFC1-408E-A445-0C87EB9F89A2}">
+                <ask:lineSketchStyleProps xmlns:ask="http://schemas.microsoft.com/office/drawing/2018/sketchyshapes" sd="1219033472">
+                  <a:prstGeom prst="rect">
+                    <a:avLst/>
+                  </a:prstGeom>
+                  <ask:type>
+                    <ask:lineSketchScribble/>
+                  </ask:type>
+                </ask:lineSketchStyleProps>
+              </a:ext>
+            </a:extLst>
+          </a:ln>
+        </p:spPr>
+      </p:pic>
+    </p:spTree>
+    <p:extLst>
+      <p:ext uri="{BB962C8B-B14F-4D97-AF65-F5344CB8AC3E}">
+        <p14:creationId xmlns:p14="http://schemas.microsoft.com/office/powerpoint/2010/main" val="3980342373"/>
+      </p:ext>
+    </p:extLst>
+  </p:cSld>
+  <p:clrMapOvr>
+    <a:masterClrMapping/>
+  </p:clrMapOvr>
+</p:sld>
+</file>
+
+<file path=ppt/slides/slide15.xml><?xml version="1.0" encoding="utf-8"?>
+<p:sld xmlns:a="http://schemas.openxmlformats.org/drawingml/2006/main" xmlns:r="http://schemas.openxmlformats.org/officeDocument/2006/relationships" xmlns:p="http://schemas.openxmlformats.org/presentationml/2006/main">
+  <p:cSld>
+    <p:spTree>
+      <p:nvGrpSpPr>
+        <p:cNvPr id="1" name=""/>
+        <p:cNvGrpSpPr/>
+        <p:nvPr/>
+      </p:nvGrpSpPr>
+      <p:grpSpPr>
+        <a:xfrm>
+          <a:off x="0" y="0"/>
+          <a:ext cx="0" cy="0"/>
+          <a:chOff x="0" y="0"/>
+          <a:chExt cx="0" cy="0"/>
+        </a:xfrm>
+      </p:grpSpPr>
       <p:sp>
         <p:nvSpPr>
           <p:cNvPr id="2" name="Title 1">
             <a:extLst>
               <a:ext uri="{FF2B5EF4-FFF2-40B4-BE49-F238E27FC236}">
-                <a16:creationId xmlns:a16="http://schemas.microsoft.com/office/drawing/2014/main" id="{15D8BFAD-34DF-0AD5-5878-AB151032C424}"/>
+                <a16:creationId xmlns:a16="http://schemas.microsoft.com/office/drawing/2014/main" id="{479C4B44-1620-F539-5D38-523A8CC677C9}"/>
               </a:ext>
             </a:extLst>
           </p:cNvPr>
@@ -3936,7 +4838,12 @@
             <p:ph type="title"/>
           </p:nvPr>
         </p:nvSpPr>
-        <p:spPr/>
+        <p:spPr>
+          <a:xfrm>
+            <a:off x="637032" y="346837"/>
+            <a:ext cx="10515600" cy="1325563"/>
+          </a:xfrm>
+        </p:spPr>
         <p:txBody>
           <a:bodyPr>
             <a:normAutofit/>
@@ -3944,8 +4851,8 @@
           <a:lstStyle/>
           <a:p>
             <a:r>
-              <a:rPr lang="en-GB" sz="6000" b="1" dirty="0"/>
-              <a:t>Award Committee </a:t>
+              <a:rPr lang="en-GB" sz="5400" b="1" dirty="0"/>
+              <a:t>Best Paper Award </a:t>
             </a:r>
           </a:p>
         </p:txBody>
@@ -3955,7 +4862,7 @@
           <p:cNvPr id="3" name="Content Placeholder 2">
             <a:extLst>
               <a:ext uri="{FF2B5EF4-FFF2-40B4-BE49-F238E27FC236}">
-                <a16:creationId xmlns:a16="http://schemas.microsoft.com/office/drawing/2014/main" id="{2ED91931-4A5B-C226-7B39-AC72285DFA85}"/>
+                <a16:creationId xmlns:a16="http://schemas.microsoft.com/office/drawing/2014/main" id="{F4B7F61F-49CE-5316-A894-37EECF55ED9E}"/>
               </a:ext>
             </a:extLst>
           </p:cNvPr>
@@ -3968,10 +4875,156 @@
         </p:nvSpPr>
         <p:spPr>
           <a:xfrm>
-            <a:off x="838200" y="1825625"/>
-            <a:ext cx="10207752" cy="2325751"/>
+            <a:off x="637032" y="1478788"/>
+            <a:ext cx="11353800" cy="5032375"/>
           </a:xfrm>
         </p:spPr>
+        <p:txBody>
+          <a:bodyPr>
+            <a:normAutofit lnSpcReduction="10000"/>
+          </a:bodyPr>
+          <a:lstStyle/>
+          <a:p>
+            <a:pPr>
+              <a:lnSpc>
+                <a:spcPct val="110000"/>
+              </a:lnSpc>
+            </a:pPr>
+            <a:r>
+              <a:rPr lang="en-GB" dirty="0"/>
+              <a:t>honour an IEEE Finland Section member who has made contributions of exceptional distinction that are a model for other members to emulate. </a:t>
+            </a:r>
+          </a:p>
+          <a:p>
+            <a:pPr>
+              <a:lnSpc>
+                <a:spcPct val="150000"/>
+              </a:lnSpc>
+            </a:pPr>
+            <a:r>
+              <a:rPr lang="en-GB" dirty="0"/>
+              <a:t>journal publication during 01.01.2020 and 31.12.2021</a:t>
+            </a:r>
+          </a:p>
+          <a:p>
+            <a:pPr>
+              <a:lnSpc>
+                <a:spcPct val="150000"/>
+              </a:lnSpc>
+            </a:pPr>
+            <a:r>
+              <a:rPr lang="en-GB" dirty="0"/>
+              <a:t>journal must be listed</a:t>
+            </a:r>
+          </a:p>
+          <a:p>
+            <a:pPr lvl="1">
+              <a:lnSpc>
+                <a:spcPct val="150000"/>
+              </a:lnSpc>
+            </a:pPr>
+            <a:r>
+              <a:rPr lang="en-GB" dirty="0">
+                <a:hlinkClick r:id="rId2"/>
+              </a:rPr>
+              <a:t>https://signalprocessingsociety.org/publications-resources</a:t>
+            </a:r>
+            <a:r>
+              <a:rPr lang="en-GB" dirty="0"/>
+              <a:t> </a:t>
+            </a:r>
+          </a:p>
+          <a:p>
+            <a:pPr lvl="1">
+              <a:lnSpc>
+                <a:spcPct val="150000"/>
+              </a:lnSpc>
+            </a:pPr>
+            <a:r>
+              <a:rPr lang="en-GB" dirty="0">
+                <a:hlinkClick r:id="rId3"/>
+              </a:rPr>
+              <a:t>https://ieee-cas.org/publications</a:t>
+            </a:r>
+            <a:endParaRPr lang="en-GB" dirty="0"/>
+          </a:p>
+          <a:p>
+            <a:pPr>
+              <a:lnSpc>
+                <a:spcPct val="150000"/>
+              </a:lnSpc>
+            </a:pPr>
+            <a:r>
+              <a:rPr lang="en-GB" dirty="0"/>
+              <a:t>First prize: EUR 500,00. Second: EUR 200,00. Third: EUR 100,00.</a:t>
+            </a:r>
+          </a:p>
+          <a:p>
+            <a:pPr>
+              <a:lnSpc>
+                <a:spcPct val="150000"/>
+              </a:lnSpc>
+            </a:pPr>
+            <a:r>
+              <a:rPr lang="en-GB" dirty="0"/>
+              <a:t>Announcement of Awardees: December 2022.</a:t>
+            </a:r>
+          </a:p>
+          <a:p>
+            <a:endParaRPr lang="en-GB" dirty="0"/>
+          </a:p>
+          <a:p>
+            <a:endParaRPr lang="en-GB" dirty="0"/>
+          </a:p>
+        </p:txBody>
+      </p:sp>
+    </p:spTree>
+    <p:extLst>
+      <p:ext uri="{BB962C8B-B14F-4D97-AF65-F5344CB8AC3E}">
+        <p14:creationId xmlns:p14="http://schemas.microsoft.com/office/powerpoint/2010/main" val="1140515718"/>
+      </p:ext>
+    </p:extLst>
+  </p:cSld>
+  <p:clrMapOvr>
+    <a:masterClrMapping/>
+  </p:clrMapOvr>
+</p:sld>
+</file>
+
+<file path=ppt/slides/slide16.xml><?xml version="1.0" encoding="utf-8"?>
+<p:sld xmlns:a="http://schemas.openxmlformats.org/drawingml/2006/main" xmlns:r="http://schemas.openxmlformats.org/officeDocument/2006/relationships" xmlns:p="http://schemas.openxmlformats.org/presentationml/2006/main">
+  <p:cSld>
+    <p:spTree>
+      <p:nvGrpSpPr>
+        <p:cNvPr id="1" name=""/>
+        <p:cNvGrpSpPr/>
+        <p:nvPr/>
+      </p:nvGrpSpPr>
+      <p:grpSpPr>
+        <a:xfrm>
+          <a:off x="0" y="0"/>
+          <a:ext cx="0" cy="0"/>
+          <a:chOff x="0" y="0"/>
+          <a:chExt cx="0" cy="0"/>
+        </a:xfrm>
+      </p:grpSpPr>
+      <p:sp>
+        <p:nvSpPr>
+          <p:cNvPr id="2" name="Title 1">
+            <a:extLst>
+              <a:ext uri="{FF2B5EF4-FFF2-40B4-BE49-F238E27FC236}">
+                <a16:creationId xmlns:a16="http://schemas.microsoft.com/office/drawing/2014/main" id="{15D8BFAD-34DF-0AD5-5878-AB151032C424}"/>
+              </a:ext>
+            </a:extLst>
+          </p:cNvPr>
+          <p:cNvSpPr>
+            <a:spLocks noGrp="1"/>
+          </p:cNvSpPr>
+          <p:nvPr>
+            <p:ph type="title"/>
+          </p:nvPr>
+        </p:nvSpPr>
+        <p:spPr/>
         <p:txBody>
           <a:bodyPr>
             <a:normAutofit/>
@@ -3979,6 +5032,41 @@
           <a:lstStyle/>
           <a:p>
             <a:r>
+              <a:rPr lang="en-GB" sz="6000" b="1" dirty="0"/>
+              <a:t>Award Committee </a:t>
+            </a:r>
+          </a:p>
+        </p:txBody>
+      </p:sp>
+      <p:sp>
+        <p:nvSpPr>
+          <p:cNvPr id="3" name="Content Placeholder 2">
+            <a:extLst>
+              <a:ext uri="{FF2B5EF4-FFF2-40B4-BE49-F238E27FC236}">
+                <a16:creationId xmlns:a16="http://schemas.microsoft.com/office/drawing/2014/main" id="{2ED91931-4A5B-C226-7B39-AC72285DFA85}"/>
+              </a:ext>
+            </a:extLst>
+          </p:cNvPr>
+          <p:cNvSpPr>
+            <a:spLocks noGrp="1"/>
+          </p:cNvSpPr>
+          <p:nvPr>
+            <p:ph idx="1"/>
+          </p:nvPr>
+        </p:nvSpPr>
+        <p:spPr>
+          <a:xfrm>
+            <a:off x="838199" y="1825625"/>
+            <a:ext cx="11134725" cy="4446588"/>
+          </a:xfrm>
+        </p:spPr>
+        <p:txBody>
+          <a:bodyPr>
+            <a:normAutofit/>
+          </a:bodyPr>
+          <a:lstStyle/>
+          <a:p>
+            <a:r>
               <a:rPr lang="en-GB" sz="3600" dirty="0"/>
               <a:t>Prof. Karen </a:t>
             </a:r>
@@ -3998,6 +5086,18 @@
             <a:endParaRPr lang="en-GB" sz="3600" dirty="0"/>
           </a:p>
           <a:p>
+            <a:pPr marL="0" indent="0">
+              <a:buNone/>
+            </a:pPr>
+            <a:endParaRPr lang="en-GB" sz="3600" dirty="0"/>
+          </a:p>
+          <a:p>
+            <a:pPr marL="0" indent="0">
+              <a:buNone/>
+            </a:pPr>
+            <a:endParaRPr lang="en-GB" sz="3600" dirty="0"/>
+          </a:p>
+          <a:p>
             <a:r>
               <a:rPr lang="en-GB" sz="3600" dirty="0"/>
               <a:t>Prof. Simo </a:t>
@@ -4013,10 +5113,453 @@
           </a:p>
         </p:txBody>
       </p:sp>
+      <p:pic>
+        <p:nvPicPr>
+          <p:cNvPr id="5" name="Picture 4" descr="A person wearing glasses&#10;&#10;Description automatically generated with medium confidence">
+            <a:extLst>
+              <a:ext uri="{FF2B5EF4-FFF2-40B4-BE49-F238E27FC236}">
+                <a16:creationId xmlns:a16="http://schemas.microsoft.com/office/drawing/2014/main" id="{8D25BC17-9F79-74CF-5864-30DB876DB9C2}"/>
+              </a:ext>
+            </a:extLst>
+          </p:cNvPr>
+          <p:cNvPicPr>
+            <a:picLocks noChangeAspect="1"/>
+          </p:cNvPicPr>
+          <p:nvPr/>
+        </p:nvPicPr>
+        <p:blipFill>
+          <a:blip r:embed="rId2"/>
+          <a:stretch>
+            <a:fillRect/>
+          </a:stretch>
+        </p:blipFill>
+        <p:spPr>
+          <a:xfrm>
+            <a:off x="7323137" y="1399617"/>
+            <a:ext cx="2535237" cy="2319981"/>
+          </a:xfrm>
+          <a:prstGeom prst="rect">
+            <a:avLst/>
+          </a:prstGeom>
+        </p:spPr>
+      </p:pic>
+      <p:pic>
+        <p:nvPicPr>
+          <p:cNvPr id="1026" name="Picture 2">
+            <a:extLst>
+              <a:ext uri="{FF2B5EF4-FFF2-40B4-BE49-F238E27FC236}">
+                <a16:creationId xmlns:a16="http://schemas.microsoft.com/office/drawing/2014/main" id="{C3B13339-6B03-2A2D-75C5-146984C1E618}"/>
+              </a:ext>
+            </a:extLst>
+          </p:cNvPr>
+          <p:cNvPicPr>
+            <a:picLocks noChangeAspect="1" noChangeArrowheads="1"/>
+          </p:cNvPicPr>
+          <p:nvPr/>
+        </p:nvPicPr>
+        <p:blipFill>
+          <a:blip r:embed="rId3" cstate="email">
+            <a:extLst>
+              <a:ext uri="{28A0092B-C50C-407E-A947-70E740481C1C}">
+                <a14:useLocalDpi xmlns:a14="http://schemas.microsoft.com/office/drawing/2010/main"/>
+              </a:ext>
+            </a:extLst>
+          </a:blip>
+          <a:srcRect/>
+          <a:stretch>
+            <a:fillRect/>
+          </a:stretch>
+        </p:blipFill>
+        <p:spPr bwMode="auto">
+          <a:xfrm>
+            <a:off x="6405561" y="4163284"/>
+            <a:ext cx="1979613" cy="2329591"/>
+          </a:xfrm>
+          <a:prstGeom prst="rect">
+            <a:avLst/>
+          </a:prstGeom>
+          <a:noFill/>
+          <a:extLst>
+            <a:ext uri="{909E8E84-426E-40DD-AFC4-6F175D3DCCD1}">
+              <a14:hiddenFill xmlns:a14="http://schemas.microsoft.com/office/drawing/2010/main">
+                <a:solidFill>
+                  <a:srgbClr val="FFFFFF"/>
+                </a:solidFill>
+              </a14:hiddenFill>
+            </a:ext>
+          </a:extLst>
+        </p:spPr>
+      </p:pic>
     </p:spTree>
     <p:extLst>
       <p:ext uri="{BB962C8B-B14F-4D97-AF65-F5344CB8AC3E}">
         <p14:creationId xmlns:p14="http://schemas.microsoft.com/office/powerpoint/2010/main" val="5414378"/>
+      </p:ext>
+    </p:extLst>
+  </p:cSld>
+  <p:clrMapOvr>
+    <a:masterClrMapping/>
+  </p:clrMapOvr>
+</p:sld>
+</file>
+
+<file path=ppt/slides/slide17.xml><?xml version="1.0" encoding="utf-8"?>
+<p:sld xmlns:a="http://schemas.openxmlformats.org/drawingml/2006/main" xmlns:r="http://schemas.openxmlformats.org/officeDocument/2006/relationships" xmlns:p="http://schemas.openxmlformats.org/presentationml/2006/main">
+  <p:cSld>
+    <p:spTree>
+      <p:nvGrpSpPr>
+        <p:cNvPr id="1" name=""/>
+        <p:cNvGrpSpPr/>
+        <p:nvPr/>
+      </p:nvGrpSpPr>
+      <p:grpSpPr>
+        <a:xfrm>
+          <a:off x="0" y="0"/>
+          <a:ext cx="0" cy="0"/>
+          <a:chOff x="0" y="0"/>
+          <a:chExt cx="0" cy="0"/>
+        </a:xfrm>
+      </p:grpSpPr>
+      <p:sp>
+        <p:nvSpPr>
+          <p:cNvPr id="3" name="Content Placeholder 2">
+            <a:extLst>
+              <a:ext uri="{FF2B5EF4-FFF2-40B4-BE49-F238E27FC236}">
+                <a16:creationId xmlns:a16="http://schemas.microsoft.com/office/drawing/2014/main" id="{41B8ADE9-8A16-A052-6D7F-4478FF75CF0F}"/>
+              </a:ext>
+            </a:extLst>
+          </p:cNvPr>
+          <p:cNvSpPr>
+            <a:spLocks noGrp="1"/>
+          </p:cNvSpPr>
+          <p:nvPr>
+            <p:ph idx="1"/>
+          </p:nvPr>
+        </p:nvSpPr>
+        <p:spPr>
+          <a:xfrm>
+            <a:off x="838199" y="1825625"/>
+            <a:ext cx="10620375" cy="4689475"/>
+          </a:xfrm>
+        </p:spPr>
+        <p:txBody>
+          <a:bodyPr>
+            <a:normAutofit/>
+          </a:bodyPr>
+          <a:lstStyle/>
+          <a:p>
+            <a:pPr marL="0" indent="0">
+              <a:buNone/>
+            </a:pPr>
+            <a:r>
+              <a:rPr lang="en-GB" dirty="0" err="1"/>
+              <a:t>Dr.</a:t>
+            </a:r>
+            <a:r>
+              <a:rPr lang="en-GB" dirty="0"/>
+              <a:t> Jiawei Yang </a:t>
+            </a:r>
+          </a:p>
+          <a:p>
+            <a:pPr marL="0" indent="0">
+              <a:buNone/>
+            </a:pPr>
+            <a:endParaRPr lang="en-GB" dirty="0"/>
+          </a:p>
+          <a:p>
+            <a:pPr marL="0" indent="0">
+              <a:buNone/>
+            </a:pPr>
+            <a:r>
+              <a:rPr lang="en-GB" dirty="0" err="1"/>
+              <a:t>Neighborhood</a:t>
+            </a:r>
+            <a:r>
+              <a:rPr lang="en-GB" dirty="0"/>
+              <a:t> Representative for Improving Outlier Detectors</a:t>
+            </a:r>
+          </a:p>
+          <a:p>
+            <a:pPr marL="0" indent="0">
+              <a:buNone/>
+            </a:pPr>
+            <a:endParaRPr lang="en-GB" dirty="0"/>
+          </a:p>
+          <a:p>
+            <a:pPr marL="0" indent="0">
+              <a:buNone/>
+            </a:pPr>
+            <a:r>
+              <a:rPr lang="en-GB" dirty="0"/>
+              <a:t>Jiawei Yang received the B.Eng. degree in Electronic Engineering from </a:t>
+            </a:r>
+            <a:r>
+              <a:rPr lang="en-GB" dirty="0" err="1"/>
+              <a:t>Beihang</a:t>
+            </a:r>
+            <a:r>
+              <a:rPr lang="en-GB" dirty="0"/>
+              <a:t> University, China in 2013, the M.Eng. and Ph.D. degrees in Computer Science from University of Eastern Finland, Finland, in 2019 and 2020, respectively. He currently works in </a:t>
+            </a:r>
+            <a:r>
+              <a:rPr lang="en-GB" dirty="0" err="1"/>
+              <a:t>Northwestern</a:t>
+            </a:r>
+            <a:r>
+              <a:rPr lang="en-GB" dirty="0"/>
+              <a:t> Polytechnical University.</a:t>
+            </a:r>
+          </a:p>
+        </p:txBody>
+      </p:sp>
+    </p:spTree>
+    <p:extLst>
+      <p:ext uri="{BB962C8B-B14F-4D97-AF65-F5344CB8AC3E}">
+        <p14:creationId xmlns:p14="http://schemas.microsoft.com/office/powerpoint/2010/main" val="1592463567"/>
+      </p:ext>
+    </p:extLst>
+  </p:cSld>
+  <p:clrMapOvr>
+    <a:masterClrMapping/>
+  </p:clrMapOvr>
+</p:sld>
+</file>
+
+<file path=ppt/slides/slide18.xml><?xml version="1.0" encoding="utf-8"?>
+<p:sld xmlns:a="http://schemas.openxmlformats.org/drawingml/2006/main" xmlns:r="http://schemas.openxmlformats.org/officeDocument/2006/relationships" xmlns:p="http://schemas.openxmlformats.org/presentationml/2006/main">
+  <p:cSld>
+    <p:spTree>
+      <p:nvGrpSpPr>
+        <p:cNvPr id="1" name=""/>
+        <p:cNvGrpSpPr/>
+        <p:nvPr/>
+      </p:nvGrpSpPr>
+      <p:grpSpPr>
+        <a:xfrm>
+          <a:off x="0" y="0"/>
+          <a:ext cx="0" cy="0"/>
+          <a:chOff x="0" y="0"/>
+          <a:chExt cx="0" cy="0"/>
+        </a:xfrm>
+      </p:grpSpPr>
+      <p:sp>
+        <p:nvSpPr>
+          <p:cNvPr id="3" name="Content Placeholder 2">
+            <a:extLst>
+              <a:ext uri="{FF2B5EF4-FFF2-40B4-BE49-F238E27FC236}">
+                <a16:creationId xmlns:a16="http://schemas.microsoft.com/office/drawing/2014/main" id="{41B8ADE9-8A16-A052-6D7F-4478FF75CF0F}"/>
+              </a:ext>
+            </a:extLst>
+          </p:cNvPr>
+          <p:cNvSpPr>
+            <a:spLocks noGrp="1"/>
+          </p:cNvSpPr>
+          <p:nvPr>
+            <p:ph idx="1"/>
+          </p:nvPr>
+        </p:nvSpPr>
+        <p:spPr>
+          <a:xfrm>
+            <a:off x="838199" y="1825625"/>
+            <a:ext cx="10620375" cy="4689475"/>
+          </a:xfrm>
+        </p:spPr>
+        <p:txBody>
+          <a:bodyPr>
+            <a:normAutofit lnSpcReduction="10000"/>
+          </a:bodyPr>
+          <a:lstStyle/>
+          <a:p>
+            <a:pPr marL="0" indent="0">
+              <a:buNone/>
+            </a:pPr>
+            <a:r>
+              <a:rPr lang="en-GB" dirty="0" err="1"/>
+              <a:t>Dr.</a:t>
+            </a:r>
+            <a:r>
+              <a:rPr lang="en-GB" dirty="0"/>
+              <a:t> </a:t>
+            </a:r>
+            <a:r>
+              <a:rPr lang="en-GB" dirty="0" err="1"/>
+              <a:t>Zitong</a:t>
+            </a:r>
+            <a:r>
+              <a:rPr lang="en-GB" dirty="0"/>
+              <a:t> Yu </a:t>
+            </a:r>
+          </a:p>
+          <a:p>
+            <a:pPr marL="0" indent="0">
+              <a:buNone/>
+            </a:pPr>
+            <a:endParaRPr lang="en-GB" dirty="0"/>
+          </a:p>
+          <a:p>
+            <a:r>
+              <a:rPr lang="en-GB" dirty="0" err="1"/>
+              <a:t>AutoHR</a:t>
+            </a:r>
+            <a:r>
+              <a:rPr lang="en-GB" dirty="0"/>
+              <a:t>: A Strong End-to-end Baseline for Remote Heart Rate Measurement with Neural Searching </a:t>
+            </a:r>
+          </a:p>
+          <a:p>
+            <a:pPr marL="0" indent="0">
+              <a:buNone/>
+            </a:pPr>
+            <a:endParaRPr lang="en-GB" dirty="0"/>
+          </a:p>
+          <a:p>
+            <a:pPr marL="0" indent="0">
+              <a:buNone/>
+            </a:pPr>
+            <a:r>
+              <a:rPr lang="en-GB" dirty="0" err="1"/>
+              <a:t>Zitong</a:t>
+            </a:r>
+            <a:r>
+              <a:rPr lang="en-GB" dirty="0"/>
+              <a:t> Yu is currently a postdoctoral researcher at ROSE Lab of Nanyang Technological University, Singapore. He also serves as an advisor on remote physiological measurement for </a:t>
+            </a:r>
+            <a:r>
+              <a:rPr lang="en-GB" dirty="0" err="1"/>
+              <a:t>BioTrillion</a:t>
+            </a:r>
+            <a:r>
+              <a:rPr lang="en-GB" dirty="0"/>
+              <a:t>, USA. He received the Ph.D. degree in Computer Science from University of Oulu, Finland, in 2022. He was previously a visiting scholar at Torr Vision Group of the University of Oxford, UK, in 2021.</a:t>
+            </a:r>
+          </a:p>
+        </p:txBody>
+      </p:sp>
+    </p:spTree>
+    <p:extLst>
+      <p:ext uri="{BB962C8B-B14F-4D97-AF65-F5344CB8AC3E}">
+        <p14:creationId xmlns:p14="http://schemas.microsoft.com/office/powerpoint/2010/main" val="1017436517"/>
+      </p:ext>
+    </p:extLst>
+  </p:cSld>
+  <p:clrMapOvr>
+    <a:masterClrMapping/>
+  </p:clrMapOvr>
+</p:sld>
+</file>
+
+<file path=ppt/slides/slide19.xml><?xml version="1.0" encoding="utf-8"?>
+<p:sld xmlns:a="http://schemas.openxmlformats.org/drawingml/2006/main" xmlns:r="http://schemas.openxmlformats.org/officeDocument/2006/relationships" xmlns:p="http://schemas.openxmlformats.org/presentationml/2006/main">
+  <p:cSld>
+    <p:spTree>
+      <p:nvGrpSpPr>
+        <p:cNvPr id="1" name=""/>
+        <p:cNvGrpSpPr/>
+        <p:nvPr/>
+      </p:nvGrpSpPr>
+      <p:grpSpPr>
+        <a:xfrm>
+          <a:off x="0" y="0"/>
+          <a:ext cx="0" cy="0"/>
+          <a:chOff x="0" y="0"/>
+          <a:chExt cx="0" cy="0"/>
+        </a:xfrm>
+      </p:grpSpPr>
+      <p:sp>
+        <p:nvSpPr>
+          <p:cNvPr id="2" name="Title 1">
+            <a:extLst>
+              <a:ext uri="{FF2B5EF4-FFF2-40B4-BE49-F238E27FC236}">
+                <a16:creationId xmlns:a16="http://schemas.microsoft.com/office/drawing/2014/main" id="{95CD2062-CA08-3B06-DE05-8129ABAB565A}"/>
+              </a:ext>
+            </a:extLst>
+          </p:cNvPr>
+          <p:cNvSpPr>
+            <a:spLocks noGrp="1"/>
+          </p:cNvSpPr>
+          <p:nvPr>
+            <p:ph type="title"/>
+          </p:nvPr>
+        </p:nvSpPr>
+        <p:spPr/>
+        <p:txBody>
+          <a:bodyPr/>
+          <a:lstStyle/>
+          <a:p>
+            <a:r>
+              <a:rPr lang="en-GB" dirty="0" err="1"/>
+              <a:t>Dr.</a:t>
+            </a:r>
+            <a:r>
+              <a:rPr lang="en-GB" dirty="0"/>
+              <a:t> Robin </a:t>
+            </a:r>
+            <a:r>
+              <a:rPr lang="en-GB" dirty="0" err="1"/>
+              <a:t>Rajamäki</a:t>
+            </a:r>
+            <a:r>
+              <a:rPr lang="en-GB" dirty="0"/>
+              <a:t> </a:t>
+            </a:r>
+            <a:br>
+              <a:rPr lang="en-GB" dirty="0"/>
+            </a:br>
+            <a:endParaRPr lang="en-GB" dirty="0"/>
+          </a:p>
+        </p:txBody>
+      </p:sp>
+      <p:sp>
+        <p:nvSpPr>
+          <p:cNvPr id="3" name="Content Placeholder 2">
+            <a:extLst>
+              <a:ext uri="{FF2B5EF4-FFF2-40B4-BE49-F238E27FC236}">
+                <a16:creationId xmlns:a16="http://schemas.microsoft.com/office/drawing/2014/main" id="{60D25F4C-DD9D-3959-6D25-C26B71808669}"/>
+              </a:ext>
+            </a:extLst>
+          </p:cNvPr>
+          <p:cNvSpPr>
+            <a:spLocks noGrp="1"/>
+          </p:cNvSpPr>
+          <p:nvPr>
+            <p:ph idx="1"/>
+          </p:nvPr>
+        </p:nvSpPr>
+        <p:spPr/>
+        <p:txBody>
+          <a:bodyPr/>
+          <a:lstStyle/>
+          <a:p>
+            <a:pPr marL="0" indent="0">
+              <a:buNone/>
+            </a:pPr>
+            <a:r>
+              <a:rPr lang="en-GB" dirty="0"/>
+              <a:t>Robin </a:t>
+            </a:r>
+            <a:r>
+              <a:rPr lang="en-GB" dirty="0" err="1"/>
+              <a:t>Rajamäki</a:t>
+            </a:r>
+            <a:r>
+              <a:rPr lang="en-GB" dirty="0"/>
+              <a:t> is a postdoctoral scholar at the University of California San Diego. He received his D.Sc. degree in electrical engineering in 2021 from Aalto University, Finland. His research interests lie in the intersection of theory and applications of statistical signal processing and optimization. In particular, his work focuses on sparse sensing using resource-efficient </a:t>
+            </a:r>
+            <a:r>
+              <a:rPr lang="en-GB" dirty="0" err="1"/>
+              <a:t>multisensor</a:t>
+            </a:r>
+            <a:r>
+              <a:rPr lang="en-GB" dirty="0"/>
+              <a:t> systems, which find applications in, e.g., radar and ultrasound imaging.</a:t>
+            </a:r>
+          </a:p>
+        </p:txBody>
+      </p:sp>
+    </p:spTree>
+    <p:extLst>
+      <p:ext uri="{BB962C8B-B14F-4D97-AF65-F5344CB8AC3E}">
+        <p14:creationId xmlns:p14="http://schemas.microsoft.com/office/powerpoint/2010/main" val="3434685611"/>
       </p:ext>
     </p:extLst>
   </p:cSld>
@@ -4216,7 +5759,7 @@
             </a:r>
             <a:r>
               <a:rPr lang="en-GB" sz="3600" dirty="0"/>
-              <a:t> </a:t>
+              <a:t> (NVIDIA) </a:t>
             </a:r>
           </a:p>
           <a:p>
@@ -4328,7 +5871,7 @@
         </p:nvSpPr>
         <p:spPr>
           <a:xfrm>
-            <a:off x="271272" y="1589152"/>
+            <a:off x="271272" y="1246252"/>
             <a:ext cx="11920728" cy="5140832"/>
           </a:xfrm>
         </p:spPr>
@@ -4480,19 +6023,637 @@
           <p:nvPr/>
         </p:nvPicPr>
         <p:blipFill>
-          <a:blip r:embed="rId2"/>
+          <a:blip r:embed="rId2" cstate="email">
+            <a:extLst>
+              <a:ext uri="{28A0092B-C50C-407E-A947-70E740481C1C}">
+                <a14:useLocalDpi xmlns:a14="http://schemas.microsoft.com/office/drawing/2010/main"/>
+              </a:ext>
+            </a:extLst>
+          </a:blip>
           <a:stretch>
             <a:fillRect/>
           </a:stretch>
         </p:blipFill>
         <p:spPr>
           <a:xfrm>
-            <a:off x="2959608" y="1628400"/>
-            <a:ext cx="5518882" cy="4837043"/>
+            <a:off x="2959607" y="1558528"/>
+            <a:ext cx="5598605" cy="4906916"/>
           </a:xfrm>
-          <a:prstGeom prst="rect">
+          <a:custGeom>
             <a:avLst/>
-          </a:prstGeom>
+            <a:gdLst>
+              <a:gd name="connsiteX0" fmla="*/ 0 w 5598605"/>
+              <a:gd name="connsiteY0" fmla="*/ 0 h 4906916"/>
+              <a:gd name="connsiteX1" fmla="*/ 391902 w 5598605"/>
+              <a:gd name="connsiteY1" fmla="*/ 0 h 4906916"/>
+              <a:gd name="connsiteX2" fmla="*/ 1007749 w 5598605"/>
+              <a:gd name="connsiteY2" fmla="*/ 0 h 4906916"/>
+              <a:gd name="connsiteX3" fmla="*/ 1399651 w 5598605"/>
+              <a:gd name="connsiteY3" fmla="*/ 0 h 4906916"/>
+              <a:gd name="connsiteX4" fmla="*/ 1791554 w 5598605"/>
+              <a:gd name="connsiteY4" fmla="*/ 0 h 4906916"/>
+              <a:gd name="connsiteX5" fmla="*/ 2463386 w 5598605"/>
+              <a:gd name="connsiteY5" fmla="*/ 0 h 4906916"/>
+              <a:gd name="connsiteX6" fmla="*/ 3023247 w 5598605"/>
+              <a:gd name="connsiteY6" fmla="*/ 0 h 4906916"/>
+              <a:gd name="connsiteX7" fmla="*/ 3415149 w 5598605"/>
+              <a:gd name="connsiteY7" fmla="*/ 0 h 4906916"/>
+              <a:gd name="connsiteX8" fmla="*/ 3975010 w 5598605"/>
+              <a:gd name="connsiteY8" fmla="*/ 0 h 4906916"/>
+              <a:gd name="connsiteX9" fmla="*/ 4646842 w 5598605"/>
+              <a:gd name="connsiteY9" fmla="*/ 0 h 4906916"/>
+              <a:gd name="connsiteX10" fmla="*/ 5598605 w 5598605"/>
+              <a:gd name="connsiteY10" fmla="*/ 0 h 4906916"/>
+              <a:gd name="connsiteX11" fmla="*/ 5598605 w 5598605"/>
+              <a:gd name="connsiteY11" fmla="*/ 496144 h 4906916"/>
+              <a:gd name="connsiteX12" fmla="*/ 5598605 w 5598605"/>
+              <a:gd name="connsiteY12" fmla="*/ 894149 h 4906916"/>
+              <a:gd name="connsiteX13" fmla="*/ 5598605 w 5598605"/>
+              <a:gd name="connsiteY13" fmla="*/ 1537500 h 4906916"/>
+              <a:gd name="connsiteX14" fmla="*/ 5598605 w 5598605"/>
+              <a:gd name="connsiteY14" fmla="*/ 2082713 h 4906916"/>
+              <a:gd name="connsiteX15" fmla="*/ 5598605 w 5598605"/>
+              <a:gd name="connsiteY15" fmla="*/ 2726064 h 4906916"/>
+              <a:gd name="connsiteX16" fmla="*/ 5598605 w 5598605"/>
+              <a:gd name="connsiteY16" fmla="*/ 3222208 h 4906916"/>
+              <a:gd name="connsiteX17" fmla="*/ 5598605 w 5598605"/>
+              <a:gd name="connsiteY17" fmla="*/ 3669283 h 4906916"/>
+              <a:gd name="connsiteX18" fmla="*/ 5598605 w 5598605"/>
+              <a:gd name="connsiteY18" fmla="*/ 4214496 h 4906916"/>
+              <a:gd name="connsiteX19" fmla="*/ 5598605 w 5598605"/>
+              <a:gd name="connsiteY19" fmla="*/ 4906916 h 4906916"/>
+              <a:gd name="connsiteX20" fmla="*/ 4926772 w 5598605"/>
+              <a:gd name="connsiteY20" fmla="*/ 4906916 h 4906916"/>
+              <a:gd name="connsiteX21" fmla="*/ 4366912 w 5598605"/>
+              <a:gd name="connsiteY21" fmla="*/ 4906916 h 4906916"/>
+              <a:gd name="connsiteX22" fmla="*/ 3863037 w 5598605"/>
+              <a:gd name="connsiteY22" fmla="*/ 4906916 h 4906916"/>
+              <a:gd name="connsiteX23" fmla="*/ 3359163 w 5598605"/>
+              <a:gd name="connsiteY23" fmla="*/ 4906916 h 4906916"/>
+              <a:gd name="connsiteX24" fmla="*/ 2855289 w 5598605"/>
+              <a:gd name="connsiteY24" fmla="*/ 4906916 h 4906916"/>
+              <a:gd name="connsiteX25" fmla="*/ 2351414 w 5598605"/>
+              <a:gd name="connsiteY25" fmla="*/ 4906916 h 4906916"/>
+              <a:gd name="connsiteX26" fmla="*/ 1735568 w 5598605"/>
+              <a:gd name="connsiteY26" fmla="*/ 4906916 h 4906916"/>
+              <a:gd name="connsiteX27" fmla="*/ 1175707 w 5598605"/>
+              <a:gd name="connsiteY27" fmla="*/ 4906916 h 4906916"/>
+              <a:gd name="connsiteX28" fmla="*/ 783805 w 5598605"/>
+              <a:gd name="connsiteY28" fmla="*/ 4906916 h 4906916"/>
+              <a:gd name="connsiteX29" fmla="*/ 0 w 5598605"/>
+              <a:gd name="connsiteY29" fmla="*/ 4906916 h 4906916"/>
+              <a:gd name="connsiteX30" fmla="*/ 0 w 5598605"/>
+              <a:gd name="connsiteY30" fmla="*/ 4312634 h 4906916"/>
+              <a:gd name="connsiteX31" fmla="*/ 0 w 5598605"/>
+              <a:gd name="connsiteY31" fmla="*/ 3669283 h 4906916"/>
+              <a:gd name="connsiteX32" fmla="*/ 0 w 5598605"/>
+              <a:gd name="connsiteY32" fmla="*/ 3271277 h 4906916"/>
+              <a:gd name="connsiteX33" fmla="*/ 0 w 5598605"/>
+              <a:gd name="connsiteY33" fmla="*/ 2873272 h 4906916"/>
+              <a:gd name="connsiteX34" fmla="*/ 0 w 5598605"/>
+              <a:gd name="connsiteY34" fmla="*/ 2229921 h 4906916"/>
+              <a:gd name="connsiteX35" fmla="*/ 0 w 5598605"/>
+              <a:gd name="connsiteY35" fmla="*/ 1831915 h 4906916"/>
+              <a:gd name="connsiteX36" fmla="*/ 0 w 5598605"/>
+              <a:gd name="connsiteY36" fmla="*/ 1286702 h 4906916"/>
+              <a:gd name="connsiteX37" fmla="*/ 0 w 5598605"/>
+              <a:gd name="connsiteY37" fmla="*/ 839628 h 4906916"/>
+              <a:gd name="connsiteX38" fmla="*/ 0 w 5598605"/>
+              <a:gd name="connsiteY38" fmla="*/ 0 h 4906916"/>
+            </a:gdLst>
+            <a:ahLst/>
+            <a:cxnLst>
+              <a:cxn ang="0">
+                <a:pos x="connsiteX0" y="connsiteY0"/>
+              </a:cxn>
+              <a:cxn ang="0">
+                <a:pos x="connsiteX1" y="connsiteY1"/>
+              </a:cxn>
+              <a:cxn ang="0">
+                <a:pos x="connsiteX2" y="connsiteY2"/>
+              </a:cxn>
+              <a:cxn ang="0">
+                <a:pos x="connsiteX3" y="connsiteY3"/>
+              </a:cxn>
+              <a:cxn ang="0">
+                <a:pos x="connsiteX4" y="connsiteY4"/>
+              </a:cxn>
+              <a:cxn ang="0">
+                <a:pos x="connsiteX5" y="connsiteY5"/>
+              </a:cxn>
+              <a:cxn ang="0">
+                <a:pos x="connsiteX6" y="connsiteY6"/>
+              </a:cxn>
+              <a:cxn ang="0">
+                <a:pos x="connsiteX7" y="connsiteY7"/>
+              </a:cxn>
+              <a:cxn ang="0">
+                <a:pos x="connsiteX8" y="connsiteY8"/>
+              </a:cxn>
+              <a:cxn ang="0">
+                <a:pos x="connsiteX9" y="connsiteY9"/>
+              </a:cxn>
+              <a:cxn ang="0">
+                <a:pos x="connsiteX10" y="connsiteY10"/>
+              </a:cxn>
+              <a:cxn ang="0">
+                <a:pos x="connsiteX11" y="connsiteY11"/>
+              </a:cxn>
+              <a:cxn ang="0">
+                <a:pos x="connsiteX12" y="connsiteY12"/>
+              </a:cxn>
+              <a:cxn ang="0">
+                <a:pos x="connsiteX13" y="connsiteY13"/>
+              </a:cxn>
+              <a:cxn ang="0">
+                <a:pos x="connsiteX14" y="connsiteY14"/>
+              </a:cxn>
+              <a:cxn ang="0">
+                <a:pos x="connsiteX15" y="connsiteY15"/>
+              </a:cxn>
+              <a:cxn ang="0">
+                <a:pos x="connsiteX16" y="connsiteY16"/>
+              </a:cxn>
+              <a:cxn ang="0">
+                <a:pos x="connsiteX17" y="connsiteY17"/>
+              </a:cxn>
+              <a:cxn ang="0">
+                <a:pos x="connsiteX18" y="connsiteY18"/>
+              </a:cxn>
+              <a:cxn ang="0">
+                <a:pos x="connsiteX19" y="connsiteY19"/>
+              </a:cxn>
+              <a:cxn ang="0">
+                <a:pos x="connsiteX20" y="connsiteY20"/>
+              </a:cxn>
+              <a:cxn ang="0">
+                <a:pos x="connsiteX21" y="connsiteY21"/>
+              </a:cxn>
+              <a:cxn ang="0">
+                <a:pos x="connsiteX22" y="connsiteY22"/>
+              </a:cxn>
+              <a:cxn ang="0">
+                <a:pos x="connsiteX23" y="connsiteY23"/>
+              </a:cxn>
+              <a:cxn ang="0">
+                <a:pos x="connsiteX24" y="connsiteY24"/>
+              </a:cxn>
+              <a:cxn ang="0">
+                <a:pos x="connsiteX25" y="connsiteY25"/>
+              </a:cxn>
+              <a:cxn ang="0">
+                <a:pos x="connsiteX26" y="connsiteY26"/>
+              </a:cxn>
+              <a:cxn ang="0">
+                <a:pos x="connsiteX27" y="connsiteY27"/>
+              </a:cxn>
+              <a:cxn ang="0">
+                <a:pos x="connsiteX28" y="connsiteY28"/>
+              </a:cxn>
+              <a:cxn ang="0">
+                <a:pos x="connsiteX29" y="connsiteY29"/>
+              </a:cxn>
+              <a:cxn ang="0">
+                <a:pos x="connsiteX30" y="connsiteY30"/>
+              </a:cxn>
+              <a:cxn ang="0">
+                <a:pos x="connsiteX31" y="connsiteY31"/>
+              </a:cxn>
+              <a:cxn ang="0">
+                <a:pos x="connsiteX32" y="connsiteY32"/>
+              </a:cxn>
+              <a:cxn ang="0">
+                <a:pos x="connsiteX33" y="connsiteY33"/>
+              </a:cxn>
+              <a:cxn ang="0">
+                <a:pos x="connsiteX34" y="connsiteY34"/>
+              </a:cxn>
+              <a:cxn ang="0">
+                <a:pos x="connsiteX35" y="connsiteY35"/>
+              </a:cxn>
+              <a:cxn ang="0">
+                <a:pos x="connsiteX36" y="connsiteY36"/>
+              </a:cxn>
+              <a:cxn ang="0">
+                <a:pos x="connsiteX37" y="connsiteY37"/>
+              </a:cxn>
+              <a:cxn ang="0">
+                <a:pos x="connsiteX38" y="connsiteY38"/>
+              </a:cxn>
+            </a:cxnLst>
+            <a:rect l="l" t="t" r="r" b="b"/>
+            <a:pathLst>
+              <a:path w="5598605" h="4906916" fill="none" extrusionOk="0">
+                <a:moveTo>
+                  <a:pt x="0" y="0"/>
+                </a:moveTo>
+                <a:cubicBezTo>
+                  <a:pt x="113804" y="-11294"/>
+                  <a:pt x="280749" y="32436"/>
+                  <a:pt x="391902" y="0"/>
+                </a:cubicBezTo>
+                <a:cubicBezTo>
+                  <a:pt x="503055" y="-32436"/>
+                  <a:pt x="861340" y="42523"/>
+                  <a:pt x="1007749" y="0"/>
+                </a:cubicBezTo>
+                <a:cubicBezTo>
+                  <a:pt x="1154158" y="-42523"/>
+                  <a:pt x="1280015" y="36188"/>
+                  <a:pt x="1399651" y="0"/>
+                </a:cubicBezTo>
+                <a:cubicBezTo>
+                  <a:pt x="1519287" y="-36188"/>
+                  <a:pt x="1707280" y="33850"/>
+                  <a:pt x="1791554" y="0"/>
+                </a:cubicBezTo>
+                <a:cubicBezTo>
+                  <a:pt x="1875828" y="-33850"/>
+                  <a:pt x="2175543" y="31233"/>
+                  <a:pt x="2463386" y="0"/>
+                </a:cubicBezTo>
+                <a:cubicBezTo>
+                  <a:pt x="2751229" y="-31233"/>
+                  <a:pt x="2787838" y="11147"/>
+                  <a:pt x="3023247" y="0"/>
+                </a:cubicBezTo>
+                <a:cubicBezTo>
+                  <a:pt x="3258656" y="-11147"/>
+                  <a:pt x="3329510" y="23020"/>
+                  <a:pt x="3415149" y="0"/>
+                </a:cubicBezTo>
+                <a:cubicBezTo>
+                  <a:pt x="3500788" y="-23020"/>
+                  <a:pt x="3842761" y="51030"/>
+                  <a:pt x="3975010" y="0"/>
+                </a:cubicBezTo>
+                <a:cubicBezTo>
+                  <a:pt x="4107259" y="-51030"/>
+                  <a:pt x="4473231" y="16368"/>
+                  <a:pt x="4646842" y="0"/>
+                </a:cubicBezTo>
+                <a:cubicBezTo>
+                  <a:pt x="4820453" y="-16368"/>
+                  <a:pt x="5292881" y="37584"/>
+                  <a:pt x="5598605" y="0"/>
+                </a:cubicBezTo>
+                <a:cubicBezTo>
+                  <a:pt x="5606400" y="184829"/>
+                  <a:pt x="5540897" y="390018"/>
+                  <a:pt x="5598605" y="496144"/>
+                </a:cubicBezTo>
+                <a:cubicBezTo>
+                  <a:pt x="5656313" y="602270"/>
+                  <a:pt x="5570548" y="794215"/>
+                  <a:pt x="5598605" y="894149"/>
+                </a:cubicBezTo>
+                <a:cubicBezTo>
+                  <a:pt x="5626662" y="994084"/>
+                  <a:pt x="5543657" y="1227495"/>
+                  <a:pt x="5598605" y="1537500"/>
+                </a:cubicBezTo>
+                <a:cubicBezTo>
+                  <a:pt x="5653553" y="1847505"/>
+                  <a:pt x="5584340" y="1967904"/>
+                  <a:pt x="5598605" y="2082713"/>
+                </a:cubicBezTo>
+                <a:cubicBezTo>
+                  <a:pt x="5612870" y="2197522"/>
+                  <a:pt x="5581914" y="2571320"/>
+                  <a:pt x="5598605" y="2726064"/>
+                </a:cubicBezTo>
+                <a:cubicBezTo>
+                  <a:pt x="5615296" y="2880808"/>
+                  <a:pt x="5539247" y="3072337"/>
+                  <a:pt x="5598605" y="3222208"/>
+                </a:cubicBezTo>
+                <a:cubicBezTo>
+                  <a:pt x="5657963" y="3372079"/>
+                  <a:pt x="5560060" y="3467517"/>
+                  <a:pt x="5598605" y="3669283"/>
+                </a:cubicBezTo>
+                <a:cubicBezTo>
+                  <a:pt x="5637150" y="3871050"/>
+                  <a:pt x="5589093" y="3980945"/>
+                  <a:pt x="5598605" y="4214496"/>
+                </a:cubicBezTo>
+                <a:cubicBezTo>
+                  <a:pt x="5608117" y="4448047"/>
+                  <a:pt x="5592829" y="4765495"/>
+                  <a:pt x="5598605" y="4906916"/>
+                </a:cubicBezTo>
+                <a:cubicBezTo>
+                  <a:pt x="5315354" y="4953787"/>
+                  <a:pt x="5261104" y="4849387"/>
+                  <a:pt x="4926772" y="4906916"/>
+                </a:cubicBezTo>
+                <a:cubicBezTo>
+                  <a:pt x="4592440" y="4964445"/>
+                  <a:pt x="4617834" y="4886183"/>
+                  <a:pt x="4366912" y="4906916"/>
+                </a:cubicBezTo>
+                <a:cubicBezTo>
+                  <a:pt x="4115990" y="4927649"/>
+                  <a:pt x="4021982" y="4881818"/>
+                  <a:pt x="3863037" y="4906916"/>
+                </a:cubicBezTo>
+                <a:cubicBezTo>
+                  <a:pt x="3704093" y="4932014"/>
+                  <a:pt x="3586486" y="4891545"/>
+                  <a:pt x="3359163" y="4906916"/>
+                </a:cubicBezTo>
+                <a:cubicBezTo>
+                  <a:pt x="3131840" y="4922287"/>
+                  <a:pt x="2975717" y="4881473"/>
+                  <a:pt x="2855289" y="4906916"/>
+                </a:cubicBezTo>
+                <a:cubicBezTo>
+                  <a:pt x="2734861" y="4932359"/>
+                  <a:pt x="2586208" y="4890603"/>
+                  <a:pt x="2351414" y="4906916"/>
+                </a:cubicBezTo>
+                <a:cubicBezTo>
+                  <a:pt x="2116620" y="4923229"/>
+                  <a:pt x="1906248" y="4880833"/>
+                  <a:pt x="1735568" y="4906916"/>
+                </a:cubicBezTo>
+                <a:cubicBezTo>
+                  <a:pt x="1564888" y="4932999"/>
+                  <a:pt x="1307327" y="4886453"/>
+                  <a:pt x="1175707" y="4906916"/>
+                </a:cubicBezTo>
+                <a:cubicBezTo>
+                  <a:pt x="1044087" y="4927379"/>
+                  <a:pt x="884933" y="4878252"/>
+                  <a:pt x="783805" y="4906916"/>
+                </a:cubicBezTo>
+                <a:cubicBezTo>
+                  <a:pt x="682677" y="4935580"/>
+                  <a:pt x="286366" y="4878138"/>
+                  <a:pt x="0" y="4906916"/>
+                </a:cubicBezTo>
+                <a:cubicBezTo>
+                  <a:pt x="-9029" y="4673109"/>
+                  <a:pt x="21184" y="4547286"/>
+                  <a:pt x="0" y="4312634"/>
+                </a:cubicBezTo>
+                <a:cubicBezTo>
+                  <a:pt x="-21184" y="4077982"/>
+                  <a:pt x="41405" y="3875314"/>
+                  <a:pt x="0" y="3669283"/>
+                </a:cubicBezTo>
+                <a:cubicBezTo>
+                  <a:pt x="-41405" y="3463252"/>
+                  <a:pt x="45779" y="3355617"/>
+                  <a:pt x="0" y="3271277"/>
+                </a:cubicBezTo>
+                <a:cubicBezTo>
+                  <a:pt x="-45779" y="3186937"/>
+                  <a:pt x="20980" y="3060846"/>
+                  <a:pt x="0" y="2873272"/>
+                </a:cubicBezTo>
+                <a:cubicBezTo>
+                  <a:pt x="-20980" y="2685698"/>
+                  <a:pt x="12221" y="2402006"/>
+                  <a:pt x="0" y="2229921"/>
+                </a:cubicBezTo>
+                <a:cubicBezTo>
+                  <a:pt x="-12221" y="2057836"/>
+                  <a:pt x="35771" y="1937637"/>
+                  <a:pt x="0" y="1831915"/>
+                </a:cubicBezTo>
+                <a:cubicBezTo>
+                  <a:pt x="-35771" y="1726193"/>
+                  <a:pt x="53429" y="1535148"/>
+                  <a:pt x="0" y="1286702"/>
+                </a:cubicBezTo>
+                <a:cubicBezTo>
+                  <a:pt x="-53429" y="1038256"/>
+                  <a:pt x="17183" y="991270"/>
+                  <a:pt x="0" y="839628"/>
+                </a:cubicBezTo>
+                <a:cubicBezTo>
+                  <a:pt x="-17183" y="687986"/>
+                  <a:pt x="67926" y="254809"/>
+                  <a:pt x="0" y="0"/>
+                </a:cubicBezTo>
+                <a:close/>
+              </a:path>
+              <a:path w="5598605" h="4906916" stroke="0" extrusionOk="0">
+                <a:moveTo>
+                  <a:pt x="0" y="0"/>
+                </a:moveTo>
+                <a:cubicBezTo>
+                  <a:pt x="148367" y="-41313"/>
+                  <a:pt x="395893" y="9510"/>
+                  <a:pt x="503874" y="0"/>
+                </a:cubicBezTo>
+                <a:cubicBezTo>
+                  <a:pt x="611855" y="-9510"/>
+                  <a:pt x="785963" y="41600"/>
+                  <a:pt x="895777" y="0"/>
+                </a:cubicBezTo>
+                <a:cubicBezTo>
+                  <a:pt x="1005591" y="-41600"/>
+                  <a:pt x="1371837" y="58959"/>
+                  <a:pt x="1567609" y="0"/>
+                </a:cubicBezTo>
+                <a:cubicBezTo>
+                  <a:pt x="1763381" y="-58959"/>
+                  <a:pt x="1902788" y="47973"/>
+                  <a:pt x="2071484" y="0"/>
+                </a:cubicBezTo>
+                <a:cubicBezTo>
+                  <a:pt x="2240180" y="-47973"/>
+                  <a:pt x="2442362" y="41303"/>
+                  <a:pt x="2575358" y="0"/>
+                </a:cubicBezTo>
+                <a:cubicBezTo>
+                  <a:pt x="2708354" y="-41303"/>
+                  <a:pt x="3076279" y="2584"/>
+                  <a:pt x="3247191" y="0"/>
+                </a:cubicBezTo>
+                <a:cubicBezTo>
+                  <a:pt x="3418103" y="-2584"/>
+                  <a:pt x="3550256" y="3961"/>
+                  <a:pt x="3695079" y="0"/>
+                </a:cubicBezTo>
+                <a:cubicBezTo>
+                  <a:pt x="3839902" y="-3961"/>
+                  <a:pt x="4197809" y="31809"/>
+                  <a:pt x="4366912" y="0"/>
+                </a:cubicBezTo>
+                <a:cubicBezTo>
+                  <a:pt x="4536015" y="-31809"/>
+                  <a:pt x="4725649" y="27181"/>
+                  <a:pt x="5038745" y="0"/>
+                </a:cubicBezTo>
+                <a:cubicBezTo>
+                  <a:pt x="5351841" y="-27181"/>
+                  <a:pt x="5366859" y="38497"/>
+                  <a:pt x="5598605" y="0"/>
+                </a:cubicBezTo>
+                <a:cubicBezTo>
+                  <a:pt x="5674539" y="161639"/>
+                  <a:pt x="5565615" y="459928"/>
+                  <a:pt x="5598605" y="643351"/>
+                </a:cubicBezTo>
+                <a:cubicBezTo>
+                  <a:pt x="5631595" y="826774"/>
+                  <a:pt x="5567683" y="1033163"/>
+                  <a:pt x="5598605" y="1237633"/>
+                </a:cubicBezTo>
+                <a:cubicBezTo>
+                  <a:pt x="5629527" y="1442103"/>
+                  <a:pt x="5556078" y="1505702"/>
+                  <a:pt x="5598605" y="1635639"/>
+                </a:cubicBezTo>
+                <a:cubicBezTo>
+                  <a:pt x="5641132" y="1765576"/>
+                  <a:pt x="5576466" y="1961069"/>
+                  <a:pt x="5598605" y="2180852"/>
+                </a:cubicBezTo>
+                <a:cubicBezTo>
+                  <a:pt x="5620744" y="2400635"/>
+                  <a:pt x="5537758" y="2564637"/>
+                  <a:pt x="5598605" y="2726064"/>
+                </a:cubicBezTo>
+                <a:cubicBezTo>
+                  <a:pt x="5659452" y="2887491"/>
+                  <a:pt x="5584085" y="3069626"/>
+                  <a:pt x="5598605" y="3271277"/>
+                </a:cubicBezTo>
+                <a:cubicBezTo>
+                  <a:pt x="5613125" y="3472928"/>
+                  <a:pt x="5534288" y="3617718"/>
+                  <a:pt x="5598605" y="3865559"/>
+                </a:cubicBezTo>
+                <a:cubicBezTo>
+                  <a:pt x="5662922" y="4113400"/>
+                  <a:pt x="5564319" y="4612801"/>
+                  <a:pt x="5598605" y="4906916"/>
+                </a:cubicBezTo>
+                <a:cubicBezTo>
+                  <a:pt x="5292996" y="4960077"/>
+                  <a:pt x="5211074" y="4880960"/>
+                  <a:pt x="4982758" y="4906916"/>
+                </a:cubicBezTo>
+                <a:cubicBezTo>
+                  <a:pt x="4754442" y="4932872"/>
+                  <a:pt x="4734013" y="4867613"/>
+                  <a:pt x="4534870" y="4906916"/>
+                </a:cubicBezTo>
+                <a:cubicBezTo>
+                  <a:pt x="4335727" y="4946219"/>
+                  <a:pt x="4121570" y="4885996"/>
+                  <a:pt x="3863037" y="4906916"/>
+                </a:cubicBezTo>
+                <a:cubicBezTo>
+                  <a:pt x="3604504" y="4927836"/>
+                  <a:pt x="3482753" y="4848993"/>
+                  <a:pt x="3303177" y="4906916"/>
+                </a:cubicBezTo>
+                <a:cubicBezTo>
+                  <a:pt x="3123601" y="4964839"/>
+                  <a:pt x="2954644" y="4890990"/>
+                  <a:pt x="2855289" y="4906916"/>
+                </a:cubicBezTo>
+                <a:cubicBezTo>
+                  <a:pt x="2755934" y="4922842"/>
+                  <a:pt x="2466935" y="4879507"/>
+                  <a:pt x="2295428" y="4906916"/>
+                </a:cubicBezTo>
+                <a:cubicBezTo>
+                  <a:pt x="2123921" y="4934325"/>
+                  <a:pt x="2056786" y="4894130"/>
+                  <a:pt x="1903526" y="4906916"/>
+                </a:cubicBezTo>
+                <a:cubicBezTo>
+                  <a:pt x="1750266" y="4919702"/>
+                  <a:pt x="1698818" y="4902871"/>
+                  <a:pt x="1511623" y="4906916"/>
+                </a:cubicBezTo>
+                <a:cubicBezTo>
+                  <a:pt x="1324428" y="4910961"/>
+                  <a:pt x="1160925" y="4853757"/>
+                  <a:pt x="951763" y="4906916"/>
+                </a:cubicBezTo>
+                <a:cubicBezTo>
+                  <a:pt x="742601" y="4960075"/>
+                  <a:pt x="672167" y="4881942"/>
+                  <a:pt x="503874" y="4906916"/>
+                </a:cubicBezTo>
+                <a:cubicBezTo>
+                  <a:pt x="335581" y="4931890"/>
+                  <a:pt x="152995" y="4854694"/>
+                  <a:pt x="0" y="4906916"/>
+                </a:cubicBezTo>
+                <a:cubicBezTo>
+                  <a:pt x="-9442" y="4783072"/>
+                  <a:pt x="13256" y="4644861"/>
+                  <a:pt x="0" y="4459841"/>
+                </a:cubicBezTo>
+                <a:cubicBezTo>
+                  <a:pt x="-13256" y="4274821"/>
+                  <a:pt x="10267" y="4252869"/>
+                  <a:pt x="0" y="4061836"/>
+                </a:cubicBezTo>
+                <a:cubicBezTo>
+                  <a:pt x="-10267" y="3870803"/>
+                  <a:pt x="824" y="3666743"/>
+                  <a:pt x="0" y="3467554"/>
+                </a:cubicBezTo>
+                <a:cubicBezTo>
+                  <a:pt x="-824" y="3268365"/>
+                  <a:pt x="34169" y="3205668"/>
+                  <a:pt x="0" y="3020479"/>
+                </a:cubicBezTo>
+                <a:cubicBezTo>
+                  <a:pt x="-34169" y="2835291"/>
+                  <a:pt x="30773" y="2667987"/>
+                  <a:pt x="0" y="2426197"/>
+                </a:cubicBezTo>
+                <a:cubicBezTo>
+                  <a:pt x="-30773" y="2184407"/>
+                  <a:pt x="974" y="1959747"/>
+                  <a:pt x="0" y="1782846"/>
+                </a:cubicBezTo>
+                <a:cubicBezTo>
+                  <a:pt x="-974" y="1605945"/>
+                  <a:pt x="8677" y="1469295"/>
+                  <a:pt x="0" y="1286702"/>
+                </a:cubicBezTo>
+                <a:cubicBezTo>
+                  <a:pt x="-8677" y="1104109"/>
+                  <a:pt x="1666" y="790171"/>
+                  <a:pt x="0" y="643351"/>
+                </a:cubicBezTo>
+                <a:cubicBezTo>
+                  <a:pt x="-1666" y="496531"/>
+                  <a:pt x="20795" y="307266"/>
+                  <a:pt x="0" y="0"/>
+                </a:cubicBezTo>
+                <a:close/>
+              </a:path>
+            </a:pathLst>
+          </a:custGeom>
+          <a:ln>
+            <a:solidFill>
+              <a:schemeClr val="accent1"/>
+            </a:solidFill>
+            <a:extLst>
+              <a:ext uri="{C807C97D-BFC1-408E-A445-0C87EB9F89A2}">
+                <ask:lineSketchStyleProps xmlns:ask="http://schemas.microsoft.com/office/drawing/2018/sketchyshapes" sd="1219033472">
+                  <a:prstGeom prst="rect">
+                    <a:avLst/>
+                  </a:prstGeom>
+                  <ask:type>
+                    <ask:lineSketchScribble/>
+                  </ask:type>
+                </ask:lineSketchStyleProps>
+              </a:ext>
+            </a:extLst>
+          </a:ln>
         </p:spPr>
       </p:pic>
     </p:spTree>
@@ -4791,8 +6952,14 @@
           <p:nvPr/>
         </p:nvPicPr>
         <p:blipFill rotWithShape="1">
-          <a:blip r:embed="rId2"/>
-          <a:srcRect t="9684"/>
+          <a:blip r:embed="rId2" cstate="email">
+            <a:extLst>
+              <a:ext uri="{28A0092B-C50C-407E-A947-70E740481C1C}">
+                <a14:useLocalDpi xmlns:a14="http://schemas.microsoft.com/office/drawing/2010/main"/>
+              </a:ext>
+            </a:extLst>
+          </a:blip>
+          <a:srcRect/>
           <a:stretch/>
         </p:blipFill>
         <p:spPr>
@@ -4882,7 +7049,13 @@
           </p:nvPr>
         </p:nvPicPr>
         <p:blipFill>
-          <a:blip r:embed="rId2"/>
+          <a:blip r:embed="rId2" cstate="email">
+            <a:extLst>
+              <a:ext uri="{28A0092B-C50C-407E-A947-70E740481C1C}">
+                <a14:useLocalDpi xmlns:a14="http://schemas.microsoft.com/office/drawing/2010/main"/>
+              </a:ext>
+            </a:extLst>
+          </a:blip>
           <a:stretch>
             <a:fillRect/>
           </a:stretch>
@@ -4939,7 +7112,13 @@
           <p:nvPr/>
         </p:nvPicPr>
         <p:blipFill>
-          <a:blip r:embed="rId2"/>
+          <a:blip r:embed="rId2" cstate="email">
+            <a:extLst>
+              <a:ext uri="{28A0092B-C50C-407E-A947-70E740481C1C}">
+                <a14:useLocalDpi xmlns:a14="http://schemas.microsoft.com/office/drawing/2010/main"/>
+              </a:ext>
+            </a:extLst>
+          </a:blip>
           <a:stretch>
             <a:fillRect/>
           </a:stretch>
@@ -5037,8 +7216,8 @@
         </p:nvSpPr>
         <p:spPr>
           <a:xfrm>
-            <a:off x="669885" y="1690688"/>
-            <a:ext cx="10852230" cy="3938567"/>
+            <a:off x="669884" y="946883"/>
+            <a:ext cx="11306215" cy="5911117"/>
           </a:xfrm>
         </p:spPr>
         <p:txBody>
@@ -5049,7 +7228,7 @@
           <a:p>
             <a:pPr>
               <a:lnSpc>
-                <a:spcPct val="150000"/>
+                <a:spcPct val="200000"/>
               </a:lnSpc>
             </a:pPr>
             <a:r>
@@ -5068,7 +7247,7 @@
           <a:p>
             <a:pPr>
               <a:lnSpc>
-                <a:spcPct val="150000"/>
+                <a:spcPct val="200000"/>
               </a:lnSpc>
             </a:pPr>
             <a:r>
@@ -5077,7 +7256,7 @@
             </a:r>
             <a:r>
               <a:rPr lang="en-GB" sz="4000" b="1" dirty="0"/>
-              <a:t>Dick Carrillo </a:t>
+              <a:t>Dick C. </a:t>
             </a:r>
             <a:r>
               <a:rPr lang="en-GB" sz="4000" b="1" dirty="0" err="1"/>
@@ -5095,7 +7274,7 @@
           <a:p>
             <a:pPr>
               <a:lnSpc>
-                <a:spcPct val="150000"/>
+                <a:spcPct val="200000"/>
               </a:lnSpc>
             </a:pPr>
             <a:r>
@@ -5104,15 +7283,7 @@
             </a:r>
             <a:r>
               <a:rPr lang="en-GB" sz="4000" b="1" dirty="0"/>
-              <a:t>Hamed </a:t>
-            </a:r>
-            <a:r>
-              <a:rPr lang="en-GB" sz="4000" b="1" dirty="0" err="1"/>
-              <a:t>Rezazadegan</a:t>
-            </a:r>
-            <a:r>
-              <a:rPr lang="en-GB" sz="4000" b="1" dirty="0"/>
-              <a:t> </a:t>
+              <a:t>Hamed R. </a:t>
             </a:r>
             <a:r>
               <a:rPr lang="en-GB" sz="4000" b="1" dirty="0" err="1"/>
@@ -5126,7 +7297,7 @@
           <a:p>
             <a:pPr>
               <a:lnSpc>
-                <a:spcPct val="150000"/>
+                <a:spcPct val="200000"/>
               </a:lnSpc>
             </a:pPr>
             <a:r>
@@ -5144,6 +7315,143 @@
           </a:p>
         </p:txBody>
       </p:sp>
+      <p:pic>
+        <p:nvPicPr>
+          <p:cNvPr id="5" name="Picture 4" descr="A picture containing person, wall, indoor, person&#10;&#10;Description automatically generated">
+            <a:extLst>
+              <a:ext uri="{FF2B5EF4-FFF2-40B4-BE49-F238E27FC236}">
+                <a16:creationId xmlns:a16="http://schemas.microsoft.com/office/drawing/2014/main" id="{EED9A21A-1C2A-3B7F-A6A8-E3C30AFDC279}"/>
+              </a:ext>
+            </a:extLst>
+          </p:cNvPr>
+          <p:cNvPicPr>
+            <a:picLocks noChangeAspect="1"/>
+          </p:cNvPicPr>
+          <p:nvPr/>
+        </p:nvPicPr>
+        <p:blipFill>
+          <a:blip r:embed="rId2"/>
+          <a:stretch>
+            <a:fillRect/>
+          </a:stretch>
+        </p:blipFill>
+        <p:spPr>
+          <a:xfrm>
+            <a:off x="6503987" y="625415"/>
+            <a:ext cx="1498600" cy="1968500"/>
+          </a:xfrm>
+          <a:prstGeom prst="rect">
+            <a:avLst/>
+          </a:prstGeom>
+        </p:spPr>
+      </p:pic>
+      <p:pic>
+        <p:nvPicPr>
+          <p:cNvPr id="7" name="Picture 6" descr="A person wearing glasses&#10;&#10;Description automatically generated with medium confidence">
+            <a:extLst>
+              <a:ext uri="{FF2B5EF4-FFF2-40B4-BE49-F238E27FC236}">
+                <a16:creationId xmlns:a16="http://schemas.microsoft.com/office/drawing/2014/main" id="{5652D780-F4C7-5D15-A169-C8FC151CB65E}"/>
+              </a:ext>
+            </a:extLst>
+          </p:cNvPr>
+          <p:cNvPicPr>
+            <a:picLocks noChangeAspect="1"/>
+          </p:cNvPicPr>
+          <p:nvPr/>
+        </p:nvPicPr>
+        <p:blipFill>
+          <a:blip r:embed="rId3"/>
+          <a:stretch>
+            <a:fillRect/>
+          </a:stretch>
+        </p:blipFill>
+        <p:spPr>
+          <a:xfrm>
+            <a:off x="9303543" y="1866971"/>
+            <a:ext cx="1498600" cy="1881221"/>
+          </a:xfrm>
+          <a:prstGeom prst="rect">
+            <a:avLst/>
+          </a:prstGeom>
+        </p:spPr>
+      </p:pic>
+      <p:pic>
+        <p:nvPicPr>
+          <p:cNvPr id="2050" name="Picture 2" descr="2021 IEEE SPS Cycle 2 School on Networked Federated Learning: Theory,  Algorithms and Applications : vTools Events">
+            <a:extLst>
+              <a:ext uri="{FF2B5EF4-FFF2-40B4-BE49-F238E27FC236}">
+                <a16:creationId xmlns:a16="http://schemas.microsoft.com/office/drawing/2014/main" id="{19E5FE7C-1E02-9C86-EB61-0A515B2C2795}"/>
+              </a:ext>
+            </a:extLst>
+          </p:cNvPr>
+          <p:cNvPicPr>
+            <a:picLocks noChangeAspect="1" noChangeArrowheads="1"/>
+          </p:cNvPicPr>
+          <p:nvPr/>
+        </p:nvPicPr>
+        <p:blipFill>
+          <a:blip r:embed="rId4">
+            <a:extLst>
+              <a:ext uri="{28A0092B-C50C-407E-A947-70E740481C1C}">
+                <a14:useLocalDpi xmlns:a14="http://schemas.microsoft.com/office/drawing/2010/main" val="0"/>
+              </a:ext>
+            </a:extLst>
+          </a:blip>
+          <a:srcRect/>
+          <a:stretch>
+            <a:fillRect/>
+          </a:stretch>
+        </p:blipFill>
+        <p:spPr bwMode="auto">
+          <a:xfrm>
+            <a:off x="8490742" y="3598173"/>
+            <a:ext cx="1625600" cy="1625600"/>
+          </a:xfrm>
+          <a:prstGeom prst="rect">
+            <a:avLst/>
+          </a:prstGeom>
+          <a:noFill/>
+          <a:extLst>
+            <a:ext uri="{909E8E84-426E-40DD-AFC4-6F175D3DCCD1}">
+              <a14:hiddenFill xmlns:a14="http://schemas.microsoft.com/office/drawing/2010/main">
+                <a:solidFill>
+                  <a:srgbClr val="FFFFFF"/>
+                </a:solidFill>
+              </a14:hiddenFill>
+            </a:ext>
+          </a:extLst>
+        </p:spPr>
+      </p:pic>
+      <p:pic>
+        <p:nvPicPr>
+          <p:cNvPr id="9" name="Picture 8" descr="A picture containing person, person, indoor&#10;&#10;Description automatically generated">
+            <a:extLst>
+              <a:ext uri="{FF2B5EF4-FFF2-40B4-BE49-F238E27FC236}">
+                <a16:creationId xmlns:a16="http://schemas.microsoft.com/office/drawing/2014/main" id="{97961CAF-3A74-327E-A687-DB4A30B192A5}"/>
+              </a:ext>
+            </a:extLst>
+          </p:cNvPr>
+          <p:cNvPicPr>
+            <a:picLocks noChangeAspect="1"/>
+          </p:cNvPicPr>
+          <p:nvPr/>
+        </p:nvPicPr>
+        <p:blipFill>
+          <a:blip r:embed="rId5"/>
+          <a:stretch>
+            <a:fillRect/>
+          </a:stretch>
+        </p:blipFill>
+        <p:spPr>
+          <a:xfrm>
+            <a:off x="10084632" y="4950360"/>
+            <a:ext cx="1495427" cy="1855771"/>
+          </a:xfrm>
+          <a:prstGeom prst="rect">
+            <a:avLst/>
+          </a:prstGeom>
+        </p:spPr>
+      </p:pic>
     </p:spTree>
     <p:extLst>
       <p:ext uri="{BB962C8B-B14F-4D97-AF65-F5344CB8AC3E}">

--- a/Slides05Oct_Ju.pptx
+++ b/Slides05Oct_Ju.pptx
@@ -7,23 +7,24 @@
   <p:sldIdLst>
     <p:sldId id="256" r:id="rId2"/>
     <p:sldId id="266" r:id="rId3"/>
-    <p:sldId id="260" r:id="rId4"/>
-    <p:sldId id="265" r:id="rId5"/>
-    <p:sldId id="261" r:id="rId6"/>
-    <p:sldId id="262" r:id="rId7"/>
-    <p:sldId id="263" r:id="rId8"/>
-    <p:sldId id="264" r:id="rId9"/>
-    <p:sldId id="257" r:id="rId10"/>
-    <p:sldId id="258" r:id="rId11"/>
-    <p:sldId id="271" r:id="rId12"/>
-    <p:sldId id="259" r:id="rId13"/>
-    <p:sldId id="269" r:id="rId14"/>
-    <p:sldId id="270" r:id="rId15"/>
-    <p:sldId id="267" r:id="rId16"/>
-    <p:sldId id="268" r:id="rId17"/>
-    <p:sldId id="272" r:id="rId18"/>
-    <p:sldId id="273" r:id="rId19"/>
-    <p:sldId id="274" r:id="rId20"/>
+    <p:sldId id="275" r:id="rId4"/>
+    <p:sldId id="260" r:id="rId5"/>
+    <p:sldId id="265" r:id="rId6"/>
+    <p:sldId id="261" r:id="rId7"/>
+    <p:sldId id="262" r:id="rId8"/>
+    <p:sldId id="263" r:id="rId9"/>
+    <p:sldId id="264" r:id="rId10"/>
+    <p:sldId id="257" r:id="rId11"/>
+    <p:sldId id="258" r:id="rId12"/>
+    <p:sldId id="271" r:id="rId13"/>
+    <p:sldId id="259" r:id="rId14"/>
+    <p:sldId id="269" r:id="rId15"/>
+    <p:sldId id="270" r:id="rId16"/>
+    <p:sldId id="267" r:id="rId17"/>
+    <p:sldId id="268" r:id="rId18"/>
+    <p:sldId id="272" r:id="rId19"/>
+    <p:sldId id="273" r:id="rId20"/>
+    <p:sldId id="274" r:id="rId21"/>
   </p:sldIdLst>
   <p:sldSz cx="12192000" cy="6858000"/>
   <p:notesSz cx="6858000" cy="9144000"/>
@@ -277,7 +278,7 @@
           <a:p>
             <a:fld id="{08962325-C269-1C48-A7A7-E6D86ED09111}" type="datetimeFigureOut">
               <a:rPr lang="en-GB" smtClean="0"/>
-              <a:t>04/10/2022</a:t>
+              <a:t>05/10/2022</a:t>
             </a:fld>
             <a:endParaRPr lang="en-GB"/>
           </a:p>
@@ -475,7 +476,7 @@
           <a:p>
             <a:fld id="{08962325-C269-1C48-A7A7-E6D86ED09111}" type="datetimeFigureOut">
               <a:rPr lang="en-GB" smtClean="0"/>
-              <a:t>04/10/2022</a:t>
+              <a:t>05/10/2022</a:t>
             </a:fld>
             <a:endParaRPr lang="en-GB"/>
           </a:p>
@@ -683,7 +684,7 @@
           <a:p>
             <a:fld id="{08962325-C269-1C48-A7A7-E6D86ED09111}" type="datetimeFigureOut">
               <a:rPr lang="en-GB" smtClean="0"/>
-              <a:t>04/10/2022</a:t>
+              <a:t>05/10/2022</a:t>
             </a:fld>
             <a:endParaRPr lang="en-GB"/>
           </a:p>
@@ -881,7 +882,7 @@
           <a:p>
             <a:fld id="{08962325-C269-1C48-A7A7-E6D86ED09111}" type="datetimeFigureOut">
               <a:rPr lang="en-GB" smtClean="0"/>
-              <a:t>04/10/2022</a:t>
+              <a:t>05/10/2022</a:t>
             </a:fld>
             <a:endParaRPr lang="en-GB"/>
           </a:p>
@@ -1156,7 +1157,7 @@
           <a:p>
             <a:fld id="{08962325-C269-1C48-A7A7-E6D86ED09111}" type="datetimeFigureOut">
               <a:rPr lang="en-GB" smtClean="0"/>
-              <a:t>04/10/2022</a:t>
+              <a:t>05/10/2022</a:t>
             </a:fld>
             <a:endParaRPr lang="en-GB"/>
           </a:p>
@@ -1421,7 +1422,7 @@
           <a:p>
             <a:fld id="{08962325-C269-1C48-A7A7-E6D86ED09111}" type="datetimeFigureOut">
               <a:rPr lang="en-GB" smtClean="0"/>
-              <a:t>04/10/2022</a:t>
+              <a:t>05/10/2022</a:t>
             </a:fld>
             <a:endParaRPr lang="en-GB"/>
           </a:p>
@@ -1833,7 +1834,7 @@
           <a:p>
             <a:fld id="{08962325-C269-1C48-A7A7-E6D86ED09111}" type="datetimeFigureOut">
               <a:rPr lang="en-GB" smtClean="0"/>
-              <a:t>04/10/2022</a:t>
+              <a:t>05/10/2022</a:t>
             </a:fld>
             <a:endParaRPr lang="en-GB"/>
           </a:p>
@@ -1974,7 +1975,7 @@
           <a:p>
             <a:fld id="{08962325-C269-1C48-A7A7-E6D86ED09111}" type="datetimeFigureOut">
               <a:rPr lang="en-GB" smtClean="0"/>
-              <a:t>04/10/2022</a:t>
+              <a:t>05/10/2022</a:t>
             </a:fld>
             <a:endParaRPr lang="en-GB"/>
           </a:p>
@@ -2087,7 +2088,7 @@
           <a:p>
             <a:fld id="{08962325-C269-1C48-A7A7-E6D86ED09111}" type="datetimeFigureOut">
               <a:rPr lang="en-GB" smtClean="0"/>
-              <a:t>04/10/2022</a:t>
+              <a:t>05/10/2022</a:t>
             </a:fld>
             <a:endParaRPr lang="en-GB"/>
           </a:p>
@@ -2398,7 +2399,7 @@
           <a:p>
             <a:fld id="{08962325-C269-1C48-A7A7-E6D86ED09111}" type="datetimeFigureOut">
               <a:rPr lang="en-GB" smtClean="0"/>
-              <a:t>04/10/2022</a:t>
+              <a:t>05/10/2022</a:t>
             </a:fld>
             <a:endParaRPr lang="en-GB"/>
           </a:p>
@@ -2686,7 +2687,7 @@
           <a:p>
             <a:fld id="{08962325-C269-1C48-A7A7-E6D86ED09111}" type="datetimeFigureOut">
               <a:rPr lang="en-GB" smtClean="0"/>
-              <a:t>04/10/2022</a:t>
+              <a:t>05/10/2022</a:t>
             </a:fld>
             <a:endParaRPr lang="en-GB"/>
           </a:p>
@@ -2927,7 +2928,7 @@
           <a:p>
             <a:fld id="{08962325-C269-1C48-A7A7-E6D86ED09111}" type="datetimeFigureOut">
               <a:rPr lang="en-GB" smtClean="0"/>
-              <a:t>04/10/2022</a:t>
+              <a:t>05/10/2022</a:t>
             </a:fld>
             <a:endParaRPr lang="en-GB"/>
           </a:p>
@@ -3477,7 +3478,7 @@
           <p:cNvPr id="2" name="Title 1">
             <a:extLst>
               <a:ext uri="{FF2B5EF4-FFF2-40B4-BE49-F238E27FC236}">
-                <a16:creationId xmlns:a16="http://schemas.microsoft.com/office/drawing/2014/main" id="{9E4B7984-19DF-1016-6682-DE4CF2597D40}"/>
+                <a16:creationId xmlns:a16="http://schemas.microsoft.com/office/drawing/2014/main" id="{B01CAC9E-37D9-4A0D-0997-06781739F703}"/>
               </a:ext>
             </a:extLst>
           </p:cNvPr>
@@ -3490,34 +3491,19 @@
         </p:nvSpPr>
         <p:spPr>
           <a:xfrm>
-            <a:off x="456234" y="364341"/>
-            <a:ext cx="11095299" cy="1325563"/>
+            <a:off x="669885" y="284102"/>
+            <a:ext cx="10515600" cy="1325563"/>
           </a:xfrm>
         </p:spPr>
         <p:txBody>
           <a:bodyPr>
-            <a:normAutofit fontScale="90000"/>
+            <a:normAutofit/>
           </a:bodyPr>
           <a:lstStyle/>
           <a:p>
             <a:r>
-              <a:rPr lang="en-GB" sz="4800" b="1" dirty="0"/>
-              <a:t>What is a IEEE Chapter? </a:t>
-            </a:r>
-            <a:br>
-              <a:rPr lang="en-GB" sz="4800" b="1" dirty="0"/>
-            </a:br>
-            <a:r>
-              <a:rPr lang="en-GB" sz="3100" b="1" dirty="0"/>
-              <a:t>(https://</a:t>
-            </a:r>
-            <a:r>
-              <a:rPr lang="en-GB" sz="3100" b="1" dirty="0" err="1"/>
-              <a:t>mga.ieee.org</a:t>
-            </a:r>
-            <a:r>
-              <a:rPr lang="en-GB" sz="3100" b="1" dirty="0"/>
-              <a:t>/resources-operations/geographic-unit/chapters#sec1)</a:t>
+              <a:rPr lang="en-GB" sz="5400" b="1" dirty="0"/>
+              <a:t>Chapter Board</a:t>
             </a:r>
           </a:p>
         </p:txBody>
@@ -3527,7 +3513,7 @@
           <p:cNvPr id="3" name="Content Placeholder 2">
             <a:extLst>
               <a:ext uri="{FF2B5EF4-FFF2-40B4-BE49-F238E27FC236}">
-                <a16:creationId xmlns:a16="http://schemas.microsoft.com/office/drawing/2014/main" id="{06DF9A98-41AE-3113-B539-D469005023E7}"/>
+                <a16:creationId xmlns:a16="http://schemas.microsoft.com/office/drawing/2014/main" id="{27239E62-DCCE-7A37-1CB5-E556B77F1A1B}"/>
               </a:ext>
             </a:extLst>
           </p:cNvPr>
@@ -3540,123 +3526,246 @@
         </p:nvSpPr>
         <p:spPr>
           <a:xfrm>
-            <a:off x="374731" y="1326346"/>
-            <a:ext cx="11724672" cy="5167313"/>
+            <a:off x="669884" y="946883"/>
+            <a:ext cx="11306215" cy="5911117"/>
           </a:xfrm>
         </p:spPr>
         <p:txBody>
           <a:bodyPr>
-            <a:normAutofit fontScale="92500" lnSpcReduction="10000"/>
+            <a:noAutofit/>
           </a:bodyPr>
           <a:lstStyle/>
           <a:p>
-            <a:endParaRPr lang="en-GB" dirty="0"/>
-          </a:p>
-          <a:p>
             <a:pPr>
               <a:lnSpc>
-                <a:spcPct val="160000"/>
+                <a:spcPct val="200000"/>
               </a:lnSpc>
             </a:pPr>
             <a:r>
-              <a:rPr lang="en-GB" dirty="0">
-                <a:solidFill>
-                  <a:srgbClr val="FF0000"/>
-                </a:solidFill>
-              </a:rPr>
-              <a:t>technical sub-unit </a:t>
-            </a:r>
-            <a:r>
-              <a:rPr lang="en-GB" dirty="0"/>
-              <a:t>of one or more IEEE Sections  (IEEE Finland) </a:t>
+              <a:rPr lang="en-GB" sz="4000" dirty="0"/>
+              <a:t>Chair: </a:t>
+            </a:r>
+            <a:r>
+              <a:rPr lang="en-GB" sz="4000" b="1" dirty="0"/>
+              <a:t>Alex Jung </a:t>
+            </a:r>
+            <a:r>
+              <a:rPr lang="en-GB" sz="4000" dirty="0"/>
+              <a:t>(Aalto)</a:t>
             </a:r>
           </a:p>
           <a:p>
             <a:pPr>
               <a:lnSpc>
-                <a:spcPct val="160000"/>
+                <a:spcPct val="200000"/>
               </a:lnSpc>
             </a:pPr>
             <a:r>
-              <a:rPr lang="en-GB" dirty="0"/>
-              <a:t>Society/Technical Council Chapters consist of members from one or more IEEE Societies/Technical Councils (IEEE SPS, IEEE CASS)</a:t>
+              <a:rPr lang="en-GB" sz="4000" dirty="0"/>
+              <a:t>Treasurer: </a:t>
+            </a:r>
+            <a:r>
+              <a:rPr lang="en-GB" sz="4000" b="1" dirty="0"/>
+              <a:t>Dick C. </a:t>
+            </a:r>
+            <a:r>
+              <a:rPr lang="en-GB" sz="4000" b="1" dirty="0" err="1"/>
+              <a:t>Melgarejo</a:t>
+            </a:r>
+            <a:r>
+              <a:rPr lang="en-GB" sz="4000" b="1" dirty="0"/>
+              <a:t> </a:t>
+            </a:r>
+            <a:r>
+              <a:rPr lang="en-GB" sz="4000" dirty="0"/>
+              <a:t>(LUT)  </a:t>
             </a:r>
           </a:p>
           <a:p>
             <a:pPr>
               <a:lnSpc>
-                <a:spcPct val="160000"/>
+                <a:spcPct val="200000"/>
               </a:lnSpc>
             </a:pPr>
             <a:r>
-              <a:rPr lang="en-GB" dirty="0"/>
-              <a:t>activities include </a:t>
-            </a:r>
-            <a:r>
-              <a:rPr lang="en-GB" dirty="0">
-                <a:solidFill>
-                  <a:srgbClr val="FF0000"/>
-                </a:solidFill>
-              </a:rPr>
-              <a:t>guest speakers, workshops, seminars and social functions</a:t>
+              <a:rPr lang="en-GB" sz="4000" dirty="0"/>
+              <a:t>Co-Chair: </a:t>
+            </a:r>
+            <a:r>
+              <a:rPr lang="en-GB" sz="4000" b="1" dirty="0"/>
+              <a:t>Hamed R. </a:t>
+            </a:r>
+            <a:r>
+              <a:rPr lang="en-GB" sz="4000" b="1" dirty="0" err="1"/>
+              <a:t>Tavakoli</a:t>
+            </a:r>
+            <a:r>
+              <a:rPr lang="en-GB" sz="4000" dirty="0"/>
+              <a:t> (Nokia)</a:t>
             </a:r>
           </a:p>
           <a:p>
             <a:pPr>
               <a:lnSpc>
-                <a:spcPct val="160000"/>
+                <a:spcPct val="200000"/>
               </a:lnSpc>
             </a:pPr>
             <a:r>
-              <a:rPr lang="en-GB" dirty="0"/>
-              <a:t>offer valuable </a:t>
-            </a:r>
-            <a:r>
-              <a:rPr lang="en-GB" dirty="0">
+              <a:rPr lang="en-GB" sz="4000" dirty="0"/>
+              <a:t>Secretary: </a:t>
+            </a:r>
+            <a:r>
+              <a:rPr lang="en-GB" sz="4000" b="1" dirty="0"/>
+              <a:t>Jose Maria Perez-Macias</a:t>
+            </a:r>
+            <a:r>
+              <a:rPr lang="en-GB" sz="4000" dirty="0"/>
+              <a:t>(TAU)</a:t>
+            </a:r>
+          </a:p>
+        </p:txBody>
+      </p:sp>
+      <p:pic>
+        <p:nvPicPr>
+          <p:cNvPr id="5" name="Picture 4" descr="A picture containing person, wall, indoor, person&#10;&#10;Description automatically generated">
+            <a:extLst>
+              <a:ext uri="{FF2B5EF4-FFF2-40B4-BE49-F238E27FC236}">
+                <a16:creationId xmlns:a16="http://schemas.microsoft.com/office/drawing/2014/main" id="{EED9A21A-1C2A-3B7F-A6A8-E3C30AFDC279}"/>
+              </a:ext>
+            </a:extLst>
+          </p:cNvPr>
+          <p:cNvPicPr>
+            <a:picLocks noChangeAspect="1"/>
+          </p:cNvPicPr>
+          <p:nvPr/>
+        </p:nvPicPr>
+        <p:blipFill>
+          <a:blip r:embed="rId2"/>
+          <a:stretch>
+            <a:fillRect/>
+          </a:stretch>
+        </p:blipFill>
+        <p:spPr>
+          <a:xfrm>
+            <a:off x="6503987" y="625415"/>
+            <a:ext cx="1498600" cy="1968500"/>
+          </a:xfrm>
+          <a:prstGeom prst="rect">
+            <a:avLst/>
+          </a:prstGeom>
+        </p:spPr>
+      </p:pic>
+      <p:pic>
+        <p:nvPicPr>
+          <p:cNvPr id="7" name="Picture 6" descr="A person wearing glasses&#10;&#10;Description automatically generated with medium confidence">
+            <a:extLst>
+              <a:ext uri="{FF2B5EF4-FFF2-40B4-BE49-F238E27FC236}">
+                <a16:creationId xmlns:a16="http://schemas.microsoft.com/office/drawing/2014/main" id="{5652D780-F4C7-5D15-A169-C8FC151CB65E}"/>
+              </a:ext>
+            </a:extLst>
+          </p:cNvPr>
+          <p:cNvPicPr>
+            <a:picLocks noChangeAspect="1"/>
+          </p:cNvPicPr>
+          <p:nvPr/>
+        </p:nvPicPr>
+        <p:blipFill>
+          <a:blip r:embed="rId3"/>
+          <a:stretch>
+            <a:fillRect/>
+          </a:stretch>
+        </p:blipFill>
+        <p:spPr>
+          <a:xfrm>
+            <a:off x="9303543" y="1866971"/>
+            <a:ext cx="1498600" cy="1881221"/>
+          </a:xfrm>
+          <a:prstGeom prst="rect">
+            <a:avLst/>
+          </a:prstGeom>
+        </p:spPr>
+      </p:pic>
+      <p:pic>
+        <p:nvPicPr>
+          <p:cNvPr id="2050" name="Picture 2" descr="2021 IEEE SPS Cycle 2 School on Networked Federated Learning: Theory,  Algorithms and Applications : vTools Events">
+            <a:extLst>
+              <a:ext uri="{FF2B5EF4-FFF2-40B4-BE49-F238E27FC236}">
+                <a16:creationId xmlns:a16="http://schemas.microsoft.com/office/drawing/2014/main" id="{19E5FE7C-1E02-9C86-EB61-0A515B2C2795}"/>
+              </a:ext>
+            </a:extLst>
+          </p:cNvPr>
+          <p:cNvPicPr>
+            <a:picLocks noChangeAspect="1" noChangeArrowheads="1"/>
+          </p:cNvPicPr>
+          <p:nvPr/>
+        </p:nvPicPr>
+        <p:blipFill>
+          <a:blip r:embed="rId4">
+            <a:extLst>
+              <a:ext uri="{28A0092B-C50C-407E-A947-70E740481C1C}">
+                <a14:useLocalDpi xmlns:a14="http://schemas.microsoft.com/office/drawing/2010/main" val="0"/>
+              </a:ext>
+            </a:extLst>
+          </a:blip>
+          <a:srcRect/>
+          <a:stretch>
+            <a:fillRect/>
+          </a:stretch>
+        </p:blipFill>
+        <p:spPr bwMode="auto">
+          <a:xfrm>
+            <a:off x="8490742" y="3598173"/>
+            <a:ext cx="1625600" cy="1625600"/>
+          </a:xfrm>
+          <a:prstGeom prst="rect">
+            <a:avLst/>
+          </a:prstGeom>
+          <a:noFill/>
+          <a:extLst>
+            <a:ext uri="{909E8E84-426E-40DD-AFC4-6F175D3DCCD1}">
+              <a14:hiddenFill xmlns:a14="http://schemas.microsoft.com/office/drawing/2010/main">
                 <a:solidFill>
-                  <a:srgbClr val="FF0000"/>
+                  <a:srgbClr val="FFFFFF"/>
                 </a:solidFill>
-              </a:rPr>
-              <a:t>opportunities to network </a:t>
-            </a:r>
-            <a:r>
-              <a:rPr lang="en-GB" dirty="0"/>
-              <a:t>at a local level, </a:t>
-            </a:r>
-          </a:p>
-          <a:p>
-            <a:pPr>
-              <a:lnSpc>
-                <a:spcPct val="160000"/>
-              </a:lnSpc>
-            </a:pPr>
-            <a:r>
-              <a:rPr lang="en-GB" dirty="0"/>
-              <a:t>serve IEEE members </a:t>
-            </a:r>
-            <a:r>
-              <a:rPr lang="en-GB" dirty="0">
-                <a:solidFill>
-                  <a:srgbClr val="FF0000"/>
-                </a:solidFill>
-              </a:rPr>
-              <a:t>by holding meetings </a:t>
-            </a:r>
-            <a:r>
-              <a:rPr lang="en-GB" dirty="0"/>
-              <a:t>at the local level</a:t>
-            </a:r>
-            <a:br>
-              <a:rPr lang="en-GB" dirty="0"/>
-            </a:br>
-            <a:endParaRPr lang="en-GB" dirty="0"/>
-          </a:p>
-        </p:txBody>
-      </p:sp>
+              </a14:hiddenFill>
+            </a:ext>
+          </a:extLst>
+        </p:spPr>
+      </p:pic>
+      <p:pic>
+        <p:nvPicPr>
+          <p:cNvPr id="9" name="Picture 8" descr="A picture containing person, person, indoor&#10;&#10;Description automatically generated">
+            <a:extLst>
+              <a:ext uri="{FF2B5EF4-FFF2-40B4-BE49-F238E27FC236}">
+                <a16:creationId xmlns:a16="http://schemas.microsoft.com/office/drawing/2014/main" id="{97961CAF-3A74-327E-A687-DB4A30B192A5}"/>
+              </a:ext>
+            </a:extLst>
+          </p:cNvPr>
+          <p:cNvPicPr>
+            <a:picLocks noChangeAspect="1"/>
+          </p:cNvPicPr>
+          <p:nvPr/>
+        </p:nvPicPr>
+        <p:blipFill>
+          <a:blip r:embed="rId5"/>
+          <a:stretch>
+            <a:fillRect/>
+          </a:stretch>
+        </p:blipFill>
+        <p:spPr>
+          <a:xfrm>
+            <a:off x="10084632" y="4950360"/>
+            <a:ext cx="1495427" cy="1855771"/>
+          </a:xfrm>
+          <a:prstGeom prst="rect">
+            <a:avLst/>
+          </a:prstGeom>
+        </p:spPr>
+      </p:pic>
     </p:spTree>
     <p:extLst>
       <p:ext uri="{BB962C8B-B14F-4D97-AF65-F5344CB8AC3E}">
-        <p14:creationId xmlns:p14="http://schemas.microsoft.com/office/powerpoint/2010/main" val="2943641121"/>
+        <p14:creationId xmlns:p14="http://schemas.microsoft.com/office/powerpoint/2010/main" val="3756345656"/>
       </p:ext>
     </p:extLst>
   </p:cSld>
@@ -3685,6 +3794,56 @@
       </p:grpSpPr>
       <p:sp>
         <p:nvSpPr>
+          <p:cNvPr id="2" name="Title 1">
+            <a:extLst>
+              <a:ext uri="{FF2B5EF4-FFF2-40B4-BE49-F238E27FC236}">
+                <a16:creationId xmlns:a16="http://schemas.microsoft.com/office/drawing/2014/main" id="{9E4B7984-19DF-1016-6682-DE4CF2597D40}"/>
+              </a:ext>
+            </a:extLst>
+          </p:cNvPr>
+          <p:cNvSpPr>
+            <a:spLocks noGrp="1"/>
+          </p:cNvSpPr>
+          <p:nvPr>
+            <p:ph type="title"/>
+          </p:nvPr>
+        </p:nvSpPr>
+        <p:spPr>
+          <a:xfrm>
+            <a:off x="456234" y="364341"/>
+            <a:ext cx="11095299" cy="1325563"/>
+          </a:xfrm>
+        </p:spPr>
+        <p:txBody>
+          <a:bodyPr>
+            <a:normAutofit fontScale="90000"/>
+          </a:bodyPr>
+          <a:lstStyle/>
+          <a:p>
+            <a:r>
+              <a:rPr lang="en-GB" sz="4800" b="1" dirty="0"/>
+              <a:t>What is a IEEE Chapter? </a:t>
+            </a:r>
+            <a:br>
+              <a:rPr lang="en-GB" sz="4800" b="1" dirty="0"/>
+            </a:br>
+            <a:r>
+              <a:rPr lang="en-GB" sz="3100" b="1" dirty="0"/>
+              <a:t>(https://</a:t>
+            </a:r>
+            <a:r>
+              <a:rPr lang="en-GB" sz="3100" b="1" dirty="0" err="1"/>
+              <a:t>mga.ieee.org</a:t>
+            </a:r>
+            <a:r>
+              <a:rPr lang="en-GB" sz="3100" b="1" dirty="0"/>
+              <a:t>/resources-operations/geographic-unit/chapters#sec1)</a:t>
+            </a:r>
+          </a:p>
+        </p:txBody>
+      </p:sp>
+      <p:sp>
+        <p:nvSpPr>
           <p:cNvPr id="3" name="Content Placeholder 2">
             <a:extLst>
               <a:ext uri="{FF2B5EF4-FFF2-40B4-BE49-F238E27FC236}">
@@ -3707,34 +3866,117 @@
         </p:spPr>
         <p:txBody>
           <a:bodyPr>
-            <a:normAutofit/>
+            <a:normAutofit fontScale="92500" lnSpcReduction="10000"/>
           </a:bodyPr>
           <a:lstStyle/>
           <a:p>
             <a:endParaRPr lang="en-GB" dirty="0"/>
           </a:p>
           <a:p>
-            <a:pPr marL="0" indent="0">
+            <a:pPr>
               <a:lnSpc>
                 <a:spcPct val="160000"/>
               </a:lnSpc>
-              <a:buNone/>
             </a:pPr>
             <a:r>
-              <a:rPr lang="en-GB" sz="7200" dirty="0"/>
-              <a:t>What did we do ?</a:t>
+              <a:rPr lang="en-GB" dirty="0">
+                <a:solidFill>
+                  <a:srgbClr val="FF0000"/>
+                </a:solidFill>
+              </a:rPr>
+              <a:t>technical sub-unit </a:t>
+            </a:r>
+            <a:r>
+              <a:rPr lang="en-GB" dirty="0"/>
+              <a:t>of one or more IEEE Sections  (IEEE Finland) </a:t>
+            </a:r>
+          </a:p>
+          <a:p>
+            <a:pPr>
+              <a:lnSpc>
+                <a:spcPct val="160000"/>
+              </a:lnSpc>
+            </a:pPr>
+            <a:r>
+              <a:rPr lang="en-GB" dirty="0"/>
+              <a:t>Society/Technical Council Chapters consist of members from one or more IEEE Societies/Technical Councils (IEEE SPS, IEEE CASS)</a:t>
+            </a:r>
+          </a:p>
+          <a:p>
+            <a:pPr>
+              <a:lnSpc>
+                <a:spcPct val="160000"/>
+              </a:lnSpc>
+            </a:pPr>
+            <a:r>
+              <a:rPr lang="en-GB" dirty="0"/>
+              <a:t>activities include </a:t>
+            </a:r>
+            <a:r>
+              <a:rPr lang="en-GB" dirty="0">
+                <a:solidFill>
+                  <a:srgbClr val="FF0000"/>
+                </a:solidFill>
+              </a:rPr>
+              <a:t>guest speakers, workshops, seminars and social functions</a:t>
+            </a:r>
+          </a:p>
+          <a:p>
+            <a:pPr>
+              <a:lnSpc>
+                <a:spcPct val="160000"/>
+              </a:lnSpc>
+            </a:pPr>
+            <a:r>
+              <a:rPr lang="en-GB" dirty="0"/>
+              <a:t>offer valuable </a:t>
+            </a:r>
+            <a:r>
+              <a:rPr lang="en-GB" dirty="0">
+                <a:solidFill>
+                  <a:srgbClr val="FF0000"/>
+                </a:solidFill>
+              </a:rPr>
+              <a:t>opportunities to network </a:t>
+            </a:r>
+            <a:r>
+              <a:rPr lang="en-GB" dirty="0"/>
+              <a:t>at a local level, </a:t>
+            </a:r>
+          </a:p>
+          <a:p>
+            <a:pPr>
+              <a:lnSpc>
+                <a:spcPct val="160000"/>
+              </a:lnSpc>
+            </a:pPr>
+            <a:r>
+              <a:rPr lang="en-GB" dirty="0"/>
+              <a:t>serve IEEE members </a:t>
+            </a:r>
+            <a:r>
+              <a:rPr lang="en-GB" dirty="0">
+                <a:solidFill>
+                  <a:srgbClr val="FF0000"/>
+                </a:solidFill>
+              </a:rPr>
+              <a:t>by holding meetings </a:t>
+            </a:r>
+            <a:r>
+              <a:rPr lang="en-GB" dirty="0"/>
+              <a:t>at the local level</a:t>
             </a:r>
             <a:br>
-              <a:rPr lang="en-GB" sz="7200" dirty="0"/>
+              <a:rPr lang="en-GB" dirty="0"/>
             </a:br>
-            <a:endParaRPr lang="en-GB" sz="7200" dirty="0"/>
+            <a:endParaRPr lang="en-GB" dirty="0"/>
           </a:p>
         </p:txBody>
       </p:sp>
     </p:spTree>
     <p:extLst>
       <p:ext uri="{BB962C8B-B14F-4D97-AF65-F5344CB8AC3E}">
-        <p14:creationId xmlns:p14="http://schemas.microsoft.com/office/powerpoint/2010/main" val="2965952962"/>
+        <p14:creationId xmlns:p14="http://schemas.microsoft.com/office/powerpoint/2010/main" val="2943641121"/>
       </p:ext>
     </p:extLst>
   </p:cSld>
@@ -3761,45 +4003,58 @@
           <a:chExt cx="0" cy="0"/>
         </a:xfrm>
       </p:grpSpPr>
-      <p:pic>
-        <p:nvPicPr>
-          <p:cNvPr id="4" name="Picture 3">
-            <a:extLst>
-              <a:ext uri="{FF2B5EF4-FFF2-40B4-BE49-F238E27FC236}">
-                <a16:creationId xmlns:a16="http://schemas.microsoft.com/office/drawing/2014/main" id="{59A0254A-9C39-2643-AB3A-2A34D7E092C9}"/>
-              </a:ext>
-            </a:extLst>
-          </p:cNvPr>
-          <p:cNvPicPr>
-            <a:picLocks noChangeAspect="1"/>
-          </p:cNvPicPr>
-          <p:nvPr/>
-        </p:nvPicPr>
-        <p:blipFill rotWithShape="1">
-          <a:blip r:embed="rId2" cstate="email">
-            <a:extLst>
-              <a:ext uri="{28A0092B-C50C-407E-A947-70E740481C1C}">
-                <a14:useLocalDpi xmlns:a14="http://schemas.microsoft.com/office/drawing/2010/main"/>
-              </a:ext>
-            </a:extLst>
-          </a:blip>
-          <a:srcRect/>
-          <a:stretch/>
-        </p:blipFill>
+      <p:sp>
+        <p:nvSpPr>
+          <p:cNvPr id="3" name="Content Placeholder 2">
+            <a:extLst>
+              <a:ext uri="{FF2B5EF4-FFF2-40B4-BE49-F238E27FC236}">
+                <a16:creationId xmlns:a16="http://schemas.microsoft.com/office/drawing/2014/main" id="{06DF9A98-41AE-3113-B539-D469005023E7}"/>
+              </a:ext>
+            </a:extLst>
+          </p:cNvPr>
+          <p:cNvSpPr>
+            <a:spLocks noGrp="1"/>
+          </p:cNvSpPr>
+          <p:nvPr>
+            <p:ph idx="1"/>
+          </p:nvPr>
+        </p:nvSpPr>
         <p:spPr>
           <a:xfrm>
-            <a:off x="146304" y="83087"/>
-            <a:ext cx="10789920" cy="6691826"/>
+            <a:off x="374731" y="1326346"/>
+            <a:ext cx="11724672" cy="5167313"/>
           </a:xfrm>
-          <a:prstGeom prst="rect">
-            <a:avLst/>
-          </a:prstGeom>
         </p:spPr>
-      </p:pic>
+        <p:txBody>
+          <a:bodyPr>
+            <a:normAutofit/>
+          </a:bodyPr>
+          <a:lstStyle/>
+          <a:p>
+            <a:endParaRPr lang="en-GB" dirty="0"/>
+          </a:p>
+          <a:p>
+            <a:pPr marL="0" indent="0">
+              <a:lnSpc>
+                <a:spcPct val="160000"/>
+              </a:lnSpc>
+              <a:buNone/>
+            </a:pPr>
+            <a:r>
+              <a:rPr lang="en-GB" sz="7200" dirty="0"/>
+              <a:t>What did we do ?</a:t>
+            </a:r>
+            <a:br>
+              <a:rPr lang="en-GB" sz="7200" dirty="0"/>
+            </a:br>
+            <a:endParaRPr lang="en-GB" sz="7200" dirty="0"/>
+          </a:p>
+        </p:txBody>
+      </p:sp>
     </p:spTree>
     <p:extLst>
       <p:ext uri="{BB962C8B-B14F-4D97-AF65-F5344CB8AC3E}">
-        <p14:creationId xmlns:p14="http://schemas.microsoft.com/office/powerpoint/2010/main" val="1425234087"/>
+        <p14:creationId xmlns:p14="http://schemas.microsoft.com/office/powerpoint/2010/main" val="2965952962"/>
       </p:ext>
     </p:extLst>
   </p:cSld>
@@ -3828,6 +4083,71 @@
       </p:grpSpPr>
       <p:pic>
         <p:nvPicPr>
+          <p:cNvPr id="4" name="Picture 3">
+            <a:extLst>
+              <a:ext uri="{FF2B5EF4-FFF2-40B4-BE49-F238E27FC236}">
+                <a16:creationId xmlns:a16="http://schemas.microsoft.com/office/drawing/2014/main" id="{59A0254A-9C39-2643-AB3A-2A34D7E092C9}"/>
+              </a:ext>
+            </a:extLst>
+          </p:cNvPr>
+          <p:cNvPicPr>
+            <a:picLocks noChangeAspect="1"/>
+          </p:cNvPicPr>
+          <p:nvPr/>
+        </p:nvPicPr>
+        <p:blipFill rotWithShape="1">
+          <a:blip r:embed="rId2" cstate="email">
+            <a:extLst>
+              <a:ext uri="{28A0092B-C50C-407E-A947-70E740481C1C}">
+                <a14:useLocalDpi xmlns:a14="http://schemas.microsoft.com/office/drawing/2010/main"/>
+              </a:ext>
+            </a:extLst>
+          </a:blip>
+          <a:srcRect/>
+          <a:stretch/>
+        </p:blipFill>
+        <p:spPr>
+          <a:xfrm>
+            <a:off x="146304" y="83087"/>
+            <a:ext cx="10789920" cy="6691826"/>
+          </a:xfrm>
+          <a:prstGeom prst="rect">
+            <a:avLst/>
+          </a:prstGeom>
+        </p:spPr>
+      </p:pic>
+    </p:spTree>
+    <p:extLst>
+      <p:ext uri="{BB962C8B-B14F-4D97-AF65-F5344CB8AC3E}">
+        <p14:creationId xmlns:p14="http://schemas.microsoft.com/office/powerpoint/2010/main" val="1425234087"/>
+      </p:ext>
+    </p:extLst>
+  </p:cSld>
+  <p:clrMapOvr>
+    <a:masterClrMapping/>
+  </p:clrMapOvr>
+</p:sld>
+</file>
+
+<file path=ppt/slides/slide14.xml><?xml version="1.0" encoding="utf-8"?>
+<p:sld xmlns:a="http://schemas.openxmlformats.org/drawingml/2006/main" xmlns:r="http://schemas.openxmlformats.org/officeDocument/2006/relationships" xmlns:p="http://schemas.openxmlformats.org/presentationml/2006/main">
+  <p:cSld>
+    <p:spTree>
+      <p:nvGrpSpPr>
+        <p:cNvPr id="1" name=""/>
+        <p:cNvGrpSpPr/>
+        <p:nvPr/>
+      </p:nvGrpSpPr>
+      <p:grpSpPr>
+        <a:xfrm>
+          <a:off x="0" y="0"/>
+          <a:ext cx="0" cy="0"/>
+          <a:chOff x="0" y="0"/>
+          <a:chExt cx="0" cy="0"/>
+        </a:xfrm>
+      </p:grpSpPr>
+      <p:pic>
+        <p:nvPicPr>
           <p:cNvPr id="6" name="Picture 5" descr="Graphical user interface, website&#10;&#10;Description automatically generated">
             <a:extLst>
               <a:ext uri="{FF2B5EF4-FFF2-40B4-BE49-F238E27FC236}">
@@ -3916,7 +4236,7 @@
 </p:sld>
 </file>
 
-<file path=ppt/slides/slide14.xml><?xml version="1.0" encoding="utf-8"?>
+<file path=ppt/slides/slide15.xml><?xml version="1.0" encoding="utf-8"?>
 <p:sld xmlns:a="http://schemas.openxmlformats.org/drawingml/2006/main" xmlns:r="http://schemas.openxmlformats.org/officeDocument/2006/relationships" xmlns:p="http://schemas.openxmlformats.org/presentationml/2006/main">
   <p:cSld>
     <p:spTree>
@@ -4805,7 +5125,7 @@
 </p:sld>
 </file>
 
-<file path=ppt/slides/slide15.xml><?xml version="1.0" encoding="utf-8"?>
+<file path=ppt/slides/slide16.xml><?xml version="1.0" encoding="utf-8"?>
 <p:sld xmlns:a="http://schemas.openxmlformats.org/drawingml/2006/main" xmlns:r="http://schemas.openxmlformats.org/officeDocument/2006/relationships" xmlns:p="http://schemas.openxmlformats.org/presentationml/2006/main">
   <p:cSld>
     <p:spTree>
@@ -4991,7 +5311,7 @@
 </p:sld>
 </file>
 
-<file path=ppt/slides/slide16.xml><?xml version="1.0" encoding="utf-8"?>
+<file path=ppt/slides/slide17.xml><?xml version="1.0" encoding="utf-8"?>
 <p:sld xmlns:a="http://schemas.openxmlformats.org/drawingml/2006/main" xmlns:r="http://schemas.openxmlformats.org/officeDocument/2006/relationships" xmlns:p="http://schemas.openxmlformats.org/presentationml/2006/main">
   <p:cSld>
     <p:spTree>
@@ -5203,128 +5523,6 @@
 </p:sld>
 </file>
 
-<file path=ppt/slides/slide17.xml><?xml version="1.0" encoding="utf-8"?>
-<p:sld xmlns:a="http://schemas.openxmlformats.org/drawingml/2006/main" xmlns:r="http://schemas.openxmlformats.org/officeDocument/2006/relationships" xmlns:p="http://schemas.openxmlformats.org/presentationml/2006/main">
-  <p:cSld>
-    <p:spTree>
-      <p:nvGrpSpPr>
-        <p:cNvPr id="1" name=""/>
-        <p:cNvGrpSpPr/>
-        <p:nvPr/>
-      </p:nvGrpSpPr>
-      <p:grpSpPr>
-        <a:xfrm>
-          <a:off x="0" y="0"/>
-          <a:ext cx="0" cy="0"/>
-          <a:chOff x="0" y="0"/>
-          <a:chExt cx="0" cy="0"/>
-        </a:xfrm>
-      </p:grpSpPr>
-      <p:sp>
-        <p:nvSpPr>
-          <p:cNvPr id="3" name="Content Placeholder 2">
-            <a:extLst>
-              <a:ext uri="{FF2B5EF4-FFF2-40B4-BE49-F238E27FC236}">
-                <a16:creationId xmlns:a16="http://schemas.microsoft.com/office/drawing/2014/main" id="{41B8ADE9-8A16-A052-6D7F-4478FF75CF0F}"/>
-              </a:ext>
-            </a:extLst>
-          </p:cNvPr>
-          <p:cNvSpPr>
-            <a:spLocks noGrp="1"/>
-          </p:cNvSpPr>
-          <p:nvPr>
-            <p:ph idx="1"/>
-          </p:nvPr>
-        </p:nvSpPr>
-        <p:spPr>
-          <a:xfrm>
-            <a:off x="838199" y="1825625"/>
-            <a:ext cx="10620375" cy="4689475"/>
-          </a:xfrm>
-        </p:spPr>
-        <p:txBody>
-          <a:bodyPr>
-            <a:normAutofit/>
-          </a:bodyPr>
-          <a:lstStyle/>
-          <a:p>
-            <a:pPr marL="0" indent="0">
-              <a:buNone/>
-            </a:pPr>
-            <a:r>
-              <a:rPr lang="en-GB" dirty="0" err="1"/>
-              <a:t>Dr.</a:t>
-            </a:r>
-            <a:r>
-              <a:rPr lang="en-GB" dirty="0"/>
-              <a:t> Jiawei Yang </a:t>
-            </a:r>
-          </a:p>
-          <a:p>
-            <a:pPr marL="0" indent="0">
-              <a:buNone/>
-            </a:pPr>
-            <a:endParaRPr lang="en-GB" dirty="0"/>
-          </a:p>
-          <a:p>
-            <a:pPr marL="0" indent="0">
-              <a:buNone/>
-            </a:pPr>
-            <a:r>
-              <a:rPr lang="en-GB" dirty="0" err="1"/>
-              <a:t>Neighborhood</a:t>
-            </a:r>
-            <a:r>
-              <a:rPr lang="en-GB" dirty="0"/>
-              <a:t> Representative for Improving Outlier Detectors</a:t>
-            </a:r>
-          </a:p>
-          <a:p>
-            <a:pPr marL="0" indent="0">
-              <a:buNone/>
-            </a:pPr>
-            <a:endParaRPr lang="en-GB" dirty="0"/>
-          </a:p>
-          <a:p>
-            <a:pPr marL="0" indent="0">
-              <a:buNone/>
-            </a:pPr>
-            <a:r>
-              <a:rPr lang="en-GB" dirty="0"/>
-              <a:t>Jiawei Yang received the B.Eng. degree in Electronic Engineering from </a:t>
-            </a:r>
-            <a:r>
-              <a:rPr lang="en-GB" dirty="0" err="1"/>
-              <a:t>Beihang</a:t>
-            </a:r>
-            <a:r>
-              <a:rPr lang="en-GB" dirty="0"/>
-              <a:t> University, China in 2013, the M.Eng. and Ph.D. degrees in Computer Science from University of Eastern Finland, Finland, in 2019 and 2020, respectively. He currently works in </a:t>
-            </a:r>
-            <a:r>
-              <a:rPr lang="en-GB" dirty="0" err="1"/>
-              <a:t>Northwestern</a:t>
-            </a:r>
-            <a:r>
-              <a:rPr lang="en-GB" dirty="0"/>
-              <a:t> Polytechnical University.</a:t>
-            </a:r>
-          </a:p>
-        </p:txBody>
-      </p:sp>
-    </p:spTree>
-    <p:extLst>
-      <p:ext uri="{BB962C8B-B14F-4D97-AF65-F5344CB8AC3E}">
-        <p14:creationId xmlns:p14="http://schemas.microsoft.com/office/powerpoint/2010/main" val="1592463567"/>
-      </p:ext>
-    </p:extLst>
-  </p:cSld>
-  <p:clrMapOvr>
-    <a:masterClrMapping/>
-  </p:clrMapOvr>
-</p:sld>
-</file>
-
 <file path=ppt/slides/slide18.xml><?xml version="1.0" encoding="utf-8"?>
 <p:sld xmlns:a="http://schemas.openxmlformats.org/drawingml/2006/main" xmlns:r="http://schemas.openxmlformats.org/officeDocument/2006/relationships" xmlns:p="http://schemas.openxmlformats.org/presentationml/2006/main">
   <p:cSld>
@@ -5374,20 +5572,27 @@
               <a:buNone/>
             </a:pPr>
             <a:r>
+              <a:rPr lang="en-GB" dirty="0"/>
+              <a:t>at 10:00 </a:t>
+            </a:r>
+          </a:p>
+          <a:p>
+            <a:pPr marL="0" indent="0">
+              <a:buNone/>
+            </a:pPr>
+            <a:endParaRPr lang="en-GB" dirty="0"/>
+          </a:p>
+          <a:p>
+            <a:pPr marL="0" indent="0">
+              <a:buNone/>
+            </a:pPr>
+            <a:r>
               <a:rPr lang="en-GB" dirty="0" err="1"/>
               <a:t>Dr.</a:t>
             </a:r>
             <a:r>
               <a:rPr lang="en-GB" dirty="0"/>
-              <a:t> </a:t>
-            </a:r>
-            <a:r>
-              <a:rPr lang="en-GB" dirty="0" err="1"/>
-              <a:t>Zitong</a:t>
-            </a:r>
-            <a:r>
-              <a:rPr lang="en-GB" dirty="0"/>
-              <a:t> Yu </a:t>
+              <a:t> Jiawei Yang </a:t>
             </a:r>
           </a:p>
           <a:p>
@@ -5397,13 +5602,16 @@
             <a:endParaRPr lang="en-GB" dirty="0"/>
           </a:p>
           <a:p>
+            <a:pPr marL="0" indent="0">
+              <a:buNone/>
+            </a:pPr>
             <a:r>
               <a:rPr lang="en-GB" dirty="0" err="1"/>
-              <a:t>AutoHR</a:t>
+              <a:t>Neighborhood</a:t>
             </a:r>
             <a:r>
               <a:rPr lang="en-GB" dirty="0"/>
-              <a:t>: A Strong End-to-end Baseline for Remote Heart Rate Measurement with Neural Searching </a:t>
+              <a:t> Representative for Improving Outlier Detectors</a:t>
             </a:r>
           </a:p>
           <a:p>
@@ -5417,20 +5625,24 @@
               <a:buNone/>
             </a:pPr>
             <a:r>
+              <a:rPr lang="en-GB" dirty="0"/>
+              <a:t>Jiawei Yang received the B.Eng. degree in Electronic Engineering from </a:t>
+            </a:r>
+            <a:r>
               <a:rPr lang="en-GB" dirty="0" err="1"/>
-              <a:t>Zitong</a:t>
+              <a:t>Beihang</a:t>
             </a:r>
             <a:r>
               <a:rPr lang="en-GB" dirty="0"/>
-              <a:t> Yu is currently a postdoctoral researcher at ROSE Lab of Nanyang Technological University, Singapore. He also serves as an advisor on remote physiological measurement for </a:t>
+              <a:t> University, China in 2013, the M.Eng. and Ph.D. degrees in Computer Science from University of Eastern Finland, Finland, in 2019 and 2020, respectively. He currently works in </a:t>
             </a:r>
             <a:r>
               <a:rPr lang="en-GB" dirty="0" err="1"/>
-              <a:t>BioTrillion</a:t>
+              <a:t>Northwestern</a:t>
             </a:r>
             <a:r>
               <a:rPr lang="en-GB" dirty="0"/>
-              <a:t>, USA. He received the Ph.D. degree in Computer Science from University of Oulu, Finland, in 2022. He was previously a visiting scholar at Torr Vision Group of the University of Oxford, UK, in 2021.</a:t>
+              <a:t> Polytechnical University.</a:t>
             </a:r>
           </a:p>
         </p:txBody>
@@ -5438,7 +5650,7 @@
     </p:spTree>
     <p:extLst>
       <p:ext uri="{BB962C8B-B14F-4D97-AF65-F5344CB8AC3E}">
-        <p14:creationId xmlns:p14="http://schemas.microsoft.com/office/powerpoint/2010/main" val="1017436517"/>
+        <p14:creationId xmlns:p14="http://schemas.microsoft.com/office/powerpoint/2010/main" val="1592463567"/>
       </p:ext>
     </p:extLst>
   </p:cSld>
@@ -5467,91 +5679,93 @@
       </p:grpSpPr>
       <p:sp>
         <p:nvSpPr>
-          <p:cNvPr id="2" name="Title 1">
-            <a:extLst>
-              <a:ext uri="{FF2B5EF4-FFF2-40B4-BE49-F238E27FC236}">
-                <a16:creationId xmlns:a16="http://schemas.microsoft.com/office/drawing/2014/main" id="{95CD2062-CA08-3B06-DE05-8129ABAB565A}"/>
-              </a:ext>
-            </a:extLst>
-          </p:cNvPr>
-          <p:cNvSpPr>
-            <a:spLocks noGrp="1"/>
-          </p:cNvSpPr>
-          <p:nvPr>
-            <p:ph type="title"/>
-          </p:nvPr>
-        </p:nvSpPr>
-        <p:spPr/>
-        <p:txBody>
-          <a:bodyPr/>
+          <p:cNvPr id="3" name="Content Placeholder 2">
+            <a:extLst>
+              <a:ext uri="{FF2B5EF4-FFF2-40B4-BE49-F238E27FC236}">
+                <a16:creationId xmlns:a16="http://schemas.microsoft.com/office/drawing/2014/main" id="{41B8ADE9-8A16-A052-6D7F-4478FF75CF0F}"/>
+              </a:ext>
+            </a:extLst>
+          </p:cNvPr>
+          <p:cNvSpPr>
+            <a:spLocks noGrp="1"/>
+          </p:cNvSpPr>
+          <p:nvPr>
+            <p:ph idx="1"/>
+          </p:nvPr>
+        </p:nvSpPr>
+        <p:spPr>
+          <a:xfrm>
+            <a:off x="838199" y="1825625"/>
+            <a:ext cx="10620375" cy="4689475"/>
+          </a:xfrm>
+        </p:spPr>
+        <p:txBody>
+          <a:bodyPr>
+            <a:normAutofit lnSpcReduction="10000"/>
+          </a:bodyPr>
           <a:lstStyle/>
           <a:p>
+            <a:pPr marL="0" indent="0">
+              <a:buNone/>
+            </a:pPr>
             <a:r>
               <a:rPr lang="en-GB" dirty="0" err="1"/>
               <a:t>Dr.</a:t>
             </a:r>
             <a:r>
               <a:rPr lang="en-GB" dirty="0"/>
-              <a:t> Robin </a:t>
+              <a:t> </a:t>
             </a:r>
             <a:r>
               <a:rPr lang="en-GB" dirty="0" err="1"/>
-              <a:t>Rajamäki</a:t>
+              <a:t>Zitong</a:t>
             </a:r>
             <a:r>
               <a:rPr lang="en-GB" dirty="0"/>
-              <a:t> </a:t>
-            </a:r>
-            <a:br>
+              <a:t> Yu </a:t>
+            </a:r>
+          </a:p>
+          <a:p>
+            <a:pPr marL="0" indent="0">
+              <a:buNone/>
+            </a:pPr>
+            <a:endParaRPr lang="en-GB" dirty="0"/>
+          </a:p>
+          <a:p>
+            <a:r>
+              <a:rPr lang="en-GB" dirty="0" err="1"/>
+              <a:t>AutoHR</a:t>
+            </a:r>
+            <a:r>
               <a:rPr lang="en-GB" dirty="0"/>
-            </a:br>
+              <a:t>: A Strong End-to-end Baseline for Remote Heart Rate Measurement with Neural Searching </a:t>
+            </a:r>
+          </a:p>
+          <a:p>
+            <a:pPr marL="0" indent="0">
+              <a:buNone/>
+            </a:pPr>
             <a:endParaRPr lang="en-GB" dirty="0"/>
           </a:p>
-        </p:txBody>
-      </p:sp>
-      <p:sp>
-        <p:nvSpPr>
-          <p:cNvPr id="3" name="Content Placeholder 2">
-            <a:extLst>
-              <a:ext uri="{FF2B5EF4-FFF2-40B4-BE49-F238E27FC236}">
-                <a16:creationId xmlns:a16="http://schemas.microsoft.com/office/drawing/2014/main" id="{60D25F4C-DD9D-3959-6D25-C26B71808669}"/>
-              </a:ext>
-            </a:extLst>
-          </p:cNvPr>
-          <p:cNvSpPr>
-            <a:spLocks noGrp="1"/>
-          </p:cNvSpPr>
-          <p:nvPr>
-            <p:ph idx="1"/>
-          </p:nvPr>
-        </p:nvSpPr>
-        <p:spPr/>
-        <p:txBody>
-          <a:bodyPr/>
-          <a:lstStyle/>
           <a:p>
             <a:pPr marL="0" indent="0">
               <a:buNone/>
             </a:pPr>
             <a:r>
+              <a:rPr lang="en-GB" dirty="0" err="1"/>
+              <a:t>Zitong</a:t>
+            </a:r>
+            <a:r>
               <a:rPr lang="en-GB" dirty="0"/>
-              <a:t>Robin </a:t>
+              <a:t> Yu is currently a postdoctoral researcher at ROSE Lab of Nanyang Technological University, Singapore. He also serves as an advisor on remote physiological measurement for </a:t>
             </a:r>
             <a:r>
               <a:rPr lang="en-GB" dirty="0" err="1"/>
-              <a:t>Rajamäki</a:t>
+              <a:t>BioTrillion</a:t>
             </a:r>
             <a:r>
               <a:rPr lang="en-GB" dirty="0"/>
-              <a:t> is a postdoctoral scholar at the University of California San Diego. He received his D.Sc. degree in electrical engineering in 2021 from Aalto University, Finland. His research interests lie in the intersection of theory and applications of statistical signal processing and optimization. In particular, his work focuses on sparse sensing using resource-efficient </a:t>
-            </a:r>
-            <a:r>
-              <a:rPr lang="en-GB" dirty="0" err="1"/>
-              <a:t>multisensor</a:t>
-            </a:r>
-            <a:r>
-              <a:rPr lang="en-GB" dirty="0"/>
-              <a:t> systems, which find applications in, e.g., radar and ultrasound imaging.</a:t>
+              <a:t>, USA. He received the Ph.D. degree in Computer Science from University of Oulu, Finland, in 2022. He was previously a visiting scholar at Torr Vision Group of the University of Oxford, UK, in 2021.</a:t>
             </a:r>
           </a:p>
         </p:txBody>
@@ -5559,7 +5773,7 @@
     </p:spTree>
     <p:extLst>
       <p:ext uri="{BB962C8B-B14F-4D97-AF65-F5344CB8AC3E}">
-        <p14:creationId xmlns:p14="http://schemas.microsoft.com/office/powerpoint/2010/main" val="3434685611"/>
+        <p14:creationId xmlns:p14="http://schemas.microsoft.com/office/powerpoint/2010/main" val="1017436517"/>
       </p:ext>
     </p:extLst>
   </p:cSld>
@@ -5645,7 +5859,7 @@
         </p:spPr>
         <p:txBody>
           <a:bodyPr>
-            <a:normAutofit/>
+            <a:normAutofit fontScale="92500" lnSpcReduction="20000"/>
           </a:bodyPr>
           <a:lstStyle/>
           <a:p>
@@ -5667,7 +5881,7 @@
             </a:pPr>
             <a:r>
               <a:rPr lang="en-GB" sz="3600" dirty="0"/>
-              <a:t>10:00 - 11:00 Expert Talk: </a:t>
+              <a:t>10:00 - 10:30 Expert Talk: </a:t>
             </a:r>
             <a:r>
               <a:rPr lang="en-GB" sz="3600" dirty="0" err="1"/>
@@ -5686,7 +5900,7 @@
             </a:pPr>
             <a:r>
               <a:rPr lang="en-GB" sz="3600" dirty="0"/>
-              <a:t>11:00 - 12:00 Paper Award Candidate: </a:t>
+              <a:t>10:30 - 11:10 Paper Award Candidate: </a:t>
             </a:r>
             <a:r>
               <a:rPr lang="en-GB" sz="3600" dirty="0" err="1"/>
@@ -5713,7 +5927,15 @@
             </a:pPr>
             <a:r>
               <a:rPr lang="en-GB" sz="3600" dirty="0"/>
-              <a:t>12:00 - 13:00 Lunch at Metso </a:t>
+              <a:t>11:16 - 12:00 Paper Award Candidate: </a:t>
+            </a:r>
+            <a:r>
+              <a:rPr lang="en-GB" sz="3600" dirty="0" err="1"/>
+              <a:t>Dr.</a:t>
+            </a:r>
+            <a:r>
+              <a:rPr lang="en-GB" sz="3600" dirty="0"/>
+              <a:t> Rui Gao</a:t>
             </a:r>
           </a:p>
           <a:p>
@@ -5724,15 +5946,7 @@
             </a:pPr>
             <a:r>
               <a:rPr lang="en-GB" sz="3600" dirty="0"/>
-              <a:t>13:00 - 14:00 Paper Award Candidate: </a:t>
-            </a:r>
-            <a:r>
-              <a:rPr lang="en-GB" sz="3600" dirty="0" err="1"/>
-              <a:t>Dr.</a:t>
-            </a:r>
-            <a:r>
-              <a:rPr lang="en-GB" sz="3600" dirty="0"/>
-              <a:t> Rui Gao</a:t>
+              <a:t>12:00 - 14:00 Lunch at Metso </a:t>
             </a:r>
           </a:p>
           <a:p>
@@ -5770,21 +5984,64 @@
             </a:pPr>
             <a:r>
               <a:rPr lang="en-GB" sz="3600" dirty="0"/>
-              <a:t>16:00 - 17:00 Paper Award Candidate: </a:t>
-            </a:r>
-            <a:r>
-              <a:rPr lang="en-GB" sz="3600" dirty="0" err="1"/>
+              <a:t>Recordings offline: </a:t>
+            </a:r>
+          </a:p>
+          <a:p>
+            <a:pPr lvl="1">
+              <a:lnSpc>
+                <a:spcPct val="110000"/>
+              </a:lnSpc>
+            </a:pPr>
+            <a:r>
+              <a:rPr lang="en-GB" sz="3200" dirty="0"/>
+              <a:t>Paper Award Candidate: </a:t>
+            </a:r>
+            <a:r>
+              <a:rPr lang="en-GB" sz="3200" dirty="0" err="1"/>
               <a:t>Dr.</a:t>
             </a:r>
             <a:r>
-              <a:rPr lang="en-GB" sz="3600" dirty="0"/>
+              <a:rPr lang="en-GB" sz="3200" dirty="0"/>
               <a:t> Robin </a:t>
             </a:r>
             <a:r>
-              <a:rPr lang="en-GB" sz="3600" dirty="0" err="1"/>
+              <a:rPr lang="en-GB" sz="3200" dirty="0" err="1"/>
               <a:t>Rajamäki</a:t>
             </a:r>
-            <a:endParaRPr lang="en-GB" sz="3600" dirty="0"/>
+            <a:endParaRPr lang="en-GB" sz="3200" dirty="0"/>
+          </a:p>
+          <a:p>
+            <a:pPr lvl="1">
+              <a:lnSpc>
+                <a:spcPct val="110000"/>
+              </a:lnSpc>
+            </a:pPr>
+            <a:r>
+              <a:rPr lang="en-GB" sz="3200" dirty="0"/>
+              <a:t>Paper Award Candidate: </a:t>
+            </a:r>
+            <a:r>
+              <a:rPr lang="en-GB" sz="3200" dirty="0" err="1"/>
+              <a:t>Dr.</a:t>
+            </a:r>
+            <a:r>
+              <a:rPr lang="en-GB" sz="3200" dirty="0"/>
+              <a:t> </a:t>
+            </a:r>
+            <a:r>
+              <a:rPr lang="en-GB" sz="3200"/>
+              <a:t>Andreas Hauptmann</a:t>
+            </a:r>
+            <a:endParaRPr lang="en-GB" sz="3200" dirty="0"/>
+          </a:p>
+          <a:p>
+            <a:pPr lvl="1">
+              <a:lnSpc>
+                <a:spcPct val="110000"/>
+              </a:lnSpc>
+            </a:pPr>
+            <a:endParaRPr lang="en-GB" sz="3200" dirty="0"/>
           </a:p>
         </p:txBody>
       </p:sp>
@@ -5792,6 +6049,127 @@
     <p:extLst>
       <p:ext uri="{BB962C8B-B14F-4D97-AF65-F5344CB8AC3E}">
         <p14:creationId xmlns:p14="http://schemas.microsoft.com/office/powerpoint/2010/main" val="3226775251"/>
+      </p:ext>
+    </p:extLst>
+  </p:cSld>
+  <p:clrMapOvr>
+    <a:masterClrMapping/>
+  </p:clrMapOvr>
+</p:sld>
+</file>
+
+<file path=ppt/slides/slide20.xml><?xml version="1.0" encoding="utf-8"?>
+<p:sld xmlns:a="http://schemas.openxmlformats.org/drawingml/2006/main" xmlns:r="http://schemas.openxmlformats.org/officeDocument/2006/relationships" xmlns:p="http://schemas.openxmlformats.org/presentationml/2006/main">
+  <p:cSld>
+    <p:spTree>
+      <p:nvGrpSpPr>
+        <p:cNvPr id="1" name=""/>
+        <p:cNvGrpSpPr/>
+        <p:nvPr/>
+      </p:nvGrpSpPr>
+      <p:grpSpPr>
+        <a:xfrm>
+          <a:off x="0" y="0"/>
+          <a:ext cx="0" cy="0"/>
+          <a:chOff x="0" y="0"/>
+          <a:chExt cx="0" cy="0"/>
+        </a:xfrm>
+      </p:grpSpPr>
+      <p:sp>
+        <p:nvSpPr>
+          <p:cNvPr id="2" name="Title 1">
+            <a:extLst>
+              <a:ext uri="{FF2B5EF4-FFF2-40B4-BE49-F238E27FC236}">
+                <a16:creationId xmlns:a16="http://schemas.microsoft.com/office/drawing/2014/main" id="{95CD2062-CA08-3B06-DE05-8129ABAB565A}"/>
+              </a:ext>
+            </a:extLst>
+          </p:cNvPr>
+          <p:cNvSpPr>
+            <a:spLocks noGrp="1"/>
+          </p:cNvSpPr>
+          <p:nvPr>
+            <p:ph type="title"/>
+          </p:nvPr>
+        </p:nvSpPr>
+        <p:spPr/>
+        <p:txBody>
+          <a:bodyPr/>
+          <a:lstStyle/>
+          <a:p>
+            <a:r>
+              <a:rPr lang="en-GB" dirty="0" err="1"/>
+              <a:t>Dr.</a:t>
+            </a:r>
+            <a:r>
+              <a:rPr lang="en-GB" dirty="0"/>
+              <a:t> Robin </a:t>
+            </a:r>
+            <a:r>
+              <a:rPr lang="en-GB" dirty="0" err="1"/>
+              <a:t>Rajamäki</a:t>
+            </a:r>
+            <a:r>
+              <a:rPr lang="en-GB" dirty="0"/>
+              <a:t> </a:t>
+            </a:r>
+            <a:br>
+              <a:rPr lang="en-GB" dirty="0"/>
+            </a:br>
+            <a:endParaRPr lang="en-GB" dirty="0"/>
+          </a:p>
+        </p:txBody>
+      </p:sp>
+      <p:sp>
+        <p:nvSpPr>
+          <p:cNvPr id="3" name="Content Placeholder 2">
+            <a:extLst>
+              <a:ext uri="{FF2B5EF4-FFF2-40B4-BE49-F238E27FC236}">
+                <a16:creationId xmlns:a16="http://schemas.microsoft.com/office/drawing/2014/main" id="{60D25F4C-DD9D-3959-6D25-C26B71808669}"/>
+              </a:ext>
+            </a:extLst>
+          </p:cNvPr>
+          <p:cNvSpPr>
+            <a:spLocks noGrp="1"/>
+          </p:cNvSpPr>
+          <p:nvPr>
+            <p:ph idx="1"/>
+          </p:nvPr>
+        </p:nvSpPr>
+        <p:spPr/>
+        <p:txBody>
+          <a:bodyPr/>
+          <a:lstStyle/>
+          <a:p>
+            <a:pPr marL="0" indent="0">
+              <a:buNone/>
+            </a:pPr>
+            <a:r>
+              <a:rPr lang="en-GB" dirty="0"/>
+              <a:t>Robin </a:t>
+            </a:r>
+            <a:r>
+              <a:rPr lang="en-GB" dirty="0" err="1"/>
+              <a:t>Rajamäki</a:t>
+            </a:r>
+            <a:r>
+              <a:rPr lang="en-GB" dirty="0"/>
+              <a:t> is a postdoctoral scholar at the University of California San Diego. He received his D.Sc. degree in electrical engineering in 2021 from Aalto University, Finland. His research interests lie in the intersection of theory and applications of statistical signal processing and optimization. In particular, his work focuses on sparse sensing using resource-efficient </a:t>
+            </a:r>
+            <a:r>
+              <a:rPr lang="en-GB" dirty="0" err="1"/>
+              <a:t>multisensor</a:t>
+            </a:r>
+            <a:r>
+              <a:rPr lang="en-GB" dirty="0"/>
+              <a:t> systems, which find applications in, e.g., radar and ultrasound imaging.</a:t>
+            </a:r>
+          </a:p>
+        </p:txBody>
+      </p:sp>
+    </p:spTree>
+    <p:extLst>
+      <p:ext uri="{BB962C8B-B14F-4D97-AF65-F5344CB8AC3E}">
+        <p14:creationId xmlns:p14="http://schemas.microsoft.com/office/powerpoint/2010/main" val="3434685611"/>
       </p:ext>
     </p:extLst>
   </p:cSld>
@@ -5823,6 +6201,154 @@
           <p:cNvPr id="2" name="Title 1">
             <a:extLst>
               <a:ext uri="{FF2B5EF4-FFF2-40B4-BE49-F238E27FC236}">
+                <a16:creationId xmlns:a16="http://schemas.microsoft.com/office/drawing/2014/main" id="{569AAA9C-7223-76F9-1392-684F7114E547}"/>
+              </a:ext>
+            </a:extLst>
+          </p:cNvPr>
+          <p:cNvSpPr>
+            <a:spLocks noGrp="1"/>
+          </p:cNvSpPr>
+          <p:nvPr>
+            <p:ph type="title"/>
+          </p:nvPr>
+        </p:nvSpPr>
+        <p:spPr/>
+        <p:txBody>
+          <a:bodyPr/>
+          <a:lstStyle/>
+          <a:p>
+            <a:r>
+              <a:rPr lang="en-GB" dirty="0"/>
+              <a:t>JOIN OUR SLACK ! </a:t>
+            </a:r>
+          </a:p>
+        </p:txBody>
+      </p:sp>
+      <p:sp>
+        <p:nvSpPr>
+          <p:cNvPr id="3" name="Content Placeholder 2">
+            <a:extLst>
+              <a:ext uri="{FF2B5EF4-FFF2-40B4-BE49-F238E27FC236}">
+                <a16:creationId xmlns:a16="http://schemas.microsoft.com/office/drawing/2014/main" id="{2CEAB953-35C0-9ED6-74E1-519BCD681B29}"/>
+              </a:ext>
+            </a:extLst>
+          </p:cNvPr>
+          <p:cNvSpPr>
+            <a:spLocks noGrp="1"/>
+          </p:cNvSpPr>
+          <p:nvPr>
+            <p:ph idx="1"/>
+          </p:nvPr>
+        </p:nvSpPr>
+        <p:spPr>
+          <a:xfrm>
+            <a:off x="838200" y="1825625"/>
+            <a:ext cx="10223500" cy="1019175"/>
+          </a:xfrm>
+        </p:spPr>
+        <p:txBody>
+          <a:bodyPr/>
+          <a:lstStyle/>
+          <a:p>
+            <a:pPr marL="0" indent="0">
+              <a:buNone/>
+            </a:pPr>
+            <a:r>
+              <a:rPr lang="en-GB" dirty="0"/>
+              <a:t>https://</a:t>
+            </a:r>
+            <a:r>
+              <a:rPr lang="en-GB" dirty="0" err="1"/>
+              <a:t>join.slack.com</a:t>
+            </a:r>
+            <a:r>
+              <a:rPr lang="en-GB" dirty="0"/>
+              <a:t>/t/</a:t>
+            </a:r>
+            <a:r>
+              <a:rPr lang="en-GB" dirty="0" err="1"/>
+              <a:t>ieeespcas</a:t>
+            </a:r>
+            <a:r>
+              <a:rPr lang="en-GB" dirty="0"/>
+              <a:t>/</a:t>
+            </a:r>
+            <a:r>
+              <a:rPr lang="en-GB" dirty="0" err="1"/>
+              <a:t>shared_invite</a:t>
+            </a:r>
+            <a:r>
+              <a:rPr lang="en-GB" dirty="0"/>
+              <a:t>/zt-1fjem37fa-DcLuNHbj_KC1N8NDUblHHQ</a:t>
+            </a:r>
+          </a:p>
+        </p:txBody>
+      </p:sp>
+      <p:pic>
+        <p:nvPicPr>
+          <p:cNvPr id="5" name="Picture 4" descr="Qr code&#10;&#10;Description automatically generated">
+            <a:extLst>
+              <a:ext uri="{FF2B5EF4-FFF2-40B4-BE49-F238E27FC236}">
+                <a16:creationId xmlns:a16="http://schemas.microsoft.com/office/drawing/2014/main" id="{56A51593-9320-0C38-CD64-8311D0EEFE9C}"/>
+              </a:ext>
+            </a:extLst>
+          </p:cNvPr>
+          <p:cNvPicPr>
+            <a:picLocks noChangeAspect="1"/>
+          </p:cNvPicPr>
+          <p:nvPr/>
+        </p:nvPicPr>
+        <p:blipFill>
+          <a:blip r:embed="rId2"/>
+          <a:stretch>
+            <a:fillRect/>
+          </a:stretch>
+        </p:blipFill>
+        <p:spPr>
+          <a:xfrm>
+            <a:off x="6334542" y="2844800"/>
+            <a:ext cx="3860949" cy="3878263"/>
+          </a:xfrm>
+          <a:prstGeom prst="rect">
+            <a:avLst/>
+          </a:prstGeom>
+        </p:spPr>
+      </p:pic>
+    </p:spTree>
+    <p:extLst>
+      <p:ext uri="{BB962C8B-B14F-4D97-AF65-F5344CB8AC3E}">
+        <p14:creationId xmlns:p14="http://schemas.microsoft.com/office/powerpoint/2010/main" val="383636096"/>
+      </p:ext>
+    </p:extLst>
+  </p:cSld>
+  <p:clrMapOvr>
+    <a:masterClrMapping/>
+  </p:clrMapOvr>
+</p:sld>
+</file>
+
+<file path=ppt/slides/slide4.xml><?xml version="1.0" encoding="utf-8"?>
+<p:sld xmlns:a="http://schemas.openxmlformats.org/drawingml/2006/main" xmlns:r="http://schemas.openxmlformats.org/officeDocument/2006/relationships" xmlns:p="http://schemas.openxmlformats.org/presentationml/2006/main">
+  <p:cSld>
+    <p:spTree>
+      <p:nvGrpSpPr>
+        <p:cNvPr id="1" name=""/>
+        <p:cNvGrpSpPr/>
+        <p:nvPr/>
+      </p:nvGrpSpPr>
+      <p:grpSpPr>
+        <a:xfrm>
+          <a:off x="0" y="0"/>
+          <a:ext cx="0" cy="0"/>
+          <a:chOff x="0" y="0"/>
+          <a:chExt cx="0" cy="0"/>
+        </a:xfrm>
+      </p:grpSpPr>
+      <p:sp>
+        <p:nvSpPr>
+          <p:cNvPr id="2" name="Title 1">
+            <a:extLst>
+              <a:ext uri="{FF2B5EF4-FFF2-40B4-BE49-F238E27FC236}">
                 <a16:creationId xmlns:a16="http://schemas.microsoft.com/office/drawing/2014/main" id="{363195E3-D5BD-FE50-D620-32B4CE1A8C1D}"/>
               </a:ext>
             </a:extLst>
@@ -5961,7 +6487,7 @@
 </p:sld>
 </file>
 
-<file path=ppt/slides/slide4.xml><?xml version="1.0" encoding="utf-8"?>
+<file path=ppt/slides/slide5.xml><?xml version="1.0" encoding="utf-8"?>
 <p:sld xmlns:a="http://schemas.openxmlformats.org/drawingml/2006/main" xmlns:r="http://schemas.openxmlformats.org/officeDocument/2006/relationships" xmlns:p="http://schemas.openxmlformats.org/presentationml/2006/main">
   <p:cSld>
     <p:spTree>
@@ -6669,7 +7195,7 @@
 </p:sld>
 </file>
 
-<file path=ppt/slides/slide5.xml><?xml version="1.0" encoding="utf-8"?>
+<file path=ppt/slides/slide6.xml><?xml version="1.0" encoding="utf-8"?>
 <p:sld xmlns:a="http://schemas.openxmlformats.org/drawingml/2006/main" xmlns:r="http://schemas.openxmlformats.org/officeDocument/2006/relationships" xmlns:p="http://schemas.openxmlformats.org/presentationml/2006/main">
   <p:cSld>
     <p:spTree>
@@ -6847,7 +7373,7 @@
 </p:sld>
 </file>
 
-<file path=ppt/slides/slide6.xml><?xml version="1.0" encoding="utf-8"?>
+<file path=ppt/slides/slide7.xml><?xml version="1.0" encoding="utf-8"?>
 <p:sld xmlns:a="http://schemas.openxmlformats.org/drawingml/2006/main" xmlns:r="http://schemas.openxmlformats.org/officeDocument/2006/relationships" xmlns:p="http://schemas.openxmlformats.org/presentationml/2006/main">
   <p:cSld>
     <p:spTree>
@@ -6985,101 +7511,6 @@
 </p:sld>
 </file>
 
-<file path=ppt/slides/slide7.xml><?xml version="1.0" encoding="utf-8"?>
-<p:sld xmlns:a="http://schemas.openxmlformats.org/drawingml/2006/main" xmlns:r="http://schemas.openxmlformats.org/officeDocument/2006/relationships" xmlns:p="http://schemas.openxmlformats.org/presentationml/2006/main">
-  <p:cSld>
-    <p:spTree>
-      <p:nvGrpSpPr>
-        <p:cNvPr id="1" name=""/>
-        <p:cNvGrpSpPr/>
-        <p:nvPr/>
-      </p:nvGrpSpPr>
-      <p:grpSpPr>
-        <a:xfrm>
-          <a:off x="0" y="0"/>
-          <a:ext cx="0" cy="0"/>
-          <a:chOff x="0" y="0"/>
-          <a:chExt cx="0" cy="0"/>
-        </a:xfrm>
-      </p:grpSpPr>
-      <p:sp>
-        <p:nvSpPr>
-          <p:cNvPr id="2" name="Title 1">
-            <a:extLst>
-              <a:ext uri="{FF2B5EF4-FFF2-40B4-BE49-F238E27FC236}">
-                <a16:creationId xmlns:a16="http://schemas.microsoft.com/office/drawing/2014/main" id="{E028911A-08EC-A918-A131-74FEE4CA6C77}"/>
-              </a:ext>
-            </a:extLst>
-          </p:cNvPr>
-          <p:cNvSpPr>
-            <a:spLocks noGrp="1"/>
-          </p:cNvSpPr>
-          <p:nvPr>
-            <p:ph type="title"/>
-          </p:nvPr>
-        </p:nvSpPr>
-        <p:spPr/>
-        <p:txBody>
-          <a:bodyPr>
-            <a:normAutofit/>
-          </a:bodyPr>
-          <a:lstStyle/>
-          <a:p>
-            <a:r>
-              <a:rPr lang="en-GB" sz="5400" b="1" dirty="0"/>
-              <a:t>Gender Imbalance </a:t>
-            </a:r>
-          </a:p>
-        </p:txBody>
-      </p:sp>
-      <p:pic>
-        <p:nvPicPr>
-          <p:cNvPr id="5" name="Content Placeholder 4" descr="Chart, pie chart&#10;&#10;Description automatically generated">
-            <a:extLst>
-              <a:ext uri="{FF2B5EF4-FFF2-40B4-BE49-F238E27FC236}">
-                <a16:creationId xmlns:a16="http://schemas.microsoft.com/office/drawing/2014/main" id="{866F4650-D6B6-50CE-D5AE-179623439282}"/>
-              </a:ext>
-            </a:extLst>
-          </p:cNvPr>
-          <p:cNvPicPr>
-            <a:picLocks noGrp="1" noChangeAspect="1"/>
-          </p:cNvPicPr>
-          <p:nvPr>
-            <p:ph idx="1"/>
-          </p:nvPr>
-        </p:nvPicPr>
-        <p:blipFill>
-          <a:blip r:embed="rId2" cstate="email">
-            <a:extLst>
-              <a:ext uri="{28A0092B-C50C-407E-A947-70E740481C1C}">
-                <a14:useLocalDpi xmlns:a14="http://schemas.microsoft.com/office/drawing/2010/main"/>
-              </a:ext>
-            </a:extLst>
-          </a:blip>
-          <a:stretch>
-            <a:fillRect/>
-          </a:stretch>
-        </p:blipFill>
-        <p:spPr>
-          <a:xfrm>
-            <a:off x="2638044" y="1690688"/>
-            <a:ext cx="6140196" cy="4479323"/>
-          </a:xfrm>
-        </p:spPr>
-      </p:pic>
-    </p:spTree>
-    <p:extLst>
-      <p:ext uri="{BB962C8B-B14F-4D97-AF65-F5344CB8AC3E}">
-        <p14:creationId xmlns:p14="http://schemas.microsoft.com/office/powerpoint/2010/main" val="2194249788"/>
-      </p:ext>
-    </p:extLst>
-  </p:cSld>
-  <p:clrMapOvr>
-    <a:masterClrMapping/>
-  </p:clrMapOvr>
-</p:sld>
-</file>
-
 <file path=ppt/slides/slide8.xml><?xml version="1.0" encoding="utf-8"?>
 <p:sld xmlns:a="http://schemas.openxmlformats.org/drawingml/2006/main" xmlns:r="http://schemas.openxmlformats.org/officeDocument/2006/relationships" xmlns:p="http://schemas.openxmlformats.org/presentationml/2006/main">
   <p:cSld>
@@ -7097,19 +7528,51 @@
           <a:chExt cx="0" cy="0"/>
         </a:xfrm>
       </p:grpSpPr>
+      <p:sp>
+        <p:nvSpPr>
+          <p:cNvPr id="2" name="Title 1">
+            <a:extLst>
+              <a:ext uri="{FF2B5EF4-FFF2-40B4-BE49-F238E27FC236}">
+                <a16:creationId xmlns:a16="http://schemas.microsoft.com/office/drawing/2014/main" id="{E028911A-08EC-A918-A131-74FEE4CA6C77}"/>
+              </a:ext>
+            </a:extLst>
+          </p:cNvPr>
+          <p:cNvSpPr>
+            <a:spLocks noGrp="1"/>
+          </p:cNvSpPr>
+          <p:nvPr>
+            <p:ph type="title"/>
+          </p:nvPr>
+        </p:nvSpPr>
+        <p:spPr/>
+        <p:txBody>
+          <a:bodyPr>
+            <a:normAutofit/>
+          </a:bodyPr>
+          <a:lstStyle/>
+          <a:p>
+            <a:r>
+              <a:rPr lang="en-GB" sz="5400" b="1" dirty="0"/>
+              <a:t>Gender Imbalance </a:t>
+            </a:r>
+          </a:p>
+        </p:txBody>
+      </p:sp>
       <p:pic>
         <p:nvPicPr>
-          <p:cNvPr id="4" name="Picture 3">
-            <a:extLst>
-              <a:ext uri="{FF2B5EF4-FFF2-40B4-BE49-F238E27FC236}">
-                <a16:creationId xmlns:a16="http://schemas.microsoft.com/office/drawing/2014/main" id="{1DAD5646-F394-D1FD-0EA7-1ABCBA280E32}"/>
+          <p:cNvPr id="5" name="Content Placeholder 4" descr="Chart, pie chart&#10;&#10;Description automatically generated">
+            <a:extLst>
+              <a:ext uri="{FF2B5EF4-FFF2-40B4-BE49-F238E27FC236}">
+                <a16:creationId xmlns:a16="http://schemas.microsoft.com/office/drawing/2014/main" id="{866F4650-D6B6-50CE-D5AE-179623439282}"/>
               </a:ext>
             </a:extLst>
           </p:cNvPr>
           <p:cNvPicPr>
-            <a:picLocks noChangeAspect="1"/>
+            <a:picLocks noGrp="1" noChangeAspect="1"/>
           </p:cNvPicPr>
-          <p:nvPr/>
+          <p:nvPr>
+            <p:ph idx="1"/>
+          </p:nvPr>
         </p:nvPicPr>
         <p:blipFill>
           <a:blip r:embed="rId2" cstate="email">
@@ -7125,18 +7588,15 @@
         </p:blipFill>
         <p:spPr>
           <a:xfrm>
-            <a:off x="1019556" y="1032320"/>
-            <a:ext cx="10152888" cy="5060378"/>
+            <a:off x="2638044" y="1690688"/>
+            <a:ext cx="6140196" cy="4479323"/>
           </a:xfrm>
-          <a:prstGeom prst="rect">
-            <a:avLst/>
-          </a:prstGeom>
         </p:spPr>
       </p:pic>
     </p:spTree>
     <p:extLst>
       <p:ext uri="{BB962C8B-B14F-4D97-AF65-F5344CB8AC3E}">
-        <p14:creationId xmlns:p14="http://schemas.microsoft.com/office/powerpoint/2010/main" val="716791082"/>
+        <p14:creationId xmlns:p14="http://schemas.microsoft.com/office/powerpoint/2010/main" val="2194249788"/>
       </p:ext>
     </p:extLst>
   </p:cSld>
@@ -7163,164 +7623,12 @@
           <a:chExt cx="0" cy="0"/>
         </a:xfrm>
       </p:grpSpPr>
-      <p:sp>
-        <p:nvSpPr>
-          <p:cNvPr id="2" name="Title 1">
-            <a:extLst>
-              <a:ext uri="{FF2B5EF4-FFF2-40B4-BE49-F238E27FC236}">
-                <a16:creationId xmlns:a16="http://schemas.microsoft.com/office/drawing/2014/main" id="{B01CAC9E-37D9-4A0D-0997-06781739F703}"/>
-              </a:ext>
-            </a:extLst>
-          </p:cNvPr>
-          <p:cNvSpPr>
-            <a:spLocks noGrp="1"/>
-          </p:cNvSpPr>
-          <p:nvPr>
-            <p:ph type="title"/>
-          </p:nvPr>
-        </p:nvSpPr>
-        <p:spPr>
-          <a:xfrm>
-            <a:off x="669885" y="284102"/>
-            <a:ext cx="10515600" cy="1325563"/>
-          </a:xfrm>
-        </p:spPr>
-        <p:txBody>
-          <a:bodyPr>
-            <a:normAutofit/>
-          </a:bodyPr>
-          <a:lstStyle/>
-          <a:p>
-            <a:r>
-              <a:rPr lang="en-GB" sz="5400" b="1" dirty="0"/>
-              <a:t>Chapter Board</a:t>
-            </a:r>
-          </a:p>
-        </p:txBody>
-      </p:sp>
-      <p:sp>
-        <p:nvSpPr>
-          <p:cNvPr id="3" name="Content Placeholder 2">
-            <a:extLst>
-              <a:ext uri="{FF2B5EF4-FFF2-40B4-BE49-F238E27FC236}">
-                <a16:creationId xmlns:a16="http://schemas.microsoft.com/office/drawing/2014/main" id="{27239E62-DCCE-7A37-1CB5-E556B77F1A1B}"/>
-              </a:ext>
-            </a:extLst>
-          </p:cNvPr>
-          <p:cNvSpPr>
-            <a:spLocks noGrp="1"/>
-          </p:cNvSpPr>
-          <p:nvPr>
-            <p:ph idx="1"/>
-          </p:nvPr>
-        </p:nvSpPr>
-        <p:spPr>
-          <a:xfrm>
-            <a:off x="669884" y="946883"/>
-            <a:ext cx="11306215" cy="5911117"/>
-          </a:xfrm>
-        </p:spPr>
-        <p:txBody>
-          <a:bodyPr>
-            <a:noAutofit/>
-          </a:bodyPr>
-          <a:lstStyle/>
-          <a:p>
-            <a:pPr>
-              <a:lnSpc>
-                <a:spcPct val="200000"/>
-              </a:lnSpc>
-            </a:pPr>
-            <a:r>
-              <a:rPr lang="en-GB" sz="4000" dirty="0"/>
-              <a:t>Chair: </a:t>
-            </a:r>
-            <a:r>
-              <a:rPr lang="en-GB" sz="4000" b="1" dirty="0"/>
-              <a:t>Alex Jung </a:t>
-            </a:r>
-            <a:r>
-              <a:rPr lang="en-GB" sz="4000" dirty="0"/>
-              <a:t>(Aalto)</a:t>
-            </a:r>
-          </a:p>
-          <a:p>
-            <a:pPr>
-              <a:lnSpc>
-                <a:spcPct val="200000"/>
-              </a:lnSpc>
-            </a:pPr>
-            <a:r>
-              <a:rPr lang="en-GB" sz="4000" dirty="0"/>
-              <a:t>Treasurer: </a:t>
-            </a:r>
-            <a:r>
-              <a:rPr lang="en-GB" sz="4000" b="1" dirty="0"/>
-              <a:t>Dick C. </a:t>
-            </a:r>
-            <a:r>
-              <a:rPr lang="en-GB" sz="4000" b="1" dirty="0" err="1"/>
-              <a:t>Melgarejo</a:t>
-            </a:r>
-            <a:r>
-              <a:rPr lang="en-GB" sz="4000" b="1" dirty="0"/>
-              <a:t> </a:t>
-            </a:r>
-            <a:r>
-              <a:rPr lang="en-GB" sz="4000" dirty="0"/>
-              <a:t>(LUT)  </a:t>
-            </a:r>
-          </a:p>
-          <a:p>
-            <a:pPr>
-              <a:lnSpc>
-                <a:spcPct val="200000"/>
-              </a:lnSpc>
-            </a:pPr>
-            <a:r>
-              <a:rPr lang="en-GB" sz="4000" dirty="0"/>
-              <a:t>Co-Chair: </a:t>
-            </a:r>
-            <a:r>
-              <a:rPr lang="en-GB" sz="4000" b="1" dirty="0"/>
-              <a:t>Hamed R. </a:t>
-            </a:r>
-            <a:r>
-              <a:rPr lang="en-GB" sz="4000" b="1" dirty="0" err="1"/>
-              <a:t>Tavakoli</a:t>
-            </a:r>
-            <a:r>
-              <a:rPr lang="en-GB" sz="4000" dirty="0"/>
-              <a:t> (Nokia)</a:t>
-            </a:r>
-          </a:p>
-          <a:p>
-            <a:pPr>
-              <a:lnSpc>
-                <a:spcPct val="200000"/>
-              </a:lnSpc>
-            </a:pPr>
-            <a:r>
-              <a:rPr lang="en-GB" sz="4000" dirty="0"/>
-              <a:t>Secretary: </a:t>
-            </a:r>
-            <a:r>
-              <a:rPr lang="en-GB" sz="4000" b="1" dirty="0"/>
-              <a:t>Jose Maria Perez-Macias</a:t>
-            </a:r>
-            <a:r>
-              <a:rPr lang="en-GB" sz="4000" dirty="0"/>
-              <a:t>(TAU)</a:t>
-            </a:r>
-          </a:p>
-        </p:txBody>
-      </p:sp>
       <p:pic>
         <p:nvPicPr>
-          <p:cNvPr id="5" name="Picture 4" descr="A picture containing person, wall, indoor, person&#10;&#10;Description automatically generated">
-            <a:extLst>
-              <a:ext uri="{FF2B5EF4-FFF2-40B4-BE49-F238E27FC236}">
-                <a16:creationId xmlns:a16="http://schemas.microsoft.com/office/drawing/2014/main" id="{EED9A21A-1C2A-3B7F-A6A8-E3C30AFDC279}"/>
+          <p:cNvPr id="4" name="Picture 3">
+            <a:extLst>
+              <a:ext uri="{FF2B5EF4-FFF2-40B4-BE49-F238E27FC236}">
+                <a16:creationId xmlns:a16="http://schemas.microsoft.com/office/drawing/2014/main" id="{1DAD5646-F394-D1FD-0EA7-1ABCBA280E32}"/>
               </a:ext>
             </a:extLst>
           </p:cNvPr>
@@ -7330,122 +7638,21 @@
           <p:nvPr/>
         </p:nvPicPr>
         <p:blipFill>
-          <a:blip r:embed="rId2"/>
+          <a:blip r:embed="rId2" cstate="email">
+            <a:extLst>
+              <a:ext uri="{28A0092B-C50C-407E-A947-70E740481C1C}">
+                <a14:useLocalDpi xmlns:a14="http://schemas.microsoft.com/office/drawing/2010/main"/>
+              </a:ext>
+            </a:extLst>
+          </a:blip>
           <a:stretch>
             <a:fillRect/>
           </a:stretch>
         </p:blipFill>
         <p:spPr>
           <a:xfrm>
-            <a:off x="6503987" y="625415"/>
-            <a:ext cx="1498600" cy="1968500"/>
-          </a:xfrm>
-          <a:prstGeom prst="rect">
-            <a:avLst/>
-          </a:prstGeom>
-        </p:spPr>
-      </p:pic>
-      <p:pic>
-        <p:nvPicPr>
-          <p:cNvPr id="7" name="Picture 6" descr="A person wearing glasses&#10;&#10;Description automatically generated with medium confidence">
-            <a:extLst>
-              <a:ext uri="{FF2B5EF4-FFF2-40B4-BE49-F238E27FC236}">
-                <a16:creationId xmlns:a16="http://schemas.microsoft.com/office/drawing/2014/main" id="{5652D780-F4C7-5D15-A169-C8FC151CB65E}"/>
-              </a:ext>
-            </a:extLst>
-          </p:cNvPr>
-          <p:cNvPicPr>
-            <a:picLocks noChangeAspect="1"/>
-          </p:cNvPicPr>
-          <p:nvPr/>
-        </p:nvPicPr>
-        <p:blipFill>
-          <a:blip r:embed="rId3"/>
-          <a:stretch>
-            <a:fillRect/>
-          </a:stretch>
-        </p:blipFill>
-        <p:spPr>
-          <a:xfrm>
-            <a:off x="9303543" y="1866971"/>
-            <a:ext cx="1498600" cy="1881221"/>
-          </a:xfrm>
-          <a:prstGeom prst="rect">
-            <a:avLst/>
-          </a:prstGeom>
-        </p:spPr>
-      </p:pic>
-      <p:pic>
-        <p:nvPicPr>
-          <p:cNvPr id="2050" name="Picture 2" descr="2021 IEEE SPS Cycle 2 School on Networked Federated Learning: Theory,  Algorithms and Applications : vTools Events">
-            <a:extLst>
-              <a:ext uri="{FF2B5EF4-FFF2-40B4-BE49-F238E27FC236}">
-                <a16:creationId xmlns:a16="http://schemas.microsoft.com/office/drawing/2014/main" id="{19E5FE7C-1E02-9C86-EB61-0A515B2C2795}"/>
-              </a:ext>
-            </a:extLst>
-          </p:cNvPr>
-          <p:cNvPicPr>
-            <a:picLocks noChangeAspect="1" noChangeArrowheads="1"/>
-          </p:cNvPicPr>
-          <p:nvPr/>
-        </p:nvPicPr>
-        <p:blipFill>
-          <a:blip r:embed="rId4">
-            <a:extLst>
-              <a:ext uri="{28A0092B-C50C-407E-A947-70E740481C1C}">
-                <a14:useLocalDpi xmlns:a14="http://schemas.microsoft.com/office/drawing/2010/main" val="0"/>
-              </a:ext>
-            </a:extLst>
-          </a:blip>
-          <a:srcRect/>
-          <a:stretch>
-            <a:fillRect/>
-          </a:stretch>
-        </p:blipFill>
-        <p:spPr bwMode="auto">
-          <a:xfrm>
-            <a:off x="8490742" y="3598173"/>
-            <a:ext cx="1625600" cy="1625600"/>
-          </a:xfrm>
-          <a:prstGeom prst="rect">
-            <a:avLst/>
-          </a:prstGeom>
-          <a:noFill/>
-          <a:extLst>
-            <a:ext uri="{909E8E84-426E-40DD-AFC4-6F175D3DCCD1}">
-              <a14:hiddenFill xmlns:a14="http://schemas.microsoft.com/office/drawing/2010/main">
-                <a:solidFill>
-                  <a:srgbClr val="FFFFFF"/>
-                </a:solidFill>
-              </a14:hiddenFill>
-            </a:ext>
-          </a:extLst>
-        </p:spPr>
-      </p:pic>
-      <p:pic>
-        <p:nvPicPr>
-          <p:cNvPr id="9" name="Picture 8" descr="A picture containing person, person, indoor&#10;&#10;Description automatically generated">
-            <a:extLst>
-              <a:ext uri="{FF2B5EF4-FFF2-40B4-BE49-F238E27FC236}">
-                <a16:creationId xmlns:a16="http://schemas.microsoft.com/office/drawing/2014/main" id="{97961CAF-3A74-327E-A687-DB4A30B192A5}"/>
-              </a:ext>
-            </a:extLst>
-          </p:cNvPr>
-          <p:cNvPicPr>
-            <a:picLocks noChangeAspect="1"/>
-          </p:cNvPicPr>
-          <p:nvPr/>
-        </p:nvPicPr>
-        <p:blipFill>
-          <a:blip r:embed="rId5"/>
-          <a:stretch>
-            <a:fillRect/>
-          </a:stretch>
-        </p:blipFill>
-        <p:spPr>
-          <a:xfrm>
-            <a:off x="10084632" y="4950360"/>
-            <a:ext cx="1495427" cy="1855771"/>
+            <a:off x="1019556" y="1032320"/>
+            <a:ext cx="10152888" cy="5060378"/>
           </a:xfrm>
           <a:prstGeom prst="rect">
             <a:avLst/>
@@ -7455,7 +7662,7 @@
     </p:spTree>
     <p:extLst>
       <p:ext uri="{BB962C8B-B14F-4D97-AF65-F5344CB8AC3E}">
-        <p14:creationId xmlns:p14="http://schemas.microsoft.com/office/powerpoint/2010/main" val="3756345656"/>
+        <p14:creationId xmlns:p14="http://schemas.microsoft.com/office/powerpoint/2010/main" val="716791082"/>
       </p:ext>
     </p:extLst>
   </p:cSld>
